--- a/documents/Database-ER-Diagram.pptx
+++ b/documents/Database-ER-Diagram.pptx
@@ -14,6 +14,8 @@
     <p:sldId id="262" r:id="rId8"/>
     <p:sldId id="263" r:id="rId9"/>
     <p:sldId id="264" r:id="rId10"/>
+    <p:sldId id="265" r:id="rId11"/>
+    <p:sldId id="266" r:id="rId12"/>
   </p:sldIdLst>
   <p:sldSz cx="12192000" cy="6858000"/>
   <p:notesSz cx="6858000" cy="9144000"/>
@@ -112,6 +114,11 @@
       </a:defRPr>
     </a:lvl9pPr>
   </p:defaultTextStyle>
+  <p:extLst>
+    <p:ext uri="{EFAFB233-063F-42B5-8137-9DF3F51BA10A}">
+      <p15:sldGuideLst xmlns:p15="http://schemas.microsoft.com/office/powerpoint/2012/main"/>
+    </p:ext>
+  </p:extLst>
 </p:presentation>
 </file>
 
@@ -3516,6 +3523,1286 @@
 </p:sld>
 </file>
 
+<file path=ppt/slides/slide10.xml><?xml version="1.0" encoding="utf-8"?>
+<p:sld xmlns:a="http://schemas.openxmlformats.org/drawingml/2006/main" xmlns:r="http://schemas.openxmlformats.org/officeDocument/2006/relationships" xmlns:p="http://schemas.openxmlformats.org/presentationml/2006/main">
+  <p:cSld>
+    <p:spTree>
+      <p:nvGrpSpPr>
+        <p:cNvPr id="1" name=""/>
+        <p:cNvGrpSpPr/>
+        <p:nvPr/>
+      </p:nvGrpSpPr>
+      <p:grpSpPr>
+        <a:xfrm>
+          <a:off x="0" y="0"/>
+          <a:ext cx="0" cy="0"/>
+          <a:chOff x="0" y="0"/>
+          <a:chExt cx="0" cy="0"/>
+        </a:xfrm>
+      </p:grpSpPr>
+      <p:sp>
+        <p:nvSpPr>
+          <p:cNvPr id="2" name="제목 1">
+            <a:extLst>
+              <a:ext uri="{FF2B5EF4-FFF2-40B4-BE49-F238E27FC236}">
+                <a16:creationId xmlns:a16="http://schemas.microsoft.com/office/drawing/2014/main" id="{07B9E433-112D-406E-808C-1B00FC2274E9}"/>
+              </a:ext>
+            </a:extLst>
+          </p:cNvPr>
+          <p:cNvSpPr>
+            <a:spLocks noGrp="1"/>
+          </p:cNvSpPr>
+          <p:nvPr>
+            <p:ph type="title"/>
+          </p:nvPr>
+        </p:nvSpPr>
+        <p:spPr/>
+        <p:txBody>
+          <a:bodyPr/>
+          <a:lstStyle/>
+          <a:p>
+            <a:r>
+              <a:rPr lang="en-US" altLang="ko-KR" dirty="0" err="1"/>
+              <a:t>mv_otherSubsidyCost</a:t>
+            </a:r>
+            <a:endParaRPr lang="ko-KR" altLang="en-US" dirty="0"/>
+          </a:p>
+        </p:txBody>
+      </p:sp>
+      <p:graphicFrame>
+        <p:nvGraphicFramePr>
+          <p:cNvPr id="5" name="표 4">
+            <a:extLst>
+              <a:ext uri="{FF2B5EF4-FFF2-40B4-BE49-F238E27FC236}">
+                <a16:creationId xmlns:a16="http://schemas.microsoft.com/office/drawing/2014/main" id="{C1C5382A-5325-49A4-875A-B7170DE37DFD}"/>
+              </a:ext>
+            </a:extLst>
+          </p:cNvPr>
+          <p:cNvGraphicFramePr>
+            <a:graphicFrameLocks noGrp="1"/>
+          </p:cNvGraphicFramePr>
+          <p:nvPr>
+            <p:extLst>
+              <p:ext uri="{D42A27DB-BD31-4B8C-83A1-F6EECF244321}">
+                <p14:modId xmlns:p14="http://schemas.microsoft.com/office/powerpoint/2010/main" val="2876003299"/>
+              </p:ext>
+            </p:extLst>
+          </p:nvPr>
+        </p:nvGraphicFramePr>
+        <p:xfrm>
+          <a:off x="462236" y="1976184"/>
+          <a:ext cx="11114310" cy="2201784"/>
+        </p:xfrm>
+        <a:graphic>
+          <a:graphicData uri="http://schemas.openxmlformats.org/drawingml/2006/table">
+            <a:tbl>
+              <a:tblPr/>
+              <a:tblGrid>
+                <a:gridCol w="754168">
+                  <a:extLst>
+                    <a:ext uri="{9D8B030D-6E8A-4147-A177-3AD203B41FA5}">
+                      <a16:colId xmlns:a16="http://schemas.microsoft.com/office/drawing/2014/main" val="4284256077"/>
+                    </a:ext>
+                  </a:extLst>
+                </a:gridCol>
+                <a:gridCol w="1468694">
+                  <a:extLst>
+                    <a:ext uri="{9D8B030D-6E8A-4147-A177-3AD203B41FA5}">
+                      <a16:colId xmlns:a16="http://schemas.microsoft.com/office/drawing/2014/main" val="114284053"/>
+                    </a:ext>
+                  </a:extLst>
+                </a:gridCol>
+                <a:gridCol w="1111431">
+                  <a:extLst>
+                    <a:ext uri="{9D8B030D-6E8A-4147-A177-3AD203B41FA5}">
+                      <a16:colId xmlns:a16="http://schemas.microsoft.com/office/drawing/2014/main" val="3299757179"/>
+                    </a:ext>
+                  </a:extLst>
+                </a:gridCol>
+                <a:gridCol w="1111431">
+                  <a:extLst>
+                    <a:ext uri="{9D8B030D-6E8A-4147-A177-3AD203B41FA5}">
+                      <a16:colId xmlns:a16="http://schemas.microsoft.com/office/drawing/2014/main" val="990926446"/>
+                    </a:ext>
+                  </a:extLst>
+                </a:gridCol>
+                <a:gridCol w="1111431">
+                  <a:extLst>
+                    <a:ext uri="{9D8B030D-6E8A-4147-A177-3AD203B41FA5}">
+                      <a16:colId xmlns:a16="http://schemas.microsoft.com/office/drawing/2014/main" val="2317883945"/>
+                    </a:ext>
+                  </a:extLst>
+                </a:gridCol>
+                <a:gridCol w="691802">
+                  <a:extLst>
+                    <a:ext uri="{9D8B030D-6E8A-4147-A177-3AD203B41FA5}">
+                      <a16:colId xmlns:a16="http://schemas.microsoft.com/office/drawing/2014/main" val="377444562"/>
+                    </a:ext>
+                  </a:extLst>
+                </a:gridCol>
+                <a:gridCol w="1531060">
+                  <a:extLst>
+                    <a:ext uri="{9D8B030D-6E8A-4147-A177-3AD203B41FA5}">
+                      <a16:colId xmlns:a16="http://schemas.microsoft.com/office/drawing/2014/main" val="1953931359"/>
+                    </a:ext>
+                  </a:extLst>
+                </a:gridCol>
+                <a:gridCol w="1111431">
+                  <a:extLst>
+                    <a:ext uri="{9D8B030D-6E8A-4147-A177-3AD203B41FA5}">
+                      <a16:colId xmlns:a16="http://schemas.microsoft.com/office/drawing/2014/main" val="1002532021"/>
+                    </a:ext>
+                  </a:extLst>
+                </a:gridCol>
+                <a:gridCol w="925911">
+                  <a:extLst>
+                    <a:ext uri="{9D8B030D-6E8A-4147-A177-3AD203B41FA5}">
+                      <a16:colId xmlns:a16="http://schemas.microsoft.com/office/drawing/2014/main" val="3906415934"/>
+                    </a:ext>
+                  </a:extLst>
+                </a:gridCol>
+                <a:gridCol w="1296951">
+                  <a:extLst>
+                    <a:ext uri="{9D8B030D-6E8A-4147-A177-3AD203B41FA5}">
+                      <a16:colId xmlns:a16="http://schemas.microsoft.com/office/drawing/2014/main" val="2739709698"/>
+                    </a:ext>
+                  </a:extLst>
+                </a:gridCol>
+              </a:tblGrid>
+              <a:tr h="1100892">
+                <a:tc>
+                  <a:txBody>
+                    <a:bodyPr/>
+                    <a:lstStyle/>
+                    <a:p>
+                      <a:r>
+                        <a:rPr lang="en-US" sz="1600" b="1">
+                          <a:effectLst/>
+                        </a:rPr>
+                        <a:t>id</a:t>
+                      </a:r>
+                    </a:p>
+                  </a:txBody>
+                  <a:tcPr marL="112513" marR="112513" marT="51929" marB="51929" anchor="ctr">
+                    <a:lnL w="9525" cap="flat" cmpd="sng" algn="ctr">
+                      <a:solidFill>
+                        <a:srgbClr val="DFE2E5"/>
+                      </a:solidFill>
+                      <a:prstDash val="solid"/>
+                      <a:round/>
+                      <a:headEnd type="none" w="med" len="med"/>
+                      <a:tailEnd type="none" w="med" len="med"/>
+                    </a:lnL>
+                    <a:lnR w="9525" cap="flat" cmpd="sng" algn="ctr">
+                      <a:solidFill>
+                        <a:srgbClr val="DFE2E5"/>
+                      </a:solidFill>
+                      <a:prstDash val="solid"/>
+                      <a:round/>
+                      <a:headEnd type="none" w="med" len="med"/>
+                      <a:tailEnd type="none" w="med" len="med"/>
+                    </a:lnR>
+                    <a:lnT w="9525" cap="flat" cmpd="sng" algn="ctr">
+                      <a:solidFill>
+                        <a:srgbClr val="DFE2E5"/>
+                      </a:solidFill>
+                      <a:prstDash val="solid"/>
+                      <a:round/>
+                      <a:headEnd type="none" w="med" len="med"/>
+                      <a:tailEnd type="none" w="med" len="med"/>
+                    </a:lnT>
+                    <a:lnB w="9525" cap="flat" cmpd="sng" algn="ctr">
+                      <a:solidFill>
+                        <a:srgbClr val="DFE2E5"/>
+                      </a:solidFill>
+                      <a:prstDash val="solid"/>
+                      <a:round/>
+                      <a:headEnd type="none" w="med" len="med"/>
+                      <a:tailEnd type="none" w="med" len="med"/>
+                    </a:lnB>
+                    <a:solidFill>
+                      <a:srgbClr val="FFFFFF"/>
+                    </a:solidFill>
+                  </a:tcPr>
+                </a:tc>
+                <a:tc>
+                  <a:txBody>
+                    <a:bodyPr/>
+                    <a:lstStyle/>
+                    <a:p>
+                      <a:r>
+                        <a:rPr lang="en-US" sz="1600" b="1">
+                          <a:effectLst/>
+                        </a:rPr>
+                        <a:t>productYear</a:t>
+                      </a:r>
+                    </a:p>
+                  </a:txBody>
+                  <a:tcPr marL="112513" marR="112513" marT="51929" marB="51929" anchor="ctr">
+                    <a:lnL w="9525" cap="flat" cmpd="sng" algn="ctr">
+                      <a:solidFill>
+                        <a:srgbClr val="DFE2E5"/>
+                      </a:solidFill>
+                      <a:prstDash val="solid"/>
+                      <a:round/>
+                      <a:headEnd type="none" w="med" len="med"/>
+                      <a:tailEnd type="none" w="med" len="med"/>
+                    </a:lnL>
+                    <a:lnR w="9525" cap="flat" cmpd="sng" algn="ctr">
+                      <a:solidFill>
+                        <a:srgbClr val="DFE2E5"/>
+                      </a:solidFill>
+                      <a:prstDash val="solid"/>
+                      <a:round/>
+                      <a:headEnd type="none" w="med" len="med"/>
+                      <a:tailEnd type="none" w="med" len="med"/>
+                    </a:lnR>
+                    <a:lnT w="9525" cap="flat" cmpd="sng" algn="ctr">
+                      <a:solidFill>
+                        <a:srgbClr val="DFE2E5"/>
+                      </a:solidFill>
+                      <a:prstDash val="solid"/>
+                      <a:round/>
+                      <a:headEnd type="none" w="med" len="med"/>
+                      <a:tailEnd type="none" w="med" len="med"/>
+                    </a:lnT>
+                    <a:lnB w="9525" cap="flat" cmpd="sng" algn="ctr">
+                      <a:solidFill>
+                        <a:srgbClr val="DFE2E5"/>
+                      </a:solidFill>
+                      <a:prstDash val="solid"/>
+                      <a:round/>
+                      <a:headEnd type="none" w="med" len="med"/>
+                      <a:tailEnd type="none" w="med" len="med"/>
+                    </a:lnB>
+                    <a:solidFill>
+                      <a:srgbClr val="FFFFFF"/>
+                    </a:solidFill>
+                  </a:tcPr>
+                </a:tc>
+                <a:tc>
+                  <a:txBody>
+                    <a:bodyPr/>
+                    <a:lstStyle/>
+                    <a:p>
+                      <a:r>
+                        <a:rPr lang="en-US" sz="1600" b="1" dirty="0" err="1">
+                          <a:effectLst/>
+                        </a:rPr>
+                        <a:t>accountingYear</a:t>
+                      </a:r>
+                      <a:endParaRPr lang="en-US" sz="1600" b="1" dirty="0">
+                        <a:effectLst/>
+                      </a:endParaRPr>
+                    </a:p>
+                  </a:txBody>
+                  <a:tcPr marL="112513" marR="112513" marT="51929" marB="51929" anchor="ctr">
+                    <a:lnL w="9525" cap="flat" cmpd="sng" algn="ctr">
+                      <a:solidFill>
+                        <a:srgbClr val="DFE2E5"/>
+                      </a:solidFill>
+                      <a:prstDash val="solid"/>
+                      <a:round/>
+                      <a:headEnd type="none" w="med" len="med"/>
+                      <a:tailEnd type="none" w="med" len="med"/>
+                    </a:lnL>
+                    <a:lnR w="9525" cap="flat" cmpd="sng" algn="ctr">
+                      <a:solidFill>
+                        <a:srgbClr val="DFE2E5"/>
+                      </a:solidFill>
+                      <a:prstDash val="solid"/>
+                      <a:round/>
+                      <a:headEnd type="none" w="med" len="med"/>
+                      <a:tailEnd type="none" w="med" len="med"/>
+                    </a:lnR>
+                    <a:lnT w="9525" cap="flat" cmpd="sng" algn="ctr">
+                      <a:solidFill>
+                        <a:srgbClr val="DFE2E5"/>
+                      </a:solidFill>
+                      <a:prstDash val="solid"/>
+                      <a:round/>
+                      <a:headEnd type="none" w="med" len="med"/>
+                      <a:tailEnd type="none" w="med" len="med"/>
+                    </a:lnT>
+                    <a:lnB w="9525" cap="flat" cmpd="sng" algn="ctr">
+                      <a:solidFill>
+                        <a:srgbClr val="DFE2E5"/>
+                      </a:solidFill>
+                      <a:prstDash val="solid"/>
+                      <a:round/>
+                      <a:headEnd type="none" w="med" len="med"/>
+                      <a:tailEnd type="none" w="med" len="med"/>
+                    </a:lnB>
+                    <a:solidFill>
+                      <a:srgbClr val="FFFFFF"/>
+                    </a:solidFill>
+                  </a:tcPr>
+                </a:tc>
+                <a:tc>
+                  <a:txBody>
+                    <a:bodyPr/>
+                    <a:lstStyle/>
+                    <a:p>
+                      <a:r>
+                        <a:rPr lang="en-US" sz="1600" b="1">
+                          <a:effectLst/>
+                        </a:rPr>
+                        <a:t>purchaseDate</a:t>
+                      </a:r>
+                    </a:p>
+                  </a:txBody>
+                  <a:tcPr marL="112513" marR="112513" marT="51929" marB="51929" anchor="ctr">
+                    <a:lnL w="9525" cap="flat" cmpd="sng" algn="ctr">
+                      <a:solidFill>
+                        <a:srgbClr val="DFE2E5"/>
+                      </a:solidFill>
+                      <a:prstDash val="solid"/>
+                      <a:round/>
+                      <a:headEnd type="none" w="med" len="med"/>
+                      <a:tailEnd type="none" w="med" len="med"/>
+                    </a:lnL>
+                    <a:lnR w="9525" cap="flat" cmpd="sng" algn="ctr">
+                      <a:solidFill>
+                        <a:srgbClr val="DFE2E5"/>
+                      </a:solidFill>
+                      <a:prstDash val="solid"/>
+                      <a:round/>
+                      <a:headEnd type="none" w="med" len="med"/>
+                      <a:tailEnd type="none" w="med" len="med"/>
+                    </a:lnR>
+                    <a:lnT w="9525" cap="flat" cmpd="sng" algn="ctr">
+                      <a:solidFill>
+                        <a:srgbClr val="DFE2E5"/>
+                      </a:solidFill>
+                      <a:prstDash val="solid"/>
+                      <a:round/>
+                      <a:headEnd type="none" w="med" len="med"/>
+                      <a:tailEnd type="none" w="med" len="med"/>
+                    </a:lnT>
+                    <a:lnB w="9525" cap="flat" cmpd="sng" algn="ctr">
+                      <a:solidFill>
+                        <a:srgbClr val="DFE2E5"/>
+                      </a:solidFill>
+                      <a:prstDash val="solid"/>
+                      <a:round/>
+                      <a:headEnd type="none" w="med" len="med"/>
+                      <a:tailEnd type="none" w="med" len="med"/>
+                    </a:lnB>
+                    <a:solidFill>
+                      <a:srgbClr val="FFFFFF"/>
+                    </a:solidFill>
+                  </a:tcPr>
+                </a:tc>
+                <a:tc>
+                  <a:txBody>
+                    <a:bodyPr/>
+                    <a:lstStyle/>
+                    <a:p>
+                      <a:r>
+                        <a:rPr lang="en-US" sz="1600" b="1" dirty="0" err="1">
+                          <a:effectLst/>
+                        </a:rPr>
+                        <a:t>contractInfo_id</a:t>
+                      </a:r>
+                      <a:endParaRPr lang="en-US" sz="1600" b="1" dirty="0">
+                        <a:effectLst/>
+                      </a:endParaRPr>
+                    </a:p>
+                  </a:txBody>
+                  <a:tcPr marL="112513" marR="112513" marT="51929" marB="51929" anchor="ctr">
+                    <a:lnL w="9525" cap="flat" cmpd="sng" algn="ctr">
+                      <a:solidFill>
+                        <a:srgbClr val="DFE2E5"/>
+                      </a:solidFill>
+                      <a:prstDash val="solid"/>
+                      <a:round/>
+                      <a:headEnd type="none" w="med" len="med"/>
+                      <a:tailEnd type="none" w="med" len="med"/>
+                    </a:lnL>
+                    <a:lnR w="9525" cap="flat" cmpd="sng" algn="ctr">
+                      <a:solidFill>
+                        <a:srgbClr val="DFE2E5"/>
+                      </a:solidFill>
+                      <a:prstDash val="solid"/>
+                      <a:round/>
+                      <a:headEnd type="none" w="med" len="med"/>
+                      <a:tailEnd type="none" w="med" len="med"/>
+                    </a:lnR>
+                    <a:lnT w="9525" cap="flat" cmpd="sng" algn="ctr">
+                      <a:solidFill>
+                        <a:srgbClr val="DFE2E5"/>
+                      </a:solidFill>
+                      <a:prstDash val="solid"/>
+                      <a:round/>
+                      <a:headEnd type="none" w="med" len="med"/>
+                      <a:tailEnd type="none" w="med" len="med"/>
+                    </a:lnT>
+                    <a:lnB w="9525" cap="flat" cmpd="sng" algn="ctr">
+                      <a:solidFill>
+                        <a:srgbClr val="DFE2E5"/>
+                      </a:solidFill>
+                      <a:prstDash val="solid"/>
+                      <a:round/>
+                      <a:headEnd type="none" w="med" len="med"/>
+                      <a:tailEnd type="none" w="med" len="med"/>
+                    </a:lnB>
+                    <a:solidFill>
+                      <a:srgbClr val="FFFFFF"/>
+                    </a:solidFill>
+                  </a:tcPr>
+                </a:tc>
+                <a:tc>
+                  <a:txBody>
+                    <a:bodyPr/>
+                    <a:lstStyle/>
+                    <a:p>
+                      <a:r>
+                        <a:rPr lang="en-US" sz="1600" b="1">
+                          <a:effectLst/>
+                        </a:rPr>
+                        <a:t>item</a:t>
+                      </a:r>
+                    </a:p>
+                  </a:txBody>
+                  <a:tcPr marL="112513" marR="112513" marT="51929" marB="51929" anchor="ctr">
+                    <a:lnL w="9525" cap="flat" cmpd="sng" algn="ctr">
+                      <a:solidFill>
+                        <a:srgbClr val="DFE2E5"/>
+                      </a:solidFill>
+                      <a:prstDash val="solid"/>
+                      <a:round/>
+                      <a:headEnd type="none" w="med" len="med"/>
+                      <a:tailEnd type="none" w="med" len="med"/>
+                    </a:lnL>
+                    <a:lnR w="9525" cap="flat" cmpd="sng" algn="ctr">
+                      <a:solidFill>
+                        <a:srgbClr val="DFE2E5"/>
+                      </a:solidFill>
+                      <a:prstDash val="solid"/>
+                      <a:round/>
+                      <a:headEnd type="none" w="med" len="med"/>
+                      <a:tailEnd type="none" w="med" len="med"/>
+                    </a:lnR>
+                    <a:lnT w="9525" cap="flat" cmpd="sng" algn="ctr">
+                      <a:solidFill>
+                        <a:srgbClr val="DFE2E5"/>
+                      </a:solidFill>
+                      <a:prstDash val="solid"/>
+                      <a:round/>
+                      <a:headEnd type="none" w="med" len="med"/>
+                      <a:tailEnd type="none" w="med" len="med"/>
+                    </a:lnT>
+                    <a:lnB w="9525" cap="flat" cmpd="sng" algn="ctr">
+                      <a:solidFill>
+                        <a:srgbClr val="DFE2E5"/>
+                      </a:solidFill>
+                      <a:prstDash val="solid"/>
+                      <a:round/>
+                      <a:headEnd type="none" w="med" len="med"/>
+                      <a:tailEnd type="none" w="med" len="med"/>
+                    </a:lnB>
+                    <a:solidFill>
+                      <a:srgbClr val="FFFFFF"/>
+                    </a:solidFill>
+                  </a:tcPr>
+                </a:tc>
+                <a:tc>
+                  <a:txBody>
+                    <a:bodyPr/>
+                    <a:lstStyle/>
+                    <a:p>
+                      <a:r>
+                        <a:rPr lang="en-US" sz="1600" b="1">
+                          <a:effectLst/>
+                        </a:rPr>
+                        <a:t>sumOfMoney</a:t>
+                      </a:r>
+                    </a:p>
+                  </a:txBody>
+                  <a:tcPr marL="112513" marR="112513" marT="51929" marB="51929" anchor="ctr">
+                    <a:lnL w="9525" cap="flat" cmpd="sng" algn="ctr">
+                      <a:solidFill>
+                        <a:srgbClr val="DFE2E5"/>
+                      </a:solidFill>
+                      <a:prstDash val="solid"/>
+                      <a:round/>
+                      <a:headEnd type="none" w="med" len="med"/>
+                      <a:tailEnd type="none" w="med" len="med"/>
+                    </a:lnL>
+                    <a:lnR w="9525" cap="flat" cmpd="sng" algn="ctr">
+                      <a:solidFill>
+                        <a:srgbClr val="DFE2E5"/>
+                      </a:solidFill>
+                      <a:prstDash val="solid"/>
+                      <a:round/>
+                      <a:headEnd type="none" w="med" len="med"/>
+                      <a:tailEnd type="none" w="med" len="med"/>
+                    </a:lnR>
+                    <a:lnT w="9525" cap="flat" cmpd="sng" algn="ctr">
+                      <a:solidFill>
+                        <a:srgbClr val="DFE2E5"/>
+                      </a:solidFill>
+                      <a:prstDash val="solid"/>
+                      <a:round/>
+                      <a:headEnd type="none" w="med" len="med"/>
+                      <a:tailEnd type="none" w="med" len="med"/>
+                    </a:lnT>
+                    <a:lnB w="9525" cap="flat" cmpd="sng" algn="ctr">
+                      <a:solidFill>
+                        <a:srgbClr val="DFE2E5"/>
+                      </a:solidFill>
+                      <a:prstDash val="solid"/>
+                      <a:round/>
+                      <a:headEnd type="none" w="med" len="med"/>
+                      <a:tailEnd type="none" w="med" len="med"/>
+                    </a:lnB>
+                    <a:solidFill>
+                      <a:srgbClr val="FFFFFF"/>
+                    </a:solidFill>
+                  </a:tcPr>
+                </a:tc>
+                <a:tc>
+                  <a:txBody>
+                    <a:bodyPr/>
+                    <a:lstStyle/>
+                    <a:p>
+                      <a:r>
+                        <a:rPr lang="en-US" sz="1600" b="1">
+                          <a:effectLst/>
+                        </a:rPr>
+                        <a:t>sumOfMoney_VATIncludes</a:t>
+                      </a:r>
+                    </a:p>
+                  </a:txBody>
+                  <a:tcPr marL="112513" marR="112513" marT="51929" marB="51929" anchor="ctr">
+                    <a:lnL w="9525" cap="flat" cmpd="sng" algn="ctr">
+                      <a:solidFill>
+                        <a:srgbClr val="DFE2E5"/>
+                      </a:solidFill>
+                      <a:prstDash val="solid"/>
+                      <a:round/>
+                      <a:headEnd type="none" w="med" len="med"/>
+                      <a:tailEnd type="none" w="med" len="med"/>
+                    </a:lnL>
+                    <a:lnR w="9525" cap="flat" cmpd="sng" algn="ctr">
+                      <a:solidFill>
+                        <a:srgbClr val="DFE2E5"/>
+                      </a:solidFill>
+                      <a:prstDash val="solid"/>
+                      <a:round/>
+                      <a:headEnd type="none" w="med" len="med"/>
+                      <a:tailEnd type="none" w="med" len="med"/>
+                    </a:lnR>
+                    <a:lnT w="9525" cap="flat" cmpd="sng" algn="ctr">
+                      <a:solidFill>
+                        <a:srgbClr val="DFE2E5"/>
+                      </a:solidFill>
+                      <a:prstDash val="solid"/>
+                      <a:round/>
+                      <a:headEnd type="none" w="med" len="med"/>
+                      <a:tailEnd type="none" w="med" len="med"/>
+                    </a:lnT>
+                    <a:lnB w="9525" cap="flat" cmpd="sng" algn="ctr">
+                      <a:solidFill>
+                        <a:srgbClr val="DFE2E5"/>
+                      </a:solidFill>
+                      <a:prstDash val="solid"/>
+                      <a:round/>
+                      <a:headEnd type="none" w="med" len="med"/>
+                      <a:tailEnd type="none" w="med" len="med"/>
+                    </a:lnB>
+                    <a:solidFill>
+                      <a:srgbClr val="FFFFFF"/>
+                    </a:solidFill>
+                  </a:tcPr>
+                </a:tc>
+                <a:tc>
+                  <a:txBody>
+                    <a:bodyPr/>
+                    <a:lstStyle/>
+                    <a:p>
+                      <a:r>
+                        <a:rPr lang="en-US" sz="1600" b="1" dirty="0" err="1">
+                          <a:effectLst/>
+                        </a:rPr>
+                        <a:t>purchasingEnter</a:t>
+                      </a:r>
+                      <a:endParaRPr lang="en-US" sz="1600" b="1" dirty="0">
+                        <a:effectLst/>
+                      </a:endParaRPr>
+                    </a:p>
+                  </a:txBody>
+                  <a:tcPr marL="112513" marR="112513" marT="51929" marB="51929" anchor="ctr">
+                    <a:lnL w="9525" cap="flat" cmpd="sng" algn="ctr">
+                      <a:solidFill>
+                        <a:srgbClr val="DFE2E5"/>
+                      </a:solidFill>
+                      <a:prstDash val="solid"/>
+                      <a:round/>
+                      <a:headEnd type="none" w="med" len="med"/>
+                      <a:tailEnd type="none" w="med" len="med"/>
+                    </a:lnL>
+                    <a:lnR w="9525" cap="flat" cmpd="sng" algn="ctr">
+                      <a:solidFill>
+                        <a:srgbClr val="DFE2E5"/>
+                      </a:solidFill>
+                      <a:prstDash val="solid"/>
+                      <a:round/>
+                      <a:headEnd type="none" w="med" len="med"/>
+                      <a:tailEnd type="none" w="med" len="med"/>
+                    </a:lnR>
+                    <a:lnT w="9525" cap="flat" cmpd="sng" algn="ctr">
+                      <a:solidFill>
+                        <a:srgbClr val="DFE2E5"/>
+                      </a:solidFill>
+                      <a:prstDash val="solid"/>
+                      <a:round/>
+                      <a:headEnd type="none" w="med" len="med"/>
+                      <a:tailEnd type="none" w="med" len="med"/>
+                    </a:lnT>
+                    <a:lnB w="9525" cap="flat" cmpd="sng" algn="ctr">
+                      <a:solidFill>
+                        <a:srgbClr val="DFE2E5"/>
+                      </a:solidFill>
+                      <a:prstDash val="solid"/>
+                      <a:round/>
+                      <a:headEnd type="none" w="med" len="med"/>
+                      <a:tailEnd type="none" w="med" len="med"/>
+                    </a:lnB>
+                    <a:solidFill>
+                      <a:srgbClr val="FFFFFF"/>
+                    </a:solidFill>
+                  </a:tcPr>
+                </a:tc>
+                <a:tc>
+                  <a:txBody>
+                    <a:bodyPr/>
+                    <a:lstStyle/>
+                    <a:p>
+                      <a:r>
+                        <a:rPr lang="en-US" sz="1600" b="1" dirty="0">
+                          <a:effectLst/>
+                        </a:rPr>
+                        <a:t>purchaser</a:t>
+                      </a:r>
+                    </a:p>
+                  </a:txBody>
+                  <a:tcPr marL="112513" marR="112513" marT="51929" marB="51929" anchor="ctr">
+                    <a:lnL w="9525" cap="flat" cmpd="sng" algn="ctr">
+                      <a:solidFill>
+                        <a:srgbClr val="DFE2E5"/>
+                      </a:solidFill>
+                      <a:prstDash val="solid"/>
+                      <a:round/>
+                      <a:headEnd type="none" w="med" len="med"/>
+                      <a:tailEnd type="none" w="med" len="med"/>
+                    </a:lnL>
+                    <a:lnR w="9525" cap="flat" cmpd="sng" algn="ctr">
+                      <a:solidFill>
+                        <a:srgbClr val="DFE2E5"/>
+                      </a:solidFill>
+                      <a:prstDash val="solid"/>
+                      <a:round/>
+                      <a:headEnd type="none" w="med" len="med"/>
+                      <a:tailEnd type="none" w="med" len="med"/>
+                    </a:lnR>
+                    <a:lnT w="9525" cap="flat" cmpd="sng" algn="ctr">
+                      <a:solidFill>
+                        <a:srgbClr val="DFE2E5"/>
+                      </a:solidFill>
+                      <a:prstDash val="solid"/>
+                      <a:round/>
+                      <a:headEnd type="none" w="med" len="med"/>
+                      <a:tailEnd type="none" w="med" len="med"/>
+                    </a:lnT>
+                    <a:lnB w="9525" cap="flat" cmpd="sng" algn="ctr">
+                      <a:solidFill>
+                        <a:srgbClr val="DFE2E5"/>
+                      </a:solidFill>
+                      <a:prstDash val="solid"/>
+                      <a:round/>
+                      <a:headEnd type="none" w="med" len="med"/>
+                      <a:tailEnd type="none" w="med" len="med"/>
+                    </a:lnB>
+                    <a:solidFill>
+                      <a:srgbClr val="FFFFFF"/>
+                    </a:solidFill>
+                  </a:tcPr>
+                </a:tc>
+                <a:extLst>
+                  <a:ext uri="{0D108BD9-81ED-4DB2-BD59-A6C34878D82A}">
+                    <a16:rowId xmlns:a16="http://schemas.microsoft.com/office/drawing/2014/main" val="1429402851"/>
+                  </a:ext>
+                </a:extLst>
+              </a:tr>
+              <a:tr h="1100892">
+                <a:tc>
+                  <a:txBody>
+                    <a:bodyPr/>
+                    <a:lstStyle/>
+                    <a:p>
+                      <a:r>
+                        <a:rPr lang="en-US" sz="1600" b="1" dirty="0">
+                          <a:effectLst/>
+                        </a:rPr>
+                        <a:t>PK</a:t>
+                      </a:r>
+                    </a:p>
+                  </a:txBody>
+                  <a:tcPr marL="112513" marR="112513" marT="51929" marB="51929" anchor="ctr">
+                    <a:lnL w="9525" cap="flat" cmpd="sng" algn="ctr">
+                      <a:solidFill>
+                        <a:srgbClr val="DFE2E5"/>
+                      </a:solidFill>
+                      <a:prstDash val="solid"/>
+                      <a:round/>
+                      <a:headEnd type="none" w="med" len="med"/>
+                      <a:tailEnd type="none" w="med" len="med"/>
+                    </a:lnL>
+                    <a:lnR w="9525" cap="flat" cmpd="sng" algn="ctr">
+                      <a:solidFill>
+                        <a:srgbClr val="DFE2E5"/>
+                      </a:solidFill>
+                      <a:prstDash val="solid"/>
+                      <a:round/>
+                      <a:headEnd type="none" w="med" len="med"/>
+                      <a:tailEnd type="none" w="med" len="med"/>
+                    </a:lnR>
+                    <a:lnT w="9525" cap="flat" cmpd="sng" algn="ctr">
+                      <a:solidFill>
+                        <a:srgbClr val="DFE2E5"/>
+                      </a:solidFill>
+                      <a:prstDash val="solid"/>
+                      <a:round/>
+                      <a:headEnd type="none" w="med" len="med"/>
+                      <a:tailEnd type="none" w="med" len="med"/>
+                    </a:lnT>
+                    <a:lnB>
+                      <a:noFill/>
+                    </a:lnB>
+                    <a:solidFill>
+                      <a:srgbClr val="FFFFFF"/>
+                    </a:solidFill>
+                  </a:tcPr>
+                </a:tc>
+                <a:tc>
+                  <a:txBody>
+                    <a:bodyPr/>
+                    <a:lstStyle/>
+                    <a:p>
+                      <a:endParaRPr lang="en-US" sz="1600" b="1">
+                        <a:effectLst/>
+                      </a:endParaRPr>
+                    </a:p>
+                  </a:txBody>
+                  <a:tcPr marL="112513" marR="112513" marT="51929" marB="51929" anchor="ctr">
+                    <a:lnL w="9525" cap="flat" cmpd="sng" algn="ctr">
+                      <a:solidFill>
+                        <a:srgbClr val="DFE2E5"/>
+                      </a:solidFill>
+                      <a:prstDash val="solid"/>
+                      <a:round/>
+                      <a:headEnd type="none" w="med" len="med"/>
+                      <a:tailEnd type="none" w="med" len="med"/>
+                    </a:lnL>
+                    <a:lnR w="9525" cap="flat" cmpd="sng" algn="ctr">
+                      <a:solidFill>
+                        <a:srgbClr val="DFE2E5"/>
+                      </a:solidFill>
+                      <a:prstDash val="solid"/>
+                      <a:round/>
+                      <a:headEnd type="none" w="med" len="med"/>
+                      <a:tailEnd type="none" w="med" len="med"/>
+                    </a:lnR>
+                    <a:lnT w="9525" cap="flat" cmpd="sng" algn="ctr">
+                      <a:solidFill>
+                        <a:srgbClr val="DFE2E5"/>
+                      </a:solidFill>
+                      <a:prstDash val="solid"/>
+                      <a:round/>
+                      <a:headEnd type="none" w="med" len="med"/>
+                      <a:tailEnd type="none" w="med" len="med"/>
+                    </a:lnT>
+                    <a:lnB>
+                      <a:noFill/>
+                    </a:lnB>
+                    <a:solidFill>
+                      <a:srgbClr val="FFFFFF"/>
+                    </a:solidFill>
+                  </a:tcPr>
+                </a:tc>
+                <a:tc>
+                  <a:txBody>
+                    <a:bodyPr/>
+                    <a:lstStyle/>
+                    <a:p>
+                      <a:endParaRPr lang="en-US" sz="1600" b="1" dirty="0">
+                        <a:effectLst/>
+                      </a:endParaRPr>
+                    </a:p>
+                  </a:txBody>
+                  <a:tcPr marL="112513" marR="112513" marT="51929" marB="51929" anchor="ctr">
+                    <a:lnL w="9525" cap="flat" cmpd="sng" algn="ctr">
+                      <a:solidFill>
+                        <a:srgbClr val="DFE2E5"/>
+                      </a:solidFill>
+                      <a:prstDash val="solid"/>
+                      <a:round/>
+                      <a:headEnd type="none" w="med" len="med"/>
+                      <a:tailEnd type="none" w="med" len="med"/>
+                    </a:lnL>
+                    <a:lnR w="9525" cap="flat" cmpd="sng" algn="ctr">
+                      <a:solidFill>
+                        <a:srgbClr val="DFE2E5"/>
+                      </a:solidFill>
+                      <a:prstDash val="solid"/>
+                      <a:round/>
+                      <a:headEnd type="none" w="med" len="med"/>
+                      <a:tailEnd type="none" w="med" len="med"/>
+                    </a:lnR>
+                    <a:lnT w="9525" cap="flat" cmpd="sng" algn="ctr">
+                      <a:solidFill>
+                        <a:srgbClr val="DFE2E5"/>
+                      </a:solidFill>
+                      <a:prstDash val="solid"/>
+                      <a:round/>
+                      <a:headEnd type="none" w="med" len="med"/>
+                      <a:tailEnd type="none" w="med" len="med"/>
+                    </a:lnT>
+                    <a:lnB>
+                      <a:noFill/>
+                    </a:lnB>
+                    <a:solidFill>
+                      <a:srgbClr val="FFFFFF"/>
+                    </a:solidFill>
+                  </a:tcPr>
+                </a:tc>
+                <a:tc>
+                  <a:txBody>
+                    <a:bodyPr/>
+                    <a:lstStyle/>
+                    <a:p>
+                      <a:endParaRPr lang="en-US" sz="1600" b="1">
+                        <a:effectLst/>
+                      </a:endParaRPr>
+                    </a:p>
+                  </a:txBody>
+                  <a:tcPr marL="112513" marR="112513" marT="51929" marB="51929" anchor="ctr">
+                    <a:lnL w="9525" cap="flat" cmpd="sng" algn="ctr">
+                      <a:solidFill>
+                        <a:srgbClr val="DFE2E5"/>
+                      </a:solidFill>
+                      <a:prstDash val="solid"/>
+                      <a:round/>
+                      <a:headEnd type="none" w="med" len="med"/>
+                      <a:tailEnd type="none" w="med" len="med"/>
+                    </a:lnL>
+                    <a:lnR w="9525" cap="flat" cmpd="sng" algn="ctr">
+                      <a:solidFill>
+                        <a:srgbClr val="DFE2E5"/>
+                      </a:solidFill>
+                      <a:prstDash val="solid"/>
+                      <a:round/>
+                      <a:headEnd type="none" w="med" len="med"/>
+                      <a:tailEnd type="none" w="med" len="med"/>
+                    </a:lnR>
+                    <a:lnT w="9525" cap="flat" cmpd="sng" algn="ctr">
+                      <a:solidFill>
+                        <a:srgbClr val="DFE2E5"/>
+                      </a:solidFill>
+                      <a:prstDash val="solid"/>
+                      <a:round/>
+                      <a:headEnd type="none" w="med" len="med"/>
+                      <a:tailEnd type="none" w="med" len="med"/>
+                    </a:lnT>
+                    <a:lnB>
+                      <a:noFill/>
+                    </a:lnB>
+                    <a:solidFill>
+                      <a:srgbClr val="FFFFFF"/>
+                    </a:solidFill>
+                  </a:tcPr>
+                </a:tc>
+                <a:tc>
+                  <a:txBody>
+                    <a:bodyPr/>
+                    <a:lstStyle/>
+                    <a:p>
+                      <a:r>
+                        <a:rPr lang="en-US" sz="1600" b="1" dirty="0">
+                          <a:effectLst/>
+                        </a:rPr>
+                        <a:t>FK</a:t>
+                      </a:r>
+                    </a:p>
+                  </a:txBody>
+                  <a:tcPr marL="112513" marR="112513" marT="51929" marB="51929" anchor="ctr">
+                    <a:lnL w="9525" cap="flat" cmpd="sng" algn="ctr">
+                      <a:solidFill>
+                        <a:srgbClr val="DFE2E5"/>
+                      </a:solidFill>
+                      <a:prstDash val="solid"/>
+                      <a:round/>
+                      <a:headEnd type="none" w="med" len="med"/>
+                      <a:tailEnd type="none" w="med" len="med"/>
+                    </a:lnL>
+                    <a:lnR w="9525" cap="flat" cmpd="sng" algn="ctr">
+                      <a:solidFill>
+                        <a:srgbClr val="DFE2E5"/>
+                      </a:solidFill>
+                      <a:prstDash val="solid"/>
+                      <a:round/>
+                      <a:headEnd type="none" w="med" len="med"/>
+                      <a:tailEnd type="none" w="med" len="med"/>
+                    </a:lnR>
+                    <a:lnT w="9525" cap="flat" cmpd="sng" algn="ctr">
+                      <a:solidFill>
+                        <a:srgbClr val="DFE2E5"/>
+                      </a:solidFill>
+                      <a:prstDash val="solid"/>
+                      <a:round/>
+                      <a:headEnd type="none" w="med" len="med"/>
+                      <a:tailEnd type="none" w="med" len="med"/>
+                    </a:lnT>
+                    <a:lnB>
+                      <a:noFill/>
+                    </a:lnB>
+                    <a:solidFill>
+                      <a:srgbClr val="FFFFFF"/>
+                    </a:solidFill>
+                  </a:tcPr>
+                </a:tc>
+                <a:tc>
+                  <a:txBody>
+                    <a:bodyPr/>
+                    <a:lstStyle/>
+                    <a:p>
+                      <a:endParaRPr lang="en-US" sz="1600" b="1">
+                        <a:effectLst/>
+                      </a:endParaRPr>
+                    </a:p>
+                  </a:txBody>
+                  <a:tcPr marL="112513" marR="112513" marT="51929" marB="51929" anchor="ctr">
+                    <a:lnL w="9525" cap="flat" cmpd="sng" algn="ctr">
+                      <a:solidFill>
+                        <a:srgbClr val="DFE2E5"/>
+                      </a:solidFill>
+                      <a:prstDash val="solid"/>
+                      <a:round/>
+                      <a:headEnd type="none" w="med" len="med"/>
+                      <a:tailEnd type="none" w="med" len="med"/>
+                    </a:lnL>
+                    <a:lnR w="9525" cap="flat" cmpd="sng" algn="ctr">
+                      <a:solidFill>
+                        <a:srgbClr val="DFE2E5"/>
+                      </a:solidFill>
+                      <a:prstDash val="solid"/>
+                      <a:round/>
+                      <a:headEnd type="none" w="med" len="med"/>
+                      <a:tailEnd type="none" w="med" len="med"/>
+                    </a:lnR>
+                    <a:lnT w="9525" cap="flat" cmpd="sng" algn="ctr">
+                      <a:solidFill>
+                        <a:srgbClr val="DFE2E5"/>
+                      </a:solidFill>
+                      <a:prstDash val="solid"/>
+                      <a:round/>
+                      <a:headEnd type="none" w="med" len="med"/>
+                      <a:tailEnd type="none" w="med" len="med"/>
+                    </a:lnT>
+                    <a:lnB>
+                      <a:noFill/>
+                    </a:lnB>
+                    <a:solidFill>
+                      <a:srgbClr val="FFFFFF"/>
+                    </a:solidFill>
+                  </a:tcPr>
+                </a:tc>
+                <a:tc>
+                  <a:txBody>
+                    <a:bodyPr/>
+                    <a:lstStyle/>
+                    <a:p>
+                      <a:endParaRPr lang="en-US" sz="1600" b="1">
+                        <a:effectLst/>
+                      </a:endParaRPr>
+                    </a:p>
+                  </a:txBody>
+                  <a:tcPr marL="112513" marR="112513" marT="51929" marB="51929" anchor="ctr">
+                    <a:lnL w="9525" cap="flat" cmpd="sng" algn="ctr">
+                      <a:solidFill>
+                        <a:srgbClr val="DFE2E5"/>
+                      </a:solidFill>
+                      <a:prstDash val="solid"/>
+                      <a:round/>
+                      <a:headEnd type="none" w="med" len="med"/>
+                      <a:tailEnd type="none" w="med" len="med"/>
+                    </a:lnL>
+                    <a:lnR w="9525" cap="flat" cmpd="sng" algn="ctr">
+                      <a:solidFill>
+                        <a:srgbClr val="DFE2E5"/>
+                      </a:solidFill>
+                      <a:prstDash val="solid"/>
+                      <a:round/>
+                      <a:headEnd type="none" w="med" len="med"/>
+                      <a:tailEnd type="none" w="med" len="med"/>
+                    </a:lnR>
+                    <a:lnT w="9525" cap="flat" cmpd="sng" algn="ctr">
+                      <a:solidFill>
+                        <a:srgbClr val="DFE2E5"/>
+                      </a:solidFill>
+                      <a:prstDash val="solid"/>
+                      <a:round/>
+                      <a:headEnd type="none" w="med" len="med"/>
+                      <a:tailEnd type="none" w="med" len="med"/>
+                    </a:lnT>
+                    <a:lnB>
+                      <a:noFill/>
+                    </a:lnB>
+                    <a:solidFill>
+                      <a:srgbClr val="FFFFFF"/>
+                    </a:solidFill>
+                  </a:tcPr>
+                </a:tc>
+                <a:tc>
+                  <a:txBody>
+                    <a:bodyPr/>
+                    <a:lstStyle/>
+                    <a:p>
+                      <a:endParaRPr lang="en-US" sz="1600" b="1">
+                        <a:effectLst/>
+                      </a:endParaRPr>
+                    </a:p>
+                  </a:txBody>
+                  <a:tcPr marL="112513" marR="112513" marT="51929" marB="51929" anchor="ctr">
+                    <a:lnL w="9525" cap="flat" cmpd="sng" algn="ctr">
+                      <a:solidFill>
+                        <a:srgbClr val="DFE2E5"/>
+                      </a:solidFill>
+                      <a:prstDash val="solid"/>
+                      <a:round/>
+                      <a:headEnd type="none" w="med" len="med"/>
+                      <a:tailEnd type="none" w="med" len="med"/>
+                    </a:lnL>
+                    <a:lnR w="9525" cap="flat" cmpd="sng" algn="ctr">
+                      <a:solidFill>
+                        <a:srgbClr val="DFE2E5"/>
+                      </a:solidFill>
+                      <a:prstDash val="solid"/>
+                      <a:round/>
+                      <a:headEnd type="none" w="med" len="med"/>
+                      <a:tailEnd type="none" w="med" len="med"/>
+                    </a:lnR>
+                    <a:lnT w="9525" cap="flat" cmpd="sng" algn="ctr">
+                      <a:solidFill>
+                        <a:srgbClr val="DFE2E5"/>
+                      </a:solidFill>
+                      <a:prstDash val="solid"/>
+                      <a:round/>
+                      <a:headEnd type="none" w="med" len="med"/>
+                      <a:tailEnd type="none" w="med" len="med"/>
+                    </a:lnT>
+                    <a:lnB>
+                      <a:noFill/>
+                    </a:lnB>
+                    <a:solidFill>
+                      <a:srgbClr val="FFFFFF"/>
+                    </a:solidFill>
+                  </a:tcPr>
+                </a:tc>
+                <a:tc>
+                  <a:txBody>
+                    <a:bodyPr/>
+                    <a:lstStyle/>
+                    <a:p>
+                      <a:endParaRPr lang="en-US" sz="1600" b="1">
+                        <a:effectLst/>
+                      </a:endParaRPr>
+                    </a:p>
+                  </a:txBody>
+                  <a:tcPr marL="112513" marR="112513" marT="51929" marB="51929" anchor="ctr">
+                    <a:lnL w="9525" cap="flat" cmpd="sng" algn="ctr">
+                      <a:solidFill>
+                        <a:srgbClr val="DFE2E5"/>
+                      </a:solidFill>
+                      <a:prstDash val="solid"/>
+                      <a:round/>
+                      <a:headEnd type="none" w="med" len="med"/>
+                      <a:tailEnd type="none" w="med" len="med"/>
+                    </a:lnL>
+                    <a:lnR w="9525" cap="flat" cmpd="sng" algn="ctr">
+                      <a:solidFill>
+                        <a:srgbClr val="DFE2E5"/>
+                      </a:solidFill>
+                      <a:prstDash val="solid"/>
+                      <a:round/>
+                      <a:headEnd type="none" w="med" len="med"/>
+                      <a:tailEnd type="none" w="med" len="med"/>
+                    </a:lnR>
+                    <a:lnT w="9525" cap="flat" cmpd="sng" algn="ctr">
+                      <a:solidFill>
+                        <a:srgbClr val="DFE2E5"/>
+                      </a:solidFill>
+                      <a:prstDash val="solid"/>
+                      <a:round/>
+                      <a:headEnd type="none" w="med" len="med"/>
+                      <a:tailEnd type="none" w="med" len="med"/>
+                    </a:lnT>
+                    <a:lnB>
+                      <a:noFill/>
+                    </a:lnB>
+                    <a:solidFill>
+                      <a:srgbClr val="FFFFFF"/>
+                    </a:solidFill>
+                  </a:tcPr>
+                </a:tc>
+                <a:tc>
+                  <a:txBody>
+                    <a:bodyPr/>
+                    <a:lstStyle/>
+                    <a:p>
+                      <a:r>
+                        <a:rPr lang="en-US" altLang="ko-KR" sz="1600" b="1" dirty="0">
+                          <a:effectLst/>
+                        </a:rPr>
+                        <a:t>FK(</a:t>
+                      </a:r>
+                      <a:r>
+                        <a:rPr lang="en-US" altLang="ko-KR" sz="1600" b="1" dirty="0" err="1">
+                          <a:effectLst/>
+                        </a:rPr>
+                        <a:t>mv_employee_login_id</a:t>
+                      </a:r>
+                      <a:r>
+                        <a:rPr lang="en-US" altLang="ko-KR" sz="1600" b="1" dirty="0">
+                          <a:effectLst/>
+                        </a:rPr>
+                        <a:t>)</a:t>
+                      </a:r>
+                    </a:p>
+                  </a:txBody>
+                  <a:tcPr marL="112513" marR="112513" marT="51929" marB="51929" anchor="ctr">
+                    <a:lnL w="9525" cap="flat" cmpd="sng" algn="ctr">
+                      <a:solidFill>
+                        <a:srgbClr val="DFE2E5"/>
+                      </a:solidFill>
+                      <a:prstDash val="solid"/>
+                      <a:round/>
+                      <a:headEnd type="none" w="med" len="med"/>
+                      <a:tailEnd type="none" w="med" len="med"/>
+                    </a:lnL>
+                    <a:lnR w="9525" cap="flat" cmpd="sng" algn="ctr">
+                      <a:solidFill>
+                        <a:srgbClr val="DFE2E5"/>
+                      </a:solidFill>
+                      <a:prstDash val="solid"/>
+                      <a:round/>
+                      <a:headEnd type="none" w="med" len="med"/>
+                      <a:tailEnd type="none" w="med" len="med"/>
+                    </a:lnR>
+                    <a:lnT w="9525" cap="flat" cmpd="sng" algn="ctr">
+                      <a:solidFill>
+                        <a:srgbClr val="DFE2E5"/>
+                      </a:solidFill>
+                      <a:prstDash val="solid"/>
+                      <a:round/>
+                      <a:headEnd type="none" w="med" len="med"/>
+                      <a:tailEnd type="none" w="med" len="med"/>
+                    </a:lnT>
+                    <a:lnB>
+                      <a:noFill/>
+                    </a:lnB>
+                    <a:solidFill>
+                      <a:srgbClr val="FFFFFF"/>
+                    </a:solidFill>
+                  </a:tcPr>
+                </a:tc>
+                <a:extLst>
+                  <a:ext uri="{0D108BD9-81ED-4DB2-BD59-A6C34878D82A}">
+                    <a16:rowId xmlns:a16="http://schemas.microsoft.com/office/drawing/2014/main" val="2133815302"/>
+                  </a:ext>
+                </a:extLst>
+              </a:tr>
+            </a:tbl>
+          </a:graphicData>
+        </a:graphic>
+      </p:graphicFrame>
+    </p:spTree>
+    <p:extLst>
+      <p:ext uri="{BB962C8B-B14F-4D97-AF65-F5344CB8AC3E}">
+        <p14:creationId xmlns:p14="http://schemas.microsoft.com/office/powerpoint/2010/main" val="1589128142"/>
+      </p:ext>
+    </p:extLst>
+  </p:cSld>
+  <p:clrMapOvr>
+    <a:masterClrMapping/>
+  </p:clrMapOvr>
+</p:sld>
+</file>
+
+<file path=ppt/slides/slide11.xml><?xml version="1.0" encoding="utf-8"?>
+<p:sld xmlns:a="http://schemas.openxmlformats.org/drawingml/2006/main" xmlns:r="http://schemas.openxmlformats.org/officeDocument/2006/relationships" xmlns:p="http://schemas.openxmlformats.org/presentationml/2006/main">
+  <p:cSld>
+    <p:spTree>
+      <p:nvGrpSpPr>
+        <p:cNvPr id="1" name=""/>
+        <p:cNvGrpSpPr/>
+        <p:nvPr/>
+      </p:nvGrpSpPr>
+      <p:grpSpPr>
+        <a:xfrm>
+          <a:off x="0" y="0"/>
+          <a:ext cx="0" cy="0"/>
+          <a:chOff x="0" y="0"/>
+          <a:chExt cx="0" cy="0"/>
+        </a:xfrm>
+      </p:grpSpPr>
+      <p:sp>
+        <p:nvSpPr>
+          <p:cNvPr id="2" name="제목 1">
+            <a:extLst>
+              <a:ext uri="{FF2B5EF4-FFF2-40B4-BE49-F238E27FC236}">
+                <a16:creationId xmlns:a16="http://schemas.microsoft.com/office/drawing/2014/main" id="{6737D85A-A188-4A51-975B-5825DD59DF4A}"/>
+              </a:ext>
+            </a:extLst>
+          </p:cNvPr>
+          <p:cNvSpPr>
+            <a:spLocks noGrp="1"/>
+          </p:cNvSpPr>
+          <p:nvPr>
+            <p:ph type="title"/>
+          </p:nvPr>
+        </p:nvSpPr>
+        <p:spPr/>
+        <p:txBody>
+          <a:bodyPr/>
+          <a:lstStyle/>
+          <a:p>
+            <a:r>
+              <a:rPr lang="en-US" altLang="ko-KR"/>
+              <a:t>mv_</a:t>
+            </a:r>
+            <a:r>
+              <a:rPr lang="en-US" altLang="ko-KR" dirty="0" err="1"/>
+              <a:t>coopFactory</a:t>
+            </a:r>
+            <a:endParaRPr lang="ko-KR" altLang="en-US" dirty="0"/>
+          </a:p>
+        </p:txBody>
+      </p:sp>
+    </p:spTree>
+    <p:extLst>
+      <p:ext uri="{BB962C8B-B14F-4D97-AF65-F5344CB8AC3E}">
+        <p14:creationId xmlns:p14="http://schemas.microsoft.com/office/powerpoint/2010/main" val="2444567283"/>
+      </p:ext>
+    </p:extLst>
+  </p:cSld>
+  <p:clrMapOvr>
+    <a:masterClrMapping/>
+  </p:clrMapOvr>
+</p:sld>
+</file>
+
 <file path=ppt/slides/slide2.xml><?xml version="1.0" encoding="utf-8"?>
 <p:sld xmlns:a="http://schemas.openxmlformats.org/drawingml/2006/main" xmlns:r="http://schemas.openxmlformats.org/officeDocument/2006/relationships" xmlns:p="http://schemas.openxmlformats.org/presentationml/2006/main">
   <p:cSld>
@@ -6375,19 +7662,21 @@
           <p:nvPr>
             <p:extLst>
               <p:ext uri="{D42A27DB-BD31-4B8C-83A1-F6EECF244321}">
-                <p14:modId xmlns:p14="http://schemas.microsoft.com/office/powerpoint/2010/main" val="3464487856"/>
+                <p14:modId xmlns:p14="http://schemas.microsoft.com/office/powerpoint/2010/main" val="3540576944"/>
               </p:ext>
             </p:extLst>
           </p:nvPr>
         </p:nvGraphicFramePr>
         <p:xfrm>
-          <a:off x="276837" y="2768844"/>
-          <a:ext cx="10945395" cy="660156"/>
+          <a:off x="293615" y="2811623"/>
+          <a:ext cx="10945395" cy="1314450"/>
         </p:xfrm>
         <a:graphic>
           <a:graphicData uri="http://schemas.openxmlformats.org/drawingml/2006/table">
             <a:tbl>
-              <a:tblPr/>
+              <a:tblPr>
+                <a:tableStyleId>{69CF1AB2-1976-4502-BF36-3FF5EA218861}</a:tableStyleId>
+              </a:tblPr>
               <a:tblGrid>
                 <a:gridCol w="369115">
                   <a:extLst>
@@ -6403,28 +7692,28 @@
                     </a:ext>
                   </a:extLst>
                 </a:gridCol>
-                <a:gridCol w="1073344">
+                <a:gridCol w="880845">
                   <a:extLst>
                     <a:ext uri="{9D8B030D-6E8A-4147-A177-3AD203B41FA5}">
                       <a16:colId xmlns:a16="http://schemas.microsoft.com/office/drawing/2014/main" val="3443170364"/>
                     </a:ext>
                   </a:extLst>
                 </a:gridCol>
-                <a:gridCol w="729693">
+                <a:gridCol w="922192">
                   <a:extLst>
                     <a:ext uri="{9D8B030D-6E8A-4147-A177-3AD203B41FA5}">
                       <a16:colId xmlns:a16="http://schemas.microsoft.com/office/drawing/2014/main" val="2400839873"/>
                     </a:ext>
                   </a:extLst>
                 </a:gridCol>
-                <a:gridCol w="729693">
+                <a:gridCol w="629771">
                   <a:extLst>
                     <a:ext uri="{9D8B030D-6E8A-4147-A177-3AD203B41FA5}">
                       <a16:colId xmlns:a16="http://schemas.microsoft.com/office/drawing/2014/main" val="4239801361"/>
                     </a:ext>
                   </a:extLst>
                 </a:gridCol>
-                <a:gridCol w="729693">
+                <a:gridCol w="829615">
                   <a:extLst>
                     <a:ext uri="{9D8B030D-6E8A-4147-A177-3AD203B41FA5}">
                       <a16:colId xmlns:a16="http://schemas.microsoft.com/office/drawing/2014/main" val="3371338118"/>
@@ -6502,48 +7791,17 @@
                     <a:lstStyle/>
                     <a:p>
                       <a:r>
-                        <a:rPr lang="en-US" sz="800" b="1">
+                        <a:rPr lang="en-US" sz="800">
                           <a:effectLst/>
                         </a:rPr>
                         <a:t>id</a:t>
                       </a:r>
-                    </a:p>
-                  </a:txBody>
-                  <a:tcPr marL="54769" marR="54769" marT="25278" marB="25278" anchor="ctr">
-                    <a:lnL w="9525" cap="flat" cmpd="sng" algn="ctr">
-                      <a:solidFill>
-                        <a:srgbClr val="DFE2E5"/>
-                      </a:solidFill>
-                      <a:prstDash val="solid"/>
-                      <a:round/>
-                      <a:headEnd type="none" w="med" len="med"/>
-                      <a:tailEnd type="none" w="med" len="med"/>
-                    </a:lnL>
-                    <a:lnR w="9525" cap="flat" cmpd="sng" algn="ctr">
-                      <a:solidFill>
-                        <a:srgbClr val="DFE2E5"/>
-                      </a:solidFill>
-                      <a:prstDash val="solid"/>
-                      <a:round/>
-                      <a:headEnd type="none" w="med" len="med"/>
-                      <a:tailEnd type="none" w="med" len="med"/>
-                    </a:lnR>
-                    <a:lnT w="9525" cap="flat" cmpd="sng" algn="ctr">
-                      <a:solidFill>
-                        <a:srgbClr val="DFE2E5"/>
-                      </a:solidFill>
-                      <a:prstDash val="solid"/>
-                      <a:round/>
-                      <a:headEnd type="none" w="med" len="med"/>
-                      <a:tailEnd type="none" w="med" len="med"/>
-                    </a:lnT>
-                    <a:lnB>
-                      <a:noFill/>
-                    </a:lnB>
-                    <a:solidFill>
-                      <a:srgbClr val="FFFFFF"/>
-                    </a:solidFill>
-                  </a:tcPr>
+                      <a:endParaRPr lang="en-US" sz="800" b="1">
+                        <a:effectLst/>
+                      </a:endParaRPr>
+                    </a:p>
+                  </a:txBody>
+                  <a:tcPr marL="54769" marR="54769" marT="25278" marB="25278" anchor="ctr"/>
                 </a:tc>
                 <a:tc>
                   <a:txBody>
@@ -6551,48 +7809,17 @@
                     <a:lstStyle/>
                     <a:p>
                       <a:r>
-                        <a:rPr lang="en-US" sz="800" b="1">
+                        <a:rPr lang="en-US" sz="800">
                           <a:effectLst/>
                         </a:rPr>
                         <a:t>productYear</a:t>
                       </a:r>
-                    </a:p>
-                  </a:txBody>
-                  <a:tcPr marL="54769" marR="54769" marT="25278" marB="25278" anchor="ctr">
-                    <a:lnL w="9525" cap="flat" cmpd="sng" algn="ctr">
-                      <a:solidFill>
-                        <a:srgbClr val="DFE2E5"/>
-                      </a:solidFill>
-                      <a:prstDash val="solid"/>
-                      <a:round/>
-                      <a:headEnd type="none" w="med" len="med"/>
-                      <a:tailEnd type="none" w="med" len="med"/>
-                    </a:lnL>
-                    <a:lnR w="9525" cap="flat" cmpd="sng" algn="ctr">
-                      <a:solidFill>
-                        <a:srgbClr val="DFE2E5"/>
-                      </a:solidFill>
-                      <a:prstDash val="solid"/>
-                      <a:round/>
-                      <a:headEnd type="none" w="med" len="med"/>
-                      <a:tailEnd type="none" w="med" len="med"/>
-                    </a:lnR>
-                    <a:lnT w="9525" cap="flat" cmpd="sng" algn="ctr">
-                      <a:solidFill>
-                        <a:srgbClr val="DFE2E5"/>
-                      </a:solidFill>
-                      <a:prstDash val="solid"/>
-                      <a:round/>
-                      <a:headEnd type="none" w="med" len="med"/>
-                      <a:tailEnd type="none" w="med" len="med"/>
-                    </a:lnT>
-                    <a:lnB>
-                      <a:noFill/>
-                    </a:lnB>
-                    <a:solidFill>
-                      <a:srgbClr val="FFFFFF"/>
-                    </a:solidFill>
-                  </a:tcPr>
+                      <a:endParaRPr lang="en-US" sz="800" b="1">
+                        <a:effectLst/>
+                      </a:endParaRPr>
+                    </a:p>
+                  </a:txBody>
+                  <a:tcPr marL="54769" marR="54769" marT="25278" marB="25278" anchor="ctr"/>
                 </a:tc>
                 <a:tc>
                   <a:txBody>
@@ -6600,48 +7827,17 @@
                     <a:lstStyle/>
                     <a:p>
                       <a:r>
-                        <a:rPr lang="en-US" sz="800" b="1">
+                        <a:rPr lang="en-US" sz="800">
                           <a:effectLst/>
                         </a:rPr>
                         <a:t>accountingYear</a:t>
                       </a:r>
-                    </a:p>
-                  </a:txBody>
-                  <a:tcPr marL="54769" marR="54769" marT="25278" marB="25278" anchor="ctr">
-                    <a:lnL w="9525" cap="flat" cmpd="sng" algn="ctr">
-                      <a:solidFill>
-                        <a:srgbClr val="DFE2E5"/>
-                      </a:solidFill>
-                      <a:prstDash val="solid"/>
-                      <a:round/>
-                      <a:headEnd type="none" w="med" len="med"/>
-                      <a:tailEnd type="none" w="med" len="med"/>
-                    </a:lnL>
-                    <a:lnR w="9525" cap="flat" cmpd="sng" algn="ctr">
-                      <a:solidFill>
-                        <a:srgbClr val="DFE2E5"/>
-                      </a:solidFill>
-                      <a:prstDash val="solid"/>
-                      <a:round/>
-                      <a:headEnd type="none" w="med" len="med"/>
-                      <a:tailEnd type="none" w="med" len="med"/>
-                    </a:lnR>
-                    <a:lnT w="9525" cap="flat" cmpd="sng" algn="ctr">
-                      <a:solidFill>
-                        <a:srgbClr val="DFE2E5"/>
-                      </a:solidFill>
-                      <a:prstDash val="solid"/>
-                      <a:round/>
-                      <a:headEnd type="none" w="med" len="med"/>
-                      <a:tailEnd type="none" w="med" len="med"/>
-                    </a:lnT>
-                    <a:lnB>
-                      <a:noFill/>
-                    </a:lnB>
-                    <a:solidFill>
-                      <a:srgbClr val="FFFFFF"/>
-                    </a:solidFill>
-                  </a:tcPr>
+                      <a:endParaRPr lang="en-US" sz="800" b="1">
+                        <a:effectLst/>
+                      </a:endParaRPr>
+                    </a:p>
+                  </a:txBody>
+                  <a:tcPr marL="54769" marR="54769" marT="25278" marB="25278" anchor="ctr"/>
                 </a:tc>
                 <a:tc>
                   <a:txBody>
@@ -6649,51 +7845,17 @@
                     <a:lstStyle/>
                     <a:p>
                       <a:r>
-                        <a:rPr lang="en-US" sz="800" b="1" dirty="0" err="1">
+                        <a:rPr lang="en-US" sz="800" dirty="0" err="1">
                           <a:effectLst/>
                         </a:rPr>
-                        <a:t>purchasingDate</a:t>
+                        <a:t>purchasing_Date</a:t>
                       </a:r>
                       <a:endParaRPr lang="en-US" sz="800" b="1" dirty="0">
                         <a:effectLst/>
                       </a:endParaRPr>
                     </a:p>
                   </a:txBody>
-                  <a:tcPr marL="54769" marR="54769" marT="25278" marB="25278" anchor="ctr">
-                    <a:lnL w="9525" cap="flat" cmpd="sng" algn="ctr">
-                      <a:solidFill>
-                        <a:srgbClr val="DFE2E5"/>
-                      </a:solidFill>
-                      <a:prstDash val="solid"/>
-                      <a:round/>
-                      <a:headEnd type="none" w="med" len="med"/>
-                      <a:tailEnd type="none" w="med" len="med"/>
-                    </a:lnL>
-                    <a:lnR w="9525" cap="flat" cmpd="sng" algn="ctr">
-                      <a:solidFill>
-                        <a:srgbClr val="DFE2E5"/>
-                      </a:solidFill>
-                      <a:prstDash val="solid"/>
-                      <a:round/>
-                      <a:headEnd type="none" w="med" len="med"/>
-                      <a:tailEnd type="none" w="med" len="med"/>
-                    </a:lnR>
-                    <a:lnT w="9525" cap="flat" cmpd="sng" algn="ctr">
-                      <a:solidFill>
-                        <a:srgbClr val="DFE2E5"/>
-                      </a:solidFill>
-                      <a:prstDash val="solid"/>
-                      <a:round/>
-                      <a:headEnd type="none" w="med" len="med"/>
-                      <a:tailEnd type="none" w="med" len="med"/>
-                    </a:lnT>
-                    <a:lnB>
-                      <a:noFill/>
-                    </a:lnB>
-                    <a:solidFill>
-                      <a:srgbClr val="FFFFFF"/>
-                    </a:solidFill>
-                  </a:tcPr>
+                  <a:tcPr marL="54769" marR="54769" marT="25278" marB="25278" anchor="ctr"/>
                 </a:tc>
                 <a:tc>
                   <a:txBody>
@@ -6701,48 +7863,17 @@
                     <a:lstStyle/>
                     <a:p>
                       <a:r>
-                        <a:rPr lang="en-US" sz="800" b="1">
+                        <a:rPr lang="en-US" sz="800" dirty="0">
                           <a:effectLst/>
                         </a:rPr>
                         <a:t>purchaser</a:t>
                       </a:r>
-                    </a:p>
-                  </a:txBody>
-                  <a:tcPr marL="54769" marR="54769" marT="25278" marB="25278" anchor="ctr">
-                    <a:lnL w="9525" cap="flat" cmpd="sng" algn="ctr">
-                      <a:solidFill>
-                        <a:srgbClr val="DFE2E5"/>
-                      </a:solidFill>
-                      <a:prstDash val="solid"/>
-                      <a:round/>
-                      <a:headEnd type="none" w="med" len="med"/>
-                      <a:tailEnd type="none" w="med" len="med"/>
-                    </a:lnL>
-                    <a:lnR w="9525" cap="flat" cmpd="sng" algn="ctr">
-                      <a:solidFill>
-                        <a:srgbClr val="DFE2E5"/>
-                      </a:solidFill>
-                      <a:prstDash val="solid"/>
-                      <a:round/>
-                      <a:headEnd type="none" w="med" len="med"/>
-                      <a:tailEnd type="none" w="med" len="med"/>
-                    </a:lnR>
-                    <a:lnT w="9525" cap="flat" cmpd="sng" algn="ctr">
-                      <a:solidFill>
-                        <a:srgbClr val="DFE2E5"/>
-                      </a:solidFill>
-                      <a:prstDash val="solid"/>
-                      <a:round/>
-                      <a:headEnd type="none" w="med" len="med"/>
-                      <a:tailEnd type="none" w="med" len="med"/>
-                    </a:lnT>
-                    <a:lnB>
-                      <a:noFill/>
-                    </a:lnB>
-                    <a:solidFill>
-                      <a:srgbClr val="FFFFFF"/>
-                    </a:solidFill>
-                  </a:tcPr>
+                      <a:endParaRPr lang="en-US" sz="800" b="1" dirty="0">
+                        <a:effectLst/>
+                      </a:endParaRPr>
+                    </a:p>
+                  </a:txBody>
+                  <a:tcPr marL="54769" marR="54769" marT="25278" marB="25278" anchor="ctr"/>
                 </a:tc>
                 <a:tc>
                   <a:txBody>
@@ -6750,48 +7881,17 @@
                     <a:lstStyle/>
                     <a:p>
                       <a:r>
-                        <a:rPr lang="en-US" sz="800" b="1">
+                        <a:rPr lang="en-US" sz="800">
                           <a:effectLst/>
                         </a:rPr>
                         <a:t>contractInfo_id</a:t>
                       </a:r>
-                    </a:p>
-                  </a:txBody>
-                  <a:tcPr marL="54769" marR="54769" marT="25278" marB="25278" anchor="ctr">
-                    <a:lnL w="9525" cap="flat" cmpd="sng" algn="ctr">
-                      <a:solidFill>
-                        <a:srgbClr val="DFE2E5"/>
-                      </a:solidFill>
-                      <a:prstDash val="solid"/>
-                      <a:round/>
-                      <a:headEnd type="none" w="med" len="med"/>
-                      <a:tailEnd type="none" w="med" len="med"/>
-                    </a:lnL>
-                    <a:lnR w="9525" cap="flat" cmpd="sng" algn="ctr">
-                      <a:solidFill>
-                        <a:srgbClr val="DFE2E5"/>
-                      </a:solidFill>
-                      <a:prstDash val="solid"/>
-                      <a:round/>
-                      <a:headEnd type="none" w="med" len="med"/>
-                      <a:tailEnd type="none" w="med" len="med"/>
-                    </a:lnR>
-                    <a:lnT w="9525" cap="flat" cmpd="sng" algn="ctr">
-                      <a:solidFill>
-                        <a:srgbClr val="DFE2E5"/>
-                      </a:solidFill>
-                      <a:prstDash val="solid"/>
-                      <a:round/>
-                      <a:headEnd type="none" w="med" len="med"/>
-                      <a:tailEnd type="none" w="med" len="med"/>
-                    </a:lnT>
-                    <a:lnB>
-                      <a:noFill/>
-                    </a:lnB>
-                    <a:solidFill>
-                      <a:srgbClr val="FFFFFF"/>
-                    </a:solidFill>
-                  </a:tcPr>
+                      <a:endParaRPr lang="en-US" sz="800" b="1">
+                        <a:effectLst/>
+                      </a:endParaRPr>
+                    </a:p>
+                  </a:txBody>
+                  <a:tcPr marL="54769" marR="54769" marT="25278" marB="25278" anchor="ctr"/>
                 </a:tc>
                 <a:tc>
                   <a:txBody>
@@ -6799,48 +7899,17 @@
                     <a:lstStyle/>
                     <a:p>
                       <a:r>
-                        <a:rPr lang="en-US" sz="800" b="1">
+                        <a:rPr lang="en-US" sz="800">
                           <a:effectLst/>
                         </a:rPr>
                         <a:t>contractDistinction_ItemDistinction_Meta_Info_id</a:t>
                       </a:r>
-                    </a:p>
-                  </a:txBody>
-                  <a:tcPr marL="54769" marR="54769" marT="25278" marB="25278" anchor="ctr">
-                    <a:lnL w="9525" cap="flat" cmpd="sng" algn="ctr">
-                      <a:solidFill>
-                        <a:srgbClr val="DFE2E5"/>
-                      </a:solidFill>
-                      <a:prstDash val="solid"/>
-                      <a:round/>
-                      <a:headEnd type="none" w="med" len="med"/>
-                      <a:tailEnd type="none" w="med" len="med"/>
-                    </a:lnL>
-                    <a:lnR w="9525" cap="flat" cmpd="sng" algn="ctr">
-                      <a:solidFill>
-                        <a:srgbClr val="DFE2E5"/>
-                      </a:solidFill>
-                      <a:prstDash val="solid"/>
-                      <a:round/>
-                      <a:headEnd type="none" w="med" len="med"/>
-                      <a:tailEnd type="none" w="med" len="med"/>
-                    </a:lnR>
-                    <a:lnT w="9525" cap="flat" cmpd="sng" algn="ctr">
-                      <a:solidFill>
-                        <a:srgbClr val="DFE2E5"/>
-                      </a:solidFill>
-                      <a:prstDash val="solid"/>
-                      <a:round/>
-                      <a:headEnd type="none" w="med" len="med"/>
-                      <a:tailEnd type="none" w="med" len="med"/>
-                    </a:lnT>
-                    <a:lnB>
-                      <a:noFill/>
-                    </a:lnB>
-                    <a:solidFill>
-                      <a:srgbClr val="FFFFFF"/>
-                    </a:solidFill>
-                  </a:tcPr>
+                      <a:endParaRPr lang="en-US" sz="800" b="1">
+                        <a:effectLst/>
+                      </a:endParaRPr>
+                    </a:p>
+                  </a:txBody>
+                  <a:tcPr marL="54769" marR="54769" marT="25278" marB="25278" anchor="ctr"/>
                 </a:tc>
                 <a:tc>
                   <a:txBody>
@@ -6848,48 +7917,17 @@
                     <a:lstStyle/>
                     <a:p>
                       <a:r>
-                        <a:rPr lang="en-US" sz="800" b="1">
+                        <a:rPr lang="en-US" sz="800">
                           <a:effectLst/>
                         </a:rPr>
                         <a:t>jobClassification</a:t>
                       </a:r>
-                    </a:p>
-                  </a:txBody>
-                  <a:tcPr marL="54769" marR="54769" marT="25278" marB="25278" anchor="ctr">
-                    <a:lnL w="9525" cap="flat" cmpd="sng" algn="ctr">
-                      <a:solidFill>
-                        <a:srgbClr val="DFE2E5"/>
-                      </a:solidFill>
-                      <a:prstDash val="solid"/>
-                      <a:round/>
-                      <a:headEnd type="none" w="med" len="med"/>
-                      <a:tailEnd type="none" w="med" len="med"/>
-                    </a:lnL>
-                    <a:lnR w="9525" cap="flat" cmpd="sng" algn="ctr">
-                      <a:solidFill>
-                        <a:srgbClr val="DFE2E5"/>
-                      </a:solidFill>
-                      <a:prstDash val="solid"/>
-                      <a:round/>
-                      <a:headEnd type="none" w="med" len="med"/>
-                      <a:tailEnd type="none" w="med" len="med"/>
-                    </a:lnR>
-                    <a:lnT w="9525" cap="flat" cmpd="sng" algn="ctr">
-                      <a:solidFill>
-                        <a:srgbClr val="DFE2E5"/>
-                      </a:solidFill>
-                      <a:prstDash val="solid"/>
-                      <a:round/>
-                      <a:headEnd type="none" w="med" len="med"/>
-                      <a:tailEnd type="none" w="med" len="med"/>
-                    </a:lnT>
-                    <a:lnB>
-                      <a:noFill/>
-                    </a:lnB>
-                    <a:solidFill>
-                      <a:srgbClr val="FFFFFF"/>
-                    </a:solidFill>
-                  </a:tcPr>
+                      <a:endParaRPr lang="en-US" sz="800" b="1">
+                        <a:effectLst/>
+                      </a:endParaRPr>
+                    </a:p>
+                  </a:txBody>
+                  <a:tcPr marL="54769" marR="54769" marT="25278" marB="25278" anchor="ctr"/>
                 </a:tc>
                 <a:tc>
                   <a:txBody>
@@ -6897,48 +7935,17 @@
                     <a:lstStyle/>
                     <a:p>
                       <a:r>
-                        <a:rPr lang="en-US" sz="800" b="1">
+                        <a:rPr lang="en-US" sz="800" dirty="0">
                           <a:effectLst/>
                         </a:rPr>
                         <a:t>item</a:t>
                       </a:r>
-                    </a:p>
-                  </a:txBody>
-                  <a:tcPr marL="54769" marR="54769" marT="25278" marB="25278" anchor="ctr">
-                    <a:lnL w="9525" cap="flat" cmpd="sng" algn="ctr">
-                      <a:solidFill>
-                        <a:srgbClr val="DFE2E5"/>
-                      </a:solidFill>
-                      <a:prstDash val="solid"/>
-                      <a:round/>
-                      <a:headEnd type="none" w="med" len="med"/>
-                      <a:tailEnd type="none" w="med" len="med"/>
-                    </a:lnL>
-                    <a:lnR w="9525" cap="flat" cmpd="sng" algn="ctr">
-                      <a:solidFill>
-                        <a:srgbClr val="DFE2E5"/>
-                      </a:solidFill>
-                      <a:prstDash val="solid"/>
-                      <a:round/>
-                      <a:headEnd type="none" w="med" len="med"/>
-                      <a:tailEnd type="none" w="med" len="med"/>
-                    </a:lnR>
-                    <a:lnT w="9525" cap="flat" cmpd="sng" algn="ctr">
-                      <a:solidFill>
-                        <a:srgbClr val="DFE2E5"/>
-                      </a:solidFill>
-                      <a:prstDash val="solid"/>
-                      <a:round/>
-                      <a:headEnd type="none" w="med" len="med"/>
-                      <a:tailEnd type="none" w="med" len="med"/>
-                    </a:lnT>
-                    <a:lnB>
-                      <a:noFill/>
-                    </a:lnB>
-                    <a:solidFill>
-                      <a:srgbClr val="FFFFFF"/>
-                    </a:solidFill>
-                  </a:tcPr>
+                      <a:endParaRPr lang="en-US" sz="800" b="1" dirty="0">
+                        <a:effectLst/>
+                      </a:endParaRPr>
+                    </a:p>
+                  </a:txBody>
+                  <a:tcPr marL="54769" marR="54769" marT="25278" marB="25278" anchor="ctr"/>
                 </a:tc>
                 <a:tc>
                   <a:txBody>
@@ -6946,48 +7953,17 @@
                     <a:lstStyle/>
                     <a:p>
                       <a:r>
-                        <a:rPr lang="en-US" sz="800" b="1">
+                        <a:rPr lang="en-US" sz="800">
                           <a:effectLst/>
                         </a:rPr>
                         <a:t>unitPrice</a:t>
                       </a:r>
-                    </a:p>
-                  </a:txBody>
-                  <a:tcPr marL="54769" marR="54769" marT="25278" marB="25278" anchor="ctr">
-                    <a:lnL w="9525" cap="flat" cmpd="sng" algn="ctr">
-                      <a:solidFill>
-                        <a:srgbClr val="DFE2E5"/>
-                      </a:solidFill>
-                      <a:prstDash val="solid"/>
-                      <a:round/>
-                      <a:headEnd type="none" w="med" len="med"/>
-                      <a:tailEnd type="none" w="med" len="med"/>
-                    </a:lnL>
-                    <a:lnR w="9525" cap="flat" cmpd="sng" algn="ctr">
-                      <a:solidFill>
-                        <a:srgbClr val="DFE2E5"/>
-                      </a:solidFill>
-                      <a:prstDash val="solid"/>
-                      <a:round/>
-                      <a:headEnd type="none" w="med" len="med"/>
-                      <a:tailEnd type="none" w="med" len="med"/>
-                    </a:lnR>
-                    <a:lnT w="9525" cap="flat" cmpd="sng" algn="ctr">
-                      <a:solidFill>
-                        <a:srgbClr val="DFE2E5"/>
-                      </a:solidFill>
-                      <a:prstDash val="solid"/>
-                      <a:round/>
-                      <a:headEnd type="none" w="med" len="med"/>
-                      <a:tailEnd type="none" w="med" len="med"/>
-                    </a:lnT>
-                    <a:lnB>
-                      <a:noFill/>
-                    </a:lnB>
-                    <a:solidFill>
-                      <a:srgbClr val="FFFFFF"/>
-                    </a:solidFill>
-                  </a:tcPr>
+                      <a:endParaRPr lang="en-US" sz="800" b="1">
+                        <a:effectLst/>
+                      </a:endParaRPr>
+                    </a:p>
+                  </a:txBody>
+                  <a:tcPr marL="54769" marR="54769" marT="25278" marB="25278" anchor="ctr"/>
                 </a:tc>
                 <a:tc>
                   <a:txBody>
@@ -6995,48 +7971,17 @@
                     <a:lstStyle/>
                     <a:p>
                       <a:r>
-                        <a:rPr lang="en-US" sz="800" b="1">
+                        <a:rPr lang="en-US" sz="800" dirty="0" err="1">
                           <a:effectLst/>
                         </a:rPr>
                         <a:t>warehousingAmount</a:t>
                       </a:r>
-                    </a:p>
-                  </a:txBody>
-                  <a:tcPr marL="54769" marR="54769" marT="25278" marB="25278" anchor="ctr">
-                    <a:lnL w="9525" cap="flat" cmpd="sng" algn="ctr">
-                      <a:solidFill>
-                        <a:srgbClr val="DFE2E5"/>
-                      </a:solidFill>
-                      <a:prstDash val="solid"/>
-                      <a:round/>
-                      <a:headEnd type="none" w="med" len="med"/>
-                      <a:tailEnd type="none" w="med" len="med"/>
-                    </a:lnL>
-                    <a:lnR w="9525" cap="flat" cmpd="sng" algn="ctr">
-                      <a:solidFill>
-                        <a:srgbClr val="DFE2E5"/>
-                      </a:solidFill>
-                      <a:prstDash val="solid"/>
-                      <a:round/>
-                      <a:headEnd type="none" w="med" len="med"/>
-                      <a:tailEnd type="none" w="med" len="med"/>
-                    </a:lnR>
-                    <a:lnT w="9525" cap="flat" cmpd="sng" algn="ctr">
-                      <a:solidFill>
-                        <a:srgbClr val="DFE2E5"/>
-                      </a:solidFill>
-                      <a:prstDash val="solid"/>
-                      <a:round/>
-                      <a:headEnd type="none" w="med" len="med"/>
-                      <a:tailEnd type="none" w="med" len="med"/>
-                    </a:lnT>
-                    <a:lnB>
-                      <a:noFill/>
-                    </a:lnB>
-                    <a:solidFill>
-                      <a:srgbClr val="FFFFFF"/>
-                    </a:solidFill>
-                  </a:tcPr>
+                      <a:endParaRPr lang="en-US" sz="800" b="1" dirty="0">
+                        <a:effectLst/>
+                      </a:endParaRPr>
+                    </a:p>
+                  </a:txBody>
+                  <a:tcPr marL="54769" marR="54769" marT="25278" marB="25278" anchor="ctr"/>
                 </a:tc>
                 <a:tc>
                   <a:txBody>
@@ -7044,48 +7989,17 @@
                     <a:lstStyle/>
                     <a:p>
                       <a:r>
-                        <a:rPr lang="en-US" sz="800" b="1">
+                        <a:rPr lang="en-US" sz="800" dirty="0" err="1">
                           <a:effectLst/>
                         </a:rPr>
                         <a:t>warehousingSumOfMoney</a:t>
                       </a:r>
-                    </a:p>
-                  </a:txBody>
-                  <a:tcPr marL="54769" marR="54769" marT="25278" marB="25278" anchor="ctr">
-                    <a:lnL w="9525" cap="flat" cmpd="sng" algn="ctr">
-                      <a:solidFill>
-                        <a:srgbClr val="DFE2E5"/>
-                      </a:solidFill>
-                      <a:prstDash val="solid"/>
-                      <a:round/>
-                      <a:headEnd type="none" w="med" len="med"/>
-                      <a:tailEnd type="none" w="med" len="med"/>
-                    </a:lnL>
-                    <a:lnR w="9525" cap="flat" cmpd="sng" algn="ctr">
-                      <a:solidFill>
-                        <a:srgbClr val="DFE2E5"/>
-                      </a:solidFill>
-                      <a:prstDash val="solid"/>
-                      <a:round/>
-                      <a:headEnd type="none" w="med" len="med"/>
-                      <a:tailEnd type="none" w="med" len="med"/>
-                    </a:lnR>
-                    <a:lnT w="9525" cap="flat" cmpd="sng" algn="ctr">
-                      <a:solidFill>
-                        <a:srgbClr val="DFE2E5"/>
-                      </a:solidFill>
-                      <a:prstDash val="solid"/>
-                      <a:round/>
-                      <a:headEnd type="none" w="med" len="med"/>
-                      <a:tailEnd type="none" w="med" len="med"/>
-                    </a:lnT>
-                    <a:lnB>
-                      <a:noFill/>
-                    </a:lnB>
-                    <a:solidFill>
-                      <a:srgbClr val="FFFFFF"/>
-                    </a:solidFill>
-                  </a:tcPr>
+                      <a:endParaRPr lang="en-US" sz="800" b="1" dirty="0">
+                        <a:effectLst/>
+                      </a:endParaRPr>
+                    </a:p>
+                  </a:txBody>
+                  <a:tcPr marL="54769" marR="54769" marT="25278" marB="25278" anchor="ctr"/>
                 </a:tc>
                 <a:tc>
                   <a:txBody>
@@ -7093,48 +8007,17 @@
                     <a:lstStyle/>
                     <a:p>
                       <a:r>
-                        <a:rPr lang="en-US" sz="800" b="1">
+                        <a:rPr lang="en-US" sz="800">
                           <a:effectLst/>
                         </a:rPr>
                         <a:t>warehousingSumOfMoney_VATIncluding</a:t>
                       </a:r>
-                    </a:p>
-                  </a:txBody>
-                  <a:tcPr marL="54769" marR="54769" marT="25278" marB="25278" anchor="ctr">
-                    <a:lnL w="9525" cap="flat" cmpd="sng" algn="ctr">
-                      <a:solidFill>
-                        <a:srgbClr val="DFE2E5"/>
-                      </a:solidFill>
-                      <a:prstDash val="solid"/>
-                      <a:round/>
-                      <a:headEnd type="none" w="med" len="med"/>
-                      <a:tailEnd type="none" w="med" len="med"/>
-                    </a:lnL>
-                    <a:lnR w="9525" cap="flat" cmpd="sng" algn="ctr">
-                      <a:solidFill>
-                        <a:srgbClr val="DFE2E5"/>
-                      </a:solidFill>
-                      <a:prstDash val="solid"/>
-                      <a:round/>
-                      <a:headEnd type="none" w="med" len="med"/>
-                      <a:tailEnd type="none" w="med" len="med"/>
-                    </a:lnR>
-                    <a:lnT w="9525" cap="flat" cmpd="sng" algn="ctr">
-                      <a:solidFill>
-                        <a:srgbClr val="DFE2E5"/>
-                      </a:solidFill>
-                      <a:prstDash val="solid"/>
-                      <a:round/>
-                      <a:headEnd type="none" w="med" len="med"/>
-                      <a:tailEnd type="none" w="med" len="med"/>
-                    </a:lnT>
-                    <a:lnB>
-                      <a:noFill/>
-                    </a:lnB>
-                    <a:solidFill>
-                      <a:srgbClr val="FFFFFF"/>
-                    </a:solidFill>
-                  </a:tcPr>
+                      <a:endParaRPr lang="en-US" sz="800" b="1">
+                        <a:effectLst/>
+                      </a:endParaRPr>
+                    </a:p>
+                  </a:txBody>
+                  <a:tcPr marL="54769" marR="54769" marT="25278" marB="25278" anchor="ctr"/>
                 </a:tc>
                 <a:tc>
                   <a:txBody>
@@ -7142,7 +8025,7 @@
                     <a:lstStyle/>
                     <a:p>
                       <a:r>
-                        <a:rPr lang="en-US" sz="800" b="1" dirty="0" err="1">
+                        <a:rPr lang="en-US" sz="800" dirty="0" err="1">
                           <a:effectLst/>
                         </a:rPr>
                         <a:t>purchased_Enter</a:t>
@@ -7152,42 +8035,33 @@
                       </a:endParaRPr>
                     </a:p>
                   </a:txBody>
-                  <a:tcPr marL="54769" marR="54769" marT="25278" marB="25278" anchor="ctr">
-                    <a:lnL w="9525" cap="flat" cmpd="sng" algn="ctr">
-                      <a:solidFill>
-                        <a:srgbClr val="DFE2E5"/>
-                      </a:solidFill>
-                      <a:prstDash val="solid"/>
-                      <a:round/>
-                      <a:headEnd type="none" w="med" len="med"/>
-                      <a:tailEnd type="none" w="med" len="med"/>
-                    </a:lnL>
-                    <a:lnR w="9525" cap="flat" cmpd="sng" algn="ctr">
-                      <a:solidFill>
-                        <a:srgbClr val="DFE2E5"/>
-                      </a:solidFill>
-                      <a:prstDash val="solid"/>
-                      <a:round/>
-                      <a:headEnd type="none" w="med" len="med"/>
-                      <a:tailEnd type="none" w="med" len="med"/>
-                    </a:lnR>
-                    <a:lnT w="9525" cap="flat" cmpd="sng" algn="ctr">
-                      <a:solidFill>
-                        <a:srgbClr val="DFE2E5"/>
-                      </a:solidFill>
-                      <a:prstDash val="solid"/>
-                      <a:round/>
-                      <a:headEnd type="none" w="med" len="med"/>
-                      <a:tailEnd type="none" w="med" len="med"/>
-                    </a:lnT>
-                    <a:lnB>
-                      <a:noFill/>
-                    </a:lnB>
-                    <a:solidFill>
-                      <a:srgbClr val="FFFFFF"/>
-                    </a:solidFill>
-                  </a:tcPr>
-                </a:tc>
+                  <a:tcPr marL="54769" marR="54769" marT="25278" marB="25278" anchor="ctr"/>
+                </a:tc>
+                <a:tc>
+                  <a:txBody>
+                    <a:bodyPr/>
+                    <a:lstStyle/>
+                    <a:p>
+                      <a:r>
+                        <a:rPr lang="en-US" sz="800" dirty="0">
+                          <a:effectLst/>
+                        </a:rPr>
+                        <a:t>comment</a:t>
+                      </a:r>
+                      <a:endParaRPr lang="en-US" sz="800" b="1" dirty="0">
+                        <a:effectLst/>
+                      </a:endParaRPr>
+                    </a:p>
+                  </a:txBody>
+                  <a:tcPr marL="54769" marR="54769" marT="25278" marB="25278" anchor="ctr"/>
+                </a:tc>
+                <a:extLst>
+                  <a:ext uri="{0D108BD9-81ED-4DB2-BD59-A6C34878D82A}">
+                    <a16:rowId xmlns:a16="http://schemas.microsoft.com/office/drawing/2014/main" val="1411003329"/>
+                  </a:ext>
+                </a:extLst>
+              </a:tr>
+              <a:tr h="657225">
                 <a:tc>
                   <a:txBody>
                     <a:bodyPr/>
@@ -7197,49 +8071,204 @@
                         <a:rPr lang="en-US" sz="800" b="1" dirty="0">
                           <a:effectLst/>
                         </a:rPr>
-                        <a:t>comment</a:t>
+                        <a:t>PK</a:t>
                       </a:r>
                     </a:p>
                   </a:txBody>
-                  <a:tcPr marL="54769" marR="54769" marT="25278" marB="25278" anchor="ctr">
-                    <a:lnL w="9525" cap="flat" cmpd="sng" algn="ctr">
-                      <a:solidFill>
-                        <a:srgbClr val="DFE2E5"/>
-                      </a:solidFill>
-                      <a:prstDash val="solid"/>
-                      <a:round/>
-                      <a:headEnd type="none" w="med" len="med"/>
-                      <a:tailEnd type="none" w="med" len="med"/>
-                    </a:lnL>
-                    <a:lnR w="9525" cap="flat" cmpd="sng" algn="ctr">
-                      <a:solidFill>
-                        <a:srgbClr val="DFE2E5"/>
-                      </a:solidFill>
-                      <a:prstDash val="solid"/>
-                      <a:round/>
-                      <a:headEnd type="none" w="med" len="med"/>
-                      <a:tailEnd type="none" w="med" len="med"/>
-                    </a:lnR>
-                    <a:lnT w="9525" cap="flat" cmpd="sng" algn="ctr">
-                      <a:solidFill>
-                        <a:srgbClr val="DFE2E5"/>
-                      </a:solidFill>
-                      <a:prstDash val="solid"/>
-                      <a:round/>
-                      <a:headEnd type="none" w="med" len="med"/>
-                      <a:tailEnd type="none" w="med" len="med"/>
-                    </a:lnT>
-                    <a:lnB>
-                      <a:noFill/>
-                    </a:lnB>
-                    <a:solidFill>
-                      <a:srgbClr val="FFFFFF"/>
-                    </a:solidFill>
-                  </a:tcPr>
+                  <a:tcPr marL="54769" marR="54769" marT="25278" marB="25278" anchor="ctr"/>
+                </a:tc>
+                <a:tc>
+                  <a:txBody>
+                    <a:bodyPr/>
+                    <a:lstStyle/>
+                    <a:p>
+                      <a:endParaRPr lang="en-US" sz="800" b="1">
+                        <a:effectLst/>
+                      </a:endParaRPr>
+                    </a:p>
+                  </a:txBody>
+                  <a:tcPr marL="54769" marR="54769" marT="25278" marB="25278" anchor="ctr"/>
+                </a:tc>
+                <a:tc>
+                  <a:txBody>
+                    <a:bodyPr/>
+                    <a:lstStyle/>
+                    <a:p>
+                      <a:endParaRPr lang="en-US" sz="800" b="1">
+                        <a:effectLst/>
+                      </a:endParaRPr>
+                    </a:p>
+                  </a:txBody>
+                  <a:tcPr marL="54769" marR="54769" marT="25278" marB="25278" anchor="ctr"/>
+                </a:tc>
+                <a:tc>
+                  <a:txBody>
+                    <a:bodyPr/>
+                    <a:lstStyle/>
+                    <a:p>
+                      <a:endParaRPr lang="en-US" sz="800" b="1" dirty="0">
+                        <a:effectLst/>
+                      </a:endParaRPr>
+                    </a:p>
+                  </a:txBody>
+                  <a:tcPr marL="54769" marR="54769" marT="25278" marB="25278" anchor="ctr"/>
+                </a:tc>
+                <a:tc>
+                  <a:txBody>
+                    <a:bodyPr/>
+                    <a:lstStyle/>
+                    <a:p>
+                      <a:r>
+                        <a:rPr lang="en-US" sz="800" b="1" dirty="0">
+                          <a:effectLst/>
+                        </a:rPr>
+                        <a:t>FK(</a:t>
+                      </a:r>
+                      <a:r>
+                        <a:rPr lang="en-US" sz="800" b="1" dirty="0" err="1">
+                          <a:effectLst/>
+                        </a:rPr>
+                        <a:t>mv_employee_login_id</a:t>
+                      </a:r>
+                      <a:r>
+                        <a:rPr lang="en-US" sz="800" b="1" dirty="0">
+                          <a:effectLst/>
+                        </a:rPr>
+                        <a:t>)</a:t>
+                      </a:r>
+                    </a:p>
+                  </a:txBody>
+                  <a:tcPr marL="54769" marR="54769" marT="25278" marB="25278" anchor="ctr"/>
+                </a:tc>
+                <a:tc>
+                  <a:txBody>
+                    <a:bodyPr/>
+                    <a:lstStyle/>
+                    <a:p>
+                      <a:endParaRPr lang="en-US" sz="800" b="1">
+                        <a:effectLst/>
+                      </a:endParaRPr>
+                    </a:p>
+                  </a:txBody>
+                  <a:tcPr marL="54769" marR="54769" marT="25278" marB="25278" anchor="ctr"/>
+                </a:tc>
+                <a:tc>
+                  <a:txBody>
+                    <a:bodyPr/>
+                    <a:lstStyle/>
+                    <a:p>
+                      <a:r>
+                        <a:rPr lang="en-US" sz="800" b="1" dirty="0">
+                          <a:effectLst/>
+                        </a:rPr>
+                        <a:t>FK</a:t>
+                      </a:r>
+                    </a:p>
+                  </a:txBody>
+                  <a:tcPr marL="54769" marR="54769" marT="25278" marB="25278" anchor="ctr"/>
+                </a:tc>
+                <a:tc>
+                  <a:txBody>
+                    <a:bodyPr/>
+                    <a:lstStyle/>
+                    <a:p>
+                      <a:r>
+                        <a:rPr lang="en-US" sz="800" b="1" dirty="0">
+                          <a:effectLst/>
+                        </a:rPr>
+                        <a:t>FK</a:t>
+                      </a:r>
+                    </a:p>
+                  </a:txBody>
+                  <a:tcPr marL="54769" marR="54769" marT="25278" marB="25278" anchor="ctr"/>
+                </a:tc>
+                <a:tc>
+                  <a:txBody>
+                    <a:bodyPr/>
+                    <a:lstStyle/>
+                    <a:p>
+                      <a:endParaRPr lang="en-US" sz="800" b="1" dirty="0">
+                        <a:effectLst/>
+                      </a:endParaRPr>
+                    </a:p>
+                  </a:txBody>
+                  <a:tcPr marL="54769" marR="54769" marT="25278" marB="25278" anchor="ctr"/>
+                </a:tc>
+                <a:tc>
+                  <a:txBody>
+                    <a:bodyPr/>
+                    <a:lstStyle/>
+                    <a:p>
+                      <a:endParaRPr lang="en-US" sz="800" b="1">
+                        <a:effectLst/>
+                      </a:endParaRPr>
+                    </a:p>
+                  </a:txBody>
+                  <a:tcPr marL="54769" marR="54769" marT="25278" marB="25278" anchor="ctr"/>
+                </a:tc>
+                <a:tc>
+                  <a:txBody>
+                    <a:bodyPr/>
+                    <a:lstStyle/>
+                    <a:p>
+                      <a:endParaRPr lang="en-US" sz="800" b="1" dirty="0">
+                        <a:effectLst/>
+                      </a:endParaRPr>
+                    </a:p>
+                  </a:txBody>
+                  <a:tcPr marL="54769" marR="54769" marT="25278" marB="25278" anchor="ctr"/>
+                </a:tc>
+                <a:tc>
+                  <a:txBody>
+                    <a:bodyPr/>
+                    <a:lstStyle/>
+                    <a:p>
+                      <a:endParaRPr lang="en-US" sz="800" b="1" dirty="0">
+                        <a:effectLst/>
+                      </a:endParaRPr>
+                    </a:p>
+                  </a:txBody>
+                  <a:tcPr marL="54769" marR="54769" marT="25278" marB="25278" anchor="ctr"/>
+                </a:tc>
+                <a:tc>
+                  <a:txBody>
+                    <a:bodyPr/>
+                    <a:lstStyle/>
+                    <a:p>
+                      <a:endParaRPr lang="en-US" sz="800" b="1">
+                        <a:effectLst/>
+                      </a:endParaRPr>
+                    </a:p>
+                  </a:txBody>
+                  <a:tcPr marL="54769" marR="54769" marT="25278" marB="25278" anchor="ctr"/>
+                </a:tc>
+                <a:tc>
+                  <a:txBody>
+                    <a:bodyPr/>
+                    <a:lstStyle/>
+                    <a:p>
+                      <a:endParaRPr lang="en-US" sz="800" b="1" dirty="0">
+                        <a:effectLst/>
+                      </a:endParaRPr>
+                    </a:p>
+                  </a:txBody>
+                  <a:tcPr marL="54769" marR="54769" marT="25278" marB="25278" anchor="ctr"/>
+                </a:tc>
+                <a:tc>
+                  <a:txBody>
+                    <a:bodyPr/>
+                    <a:lstStyle/>
+                    <a:p>
+                      <a:endParaRPr lang="en-US" sz="800" b="1" dirty="0">
+                        <a:effectLst/>
+                      </a:endParaRPr>
+                    </a:p>
+                  </a:txBody>
+                  <a:tcPr marL="54769" marR="54769" marT="25278" marB="25278" anchor="ctr"/>
                 </a:tc>
                 <a:extLst>
                   <a:ext uri="{0D108BD9-81ED-4DB2-BD59-A6C34878D82A}">
-                    <a16:rowId xmlns:a16="http://schemas.microsoft.com/office/drawing/2014/main" val="1411003329"/>
+                    <a16:rowId xmlns:a16="http://schemas.microsoft.com/office/drawing/2014/main" val="3607380334"/>
                   </a:ext>
                 </a:extLst>
               </a:tr>

--- a/documents/Database-ER-Diagram.pptx
+++ b/documents/Database-ER-Diagram.pptx
@@ -1,21 +1,23 @@
 
 <file path=ppt/presentation.xml><?xml version="1.0" encoding="utf-8"?>
-<p:presentation xmlns:a="http://schemas.openxmlformats.org/drawingml/2006/main" xmlns:r="http://schemas.openxmlformats.org/officeDocument/2006/relationships" xmlns:p="http://schemas.openxmlformats.org/presentationml/2006/main" saveSubsetFonts="1">
+<p:presentation xmlns:a="http://schemas.openxmlformats.org/drawingml/2006/main" xmlns:r="http://schemas.openxmlformats.org/officeDocument/2006/relationships" xmlns:p="http://schemas.openxmlformats.org/presentationml/2006/main">
   <p:sldMasterIdLst>
     <p:sldMasterId id="2147483648" r:id="rId1"/>
   </p:sldMasterIdLst>
   <p:sldIdLst>
     <p:sldId id="256" r:id="rId2"/>
     <p:sldId id="257" r:id="rId3"/>
-    <p:sldId id="258" r:id="rId4"/>
-    <p:sldId id="261" r:id="rId5"/>
-    <p:sldId id="259" r:id="rId6"/>
-    <p:sldId id="260" r:id="rId7"/>
-    <p:sldId id="262" r:id="rId8"/>
-    <p:sldId id="263" r:id="rId9"/>
-    <p:sldId id="264" r:id="rId10"/>
-    <p:sldId id="265" r:id="rId11"/>
-    <p:sldId id="266" r:id="rId12"/>
+    <p:sldId id="270" r:id="rId4"/>
+    <p:sldId id="258" r:id="rId5"/>
+    <p:sldId id="269" r:id="rId6"/>
+    <p:sldId id="261" r:id="rId7"/>
+    <p:sldId id="259" r:id="rId8"/>
+    <p:sldId id="260" r:id="rId9"/>
+    <p:sldId id="262" r:id="rId10"/>
+    <p:sldId id="263" r:id="rId11"/>
+    <p:sldId id="264" r:id="rId12"/>
+    <p:sldId id="265" r:id="rId13"/>
+    <p:sldId id="266" r:id="rId14"/>
   </p:sldIdLst>
   <p:sldSz cx="12192000" cy="6858000"/>
   <p:notesSz cx="6858000" cy="9144000"/>
@@ -141,18 +143,12 @@
       </p:grpSpPr>
       <p:sp>
         <p:nvSpPr>
-          <p:cNvPr id="2" name="제목 1">
-            <a:extLst>
-              <a:ext uri="{FF2B5EF4-FFF2-40B4-BE49-F238E27FC236}">
-                <a16:creationId xmlns:a16="http://schemas.microsoft.com/office/drawing/2014/main" id="{D0A0F233-9EE9-4B35-BD98-A6BF46261C3B}"/>
-              </a:ext>
-            </a:extLst>
-          </p:cNvPr>
+          <p:cNvPr id="2" name="제목 1"/>
           <p:cNvSpPr>
             <a:spLocks noGrp="1"/>
           </p:cNvSpPr>
           <p:nvPr>
-            <p:ph type="ctrTitle"/>
+            <p:ph type="ctrTitle" hasCustomPrompt="1"/>
           </p:nvPr>
         </p:nvSpPr>
         <p:spPr>
@@ -178,18 +174,12 @@
       </p:sp>
       <p:sp>
         <p:nvSpPr>
-          <p:cNvPr id="3" name="부제목 2">
-            <a:extLst>
-              <a:ext uri="{FF2B5EF4-FFF2-40B4-BE49-F238E27FC236}">
-                <a16:creationId xmlns:a16="http://schemas.microsoft.com/office/drawing/2014/main" id="{E63CFFD2-9177-43A6-89B1-DE5E9B2A4553}"/>
-              </a:ext>
-            </a:extLst>
-          </p:cNvPr>
+          <p:cNvPr id="3" name="부제목 2"/>
           <p:cNvSpPr>
             <a:spLocks noGrp="1"/>
           </p:cNvSpPr>
           <p:nvPr>
-            <p:ph type="subTitle" idx="1"/>
+            <p:ph type="subTitle" idx="1" hasCustomPrompt="1"/>
           </p:nvPr>
         </p:nvSpPr>
         <p:spPr>
@@ -248,13 +238,7 @@
       </p:sp>
       <p:sp>
         <p:nvSpPr>
-          <p:cNvPr id="4" name="날짜 개체 틀 3">
-            <a:extLst>
-              <a:ext uri="{FF2B5EF4-FFF2-40B4-BE49-F238E27FC236}">
-                <a16:creationId xmlns:a16="http://schemas.microsoft.com/office/drawing/2014/main" id="{718EC68D-CEDE-4EA8-9106-AB5410D99426}"/>
-              </a:ext>
-            </a:extLst>
-          </p:cNvPr>
+          <p:cNvPr id="4" name="날짜 개체 틀 3"/>
           <p:cNvSpPr>
             <a:spLocks noGrp="1"/>
           </p:cNvSpPr>
@@ -269,7 +253,7 @@
           <a:p>
             <a:fld id="{F4542065-62B7-499C-979E-CB7AACC82DDE}" type="datetimeFigureOut">
               <a:rPr lang="ko-KR" altLang="en-US" smtClean="0"/>
-              <a:t>2019-09-19</a:t>
+              <a:t>2019-09-21</a:t>
             </a:fld>
             <a:endParaRPr lang="ko-KR" altLang="en-US"/>
           </a:p>
@@ -277,13 +261,7 @@
       </p:sp>
       <p:sp>
         <p:nvSpPr>
-          <p:cNvPr id="5" name="바닥글 개체 틀 4">
-            <a:extLst>
-              <a:ext uri="{FF2B5EF4-FFF2-40B4-BE49-F238E27FC236}">
-                <a16:creationId xmlns:a16="http://schemas.microsoft.com/office/drawing/2014/main" id="{35522598-9976-4DD9-A19E-48F00EAF1139}"/>
-              </a:ext>
-            </a:extLst>
-          </p:cNvPr>
+          <p:cNvPr id="5" name="바닥글 개체 틀 4"/>
           <p:cNvSpPr>
             <a:spLocks noGrp="1"/>
           </p:cNvSpPr>
@@ -302,13 +280,7 @@
       </p:sp>
       <p:sp>
         <p:nvSpPr>
-          <p:cNvPr id="6" name="슬라이드 번호 개체 틀 5">
-            <a:extLst>
-              <a:ext uri="{FF2B5EF4-FFF2-40B4-BE49-F238E27FC236}">
-                <a16:creationId xmlns:a16="http://schemas.microsoft.com/office/drawing/2014/main" id="{9212C245-4982-4B3C-9714-5C0BF78D43C0}"/>
-              </a:ext>
-            </a:extLst>
-          </p:cNvPr>
+          <p:cNvPr id="6" name="슬라이드 번호 개체 틀 5"/>
           <p:cNvSpPr>
             <a:spLocks noGrp="1"/>
           </p:cNvSpPr>
@@ -330,11 +302,6 @@
         </p:txBody>
       </p:sp>
     </p:spTree>
-    <p:extLst>
-      <p:ext uri="{BB962C8B-B14F-4D97-AF65-F5344CB8AC3E}">
-        <p14:creationId xmlns:p14="http://schemas.microsoft.com/office/powerpoint/2010/main" val="2310999312"/>
-      </p:ext>
-    </p:extLst>
   </p:cSld>
   <p:clrMapOvr>
     <a:masterClrMapping/>
@@ -361,18 +328,12 @@
       </p:grpSpPr>
       <p:sp>
         <p:nvSpPr>
-          <p:cNvPr id="2" name="제목 1">
-            <a:extLst>
-              <a:ext uri="{FF2B5EF4-FFF2-40B4-BE49-F238E27FC236}">
-                <a16:creationId xmlns:a16="http://schemas.microsoft.com/office/drawing/2014/main" id="{D07D10F4-D89E-4F65-B7F0-0FBE1BA8D857}"/>
-              </a:ext>
-            </a:extLst>
-          </p:cNvPr>
+          <p:cNvPr id="2" name="제목 1"/>
           <p:cNvSpPr>
             <a:spLocks noGrp="1"/>
           </p:cNvSpPr>
           <p:nvPr>
-            <p:ph type="title"/>
+            <p:ph type="title" hasCustomPrompt="1"/>
           </p:nvPr>
         </p:nvSpPr>
         <p:spPr/>
@@ -389,18 +350,12 @@
       </p:sp>
       <p:sp>
         <p:nvSpPr>
-          <p:cNvPr id="3" name="세로 텍스트 개체 틀 2">
-            <a:extLst>
-              <a:ext uri="{FF2B5EF4-FFF2-40B4-BE49-F238E27FC236}">
-                <a16:creationId xmlns:a16="http://schemas.microsoft.com/office/drawing/2014/main" id="{9D8B59DB-D48F-46BE-841F-CEFFFD1A421A}"/>
-              </a:ext>
-            </a:extLst>
-          </p:cNvPr>
+          <p:cNvPr id="3" name="세로 텍스트 개체 틀 2"/>
           <p:cNvSpPr>
             <a:spLocks noGrp="1"/>
           </p:cNvSpPr>
           <p:nvPr>
-            <p:ph type="body" orient="vert" idx="1"/>
+            <p:ph type="body" orient="vert" idx="1" hasCustomPrompt="1"/>
           </p:nvPr>
         </p:nvSpPr>
         <p:spPr/>
@@ -446,13 +401,7 @@
       </p:sp>
       <p:sp>
         <p:nvSpPr>
-          <p:cNvPr id="4" name="날짜 개체 틀 3">
-            <a:extLst>
-              <a:ext uri="{FF2B5EF4-FFF2-40B4-BE49-F238E27FC236}">
-                <a16:creationId xmlns:a16="http://schemas.microsoft.com/office/drawing/2014/main" id="{A65F5408-A9BB-433B-85E0-A6BD9AA9925E}"/>
-              </a:ext>
-            </a:extLst>
-          </p:cNvPr>
+          <p:cNvPr id="4" name="날짜 개체 틀 3"/>
           <p:cNvSpPr>
             <a:spLocks noGrp="1"/>
           </p:cNvSpPr>
@@ -467,7 +416,7 @@
           <a:p>
             <a:fld id="{F4542065-62B7-499C-979E-CB7AACC82DDE}" type="datetimeFigureOut">
               <a:rPr lang="ko-KR" altLang="en-US" smtClean="0"/>
-              <a:t>2019-09-19</a:t>
+              <a:t>2019-09-21</a:t>
             </a:fld>
             <a:endParaRPr lang="ko-KR" altLang="en-US"/>
           </a:p>
@@ -475,13 +424,7 @@
       </p:sp>
       <p:sp>
         <p:nvSpPr>
-          <p:cNvPr id="5" name="바닥글 개체 틀 4">
-            <a:extLst>
-              <a:ext uri="{FF2B5EF4-FFF2-40B4-BE49-F238E27FC236}">
-                <a16:creationId xmlns:a16="http://schemas.microsoft.com/office/drawing/2014/main" id="{C94E7E6F-B722-4BBE-A6D6-B89C5ADF00D7}"/>
-              </a:ext>
-            </a:extLst>
-          </p:cNvPr>
+          <p:cNvPr id="5" name="바닥글 개체 틀 4"/>
           <p:cNvSpPr>
             <a:spLocks noGrp="1"/>
           </p:cNvSpPr>
@@ -500,13 +443,7 @@
       </p:sp>
       <p:sp>
         <p:nvSpPr>
-          <p:cNvPr id="6" name="슬라이드 번호 개체 틀 5">
-            <a:extLst>
-              <a:ext uri="{FF2B5EF4-FFF2-40B4-BE49-F238E27FC236}">
-                <a16:creationId xmlns:a16="http://schemas.microsoft.com/office/drawing/2014/main" id="{96620E6F-6DE8-4C3E-BB94-74C8E608F6E9}"/>
-              </a:ext>
-            </a:extLst>
-          </p:cNvPr>
+          <p:cNvPr id="6" name="슬라이드 번호 개체 틀 5"/>
           <p:cNvSpPr>
             <a:spLocks noGrp="1"/>
           </p:cNvSpPr>
@@ -528,11 +465,6 @@
         </p:txBody>
       </p:sp>
     </p:spTree>
-    <p:extLst>
-      <p:ext uri="{BB962C8B-B14F-4D97-AF65-F5344CB8AC3E}">
-        <p14:creationId xmlns:p14="http://schemas.microsoft.com/office/powerpoint/2010/main" val="1850725264"/>
-      </p:ext>
-    </p:extLst>
   </p:cSld>
   <p:clrMapOvr>
     <a:masterClrMapping/>
@@ -559,18 +491,12 @@
       </p:grpSpPr>
       <p:sp>
         <p:nvSpPr>
-          <p:cNvPr id="2" name="세로 제목 1">
-            <a:extLst>
-              <a:ext uri="{FF2B5EF4-FFF2-40B4-BE49-F238E27FC236}">
-                <a16:creationId xmlns:a16="http://schemas.microsoft.com/office/drawing/2014/main" id="{CD0217C6-3C1D-4FC6-8F66-2DB448A4DA4A}"/>
-              </a:ext>
-            </a:extLst>
-          </p:cNvPr>
+          <p:cNvPr id="2" name="세로 제목 1"/>
           <p:cNvSpPr>
             <a:spLocks noGrp="1"/>
           </p:cNvSpPr>
           <p:nvPr>
-            <p:ph type="title" orient="vert"/>
+            <p:ph type="title" orient="vert" hasCustomPrompt="1"/>
           </p:nvPr>
         </p:nvSpPr>
         <p:spPr>
@@ -592,18 +518,12 @@
       </p:sp>
       <p:sp>
         <p:nvSpPr>
-          <p:cNvPr id="3" name="세로 텍스트 개체 틀 2">
-            <a:extLst>
-              <a:ext uri="{FF2B5EF4-FFF2-40B4-BE49-F238E27FC236}">
-                <a16:creationId xmlns:a16="http://schemas.microsoft.com/office/drawing/2014/main" id="{00B8F926-A2CF-408D-B871-E586EC2EE094}"/>
-              </a:ext>
-            </a:extLst>
-          </p:cNvPr>
+          <p:cNvPr id="3" name="세로 텍스트 개체 틀 2"/>
           <p:cNvSpPr>
             <a:spLocks noGrp="1"/>
           </p:cNvSpPr>
           <p:nvPr>
-            <p:ph type="body" orient="vert" idx="1"/>
+            <p:ph type="body" orient="vert" idx="1" hasCustomPrompt="1"/>
           </p:nvPr>
         </p:nvSpPr>
         <p:spPr>
@@ -654,13 +574,7 @@
       </p:sp>
       <p:sp>
         <p:nvSpPr>
-          <p:cNvPr id="4" name="날짜 개체 틀 3">
-            <a:extLst>
-              <a:ext uri="{FF2B5EF4-FFF2-40B4-BE49-F238E27FC236}">
-                <a16:creationId xmlns:a16="http://schemas.microsoft.com/office/drawing/2014/main" id="{9C686378-4927-4C5C-A5C3-274192A5E7DD}"/>
-              </a:ext>
-            </a:extLst>
-          </p:cNvPr>
+          <p:cNvPr id="4" name="날짜 개체 틀 3"/>
           <p:cNvSpPr>
             <a:spLocks noGrp="1"/>
           </p:cNvSpPr>
@@ -675,7 +589,7 @@
           <a:p>
             <a:fld id="{F4542065-62B7-499C-979E-CB7AACC82DDE}" type="datetimeFigureOut">
               <a:rPr lang="ko-KR" altLang="en-US" smtClean="0"/>
-              <a:t>2019-09-19</a:t>
+              <a:t>2019-09-21</a:t>
             </a:fld>
             <a:endParaRPr lang="ko-KR" altLang="en-US"/>
           </a:p>
@@ -683,13 +597,7 @@
       </p:sp>
       <p:sp>
         <p:nvSpPr>
-          <p:cNvPr id="5" name="바닥글 개체 틀 4">
-            <a:extLst>
-              <a:ext uri="{FF2B5EF4-FFF2-40B4-BE49-F238E27FC236}">
-                <a16:creationId xmlns:a16="http://schemas.microsoft.com/office/drawing/2014/main" id="{F70C1277-3DEC-4B51-A2F1-C0505F3077C9}"/>
-              </a:ext>
-            </a:extLst>
-          </p:cNvPr>
+          <p:cNvPr id="5" name="바닥글 개체 틀 4"/>
           <p:cNvSpPr>
             <a:spLocks noGrp="1"/>
           </p:cNvSpPr>
@@ -708,13 +616,7 @@
       </p:sp>
       <p:sp>
         <p:nvSpPr>
-          <p:cNvPr id="6" name="슬라이드 번호 개체 틀 5">
-            <a:extLst>
-              <a:ext uri="{FF2B5EF4-FFF2-40B4-BE49-F238E27FC236}">
-                <a16:creationId xmlns:a16="http://schemas.microsoft.com/office/drawing/2014/main" id="{D31FE4D3-D5C2-4F6A-8F1E-C5239D77CFF4}"/>
-              </a:ext>
-            </a:extLst>
-          </p:cNvPr>
+          <p:cNvPr id="6" name="슬라이드 번호 개체 틀 5"/>
           <p:cNvSpPr>
             <a:spLocks noGrp="1"/>
           </p:cNvSpPr>
@@ -736,11 +638,6 @@
         </p:txBody>
       </p:sp>
     </p:spTree>
-    <p:extLst>
-      <p:ext uri="{BB962C8B-B14F-4D97-AF65-F5344CB8AC3E}">
-        <p14:creationId xmlns:p14="http://schemas.microsoft.com/office/powerpoint/2010/main" val="3869630392"/>
-      </p:ext>
-    </p:extLst>
   </p:cSld>
   <p:clrMapOvr>
     <a:masterClrMapping/>
@@ -767,18 +664,12 @@
       </p:grpSpPr>
       <p:sp>
         <p:nvSpPr>
-          <p:cNvPr id="2" name="제목 1">
-            <a:extLst>
-              <a:ext uri="{FF2B5EF4-FFF2-40B4-BE49-F238E27FC236}">
-                <a16:creationId xmlns:a16="http://schemas.microsoft.com/office/drawing/2014/main" id="{1BD7EDF4-371A-4E2F-964B-CD8A56FB534C}"/>
-              </a:ext>
-            </a:extLst>
-          </p:cNvPr>
+          <p:cNvPr id="2" name="제목 1"/>
           <p:cNvSpPr>
             <a:spLocks noGrp="1"/>
           </p:cNvSpPr>
           <p:nvPr>
-            <p:ph type="title"/>
+            <p:ph type="title" hasCustomPrompt="1"/>
           </p:nvPr>
         </p:nvSpPr>
         <p:spPr/>
@@ -795,18 +686,12 @@
       </p:sp>
       <p:sp>
         <p:nvSpPr>
-          <p:cNvPr id="3" name="내용 개체 틀 2">
-            <a:extLst>
-              <a:ext uri="{FF2B5EF4-FFF2-40B4-BE49-F238E27FC236}">
-                <a16:creationId xmlns:a16="http://schemas.microsoft.com/office/drawing/2014/main" id="{4A25D6BA-AC28-4D5B-B3E4-62795A4C79A6}"/>
-              </a:ext>
-            </a:extLst>
-          </p:cNvPr>
+          <p:cNvPr id="3" name="내용 개체 틀 2"/>
           <p:cNvSpPr>
             <a:spLocks noGrp="1"/>
           </p:cNvSpPr>
           <p:nvPr>
-            <p:ph idx="1"/>
+            <p:ph idx="1" hasCustomPrompt="1"/>
           </p:nvPr>
         </p:nvSpPr>
         <p:spPr/>
@@ -852,13 +737,7 @@
       </p:sp>
       <p:sp>
         <p:nvSpPr>
-          <p:cNvPr id="4" name="날짜 개체 틀 3">
-            <a:extLst>
-              <a:ext uri="{FF2B5EF4-FFF2-40B4-BE49-F238E27FC236}">
-                <a16:creationId xmlns:a16="http://schemas.microsoft.com/office/drawing/2014/main" id="{BA940107-BCD1-48FE-8979-24D46C0DB6C3}"/>
-              </a:ext>
-            </a:extLst>
-          </p:cNvPr>
+          <p:cNvPr id="4" name="날짜 개체 틀 3"/>
           <p:cNvSpPr>
             <a:spLocks noGrp="1"/>
           </p:cNvSpPr>
@@ -873,7 +752,7 @@
           <a:p>
             <a:fld id="{F4542065-62B7-499C-979E-CB7AACC82DDE}" type="datetimeFigureOut">
               <a:rPr lang="ko-KR" altLang="en-US" smtClean="0"/>
-              <a:t>2019-09-19</a:t>
+              <a:t>2019-09-21</a:t>
             </a:fld>
             <a:endParaRPr lang="ko-KR" altLang="en-US"/>
           </a:p>
@@ -881,13 +760,7 @@
       </p:sp>
       <p:sp>
         <p:nvSpPr>
-          <p:cNvPr id="5" name="바닥글 개체 틀 4">
-            <a:extLst>
-              <a:ext uri="{FF2B5EF4-FFF2-40B4-BE49-F238E27FC236}">
-                <a16:creationId xmlns:a16="http://schemas.microsoft.com/office/drawing/2014/main" id="{9496EA5C-A51F-48E7-9B21-7C4C1B149FFD}"/>
-              </a:ext>
-            </a:extLst>
-          </p:cNvPr>
+          <p:cNvPr id="5" name="바닥글 개체 틀 4"/>
           <p:cNvSpPr>
             <a:spLocks noGrp="1"/>
           </p:cNvSpPr>
@@ -906,13 +779,7 @@
       </p:sp>
       <p:sp>
         <p:nvSpPr>
-          <p:cNvPr id="6" name="슬라이드 번호 개체 틀 5">
-            <a:extLst>
-              <a:ext uri="{FF2B5EF4-FFF2-40B4-BE49-F238E27FC236}">
-                <a16:creationId xmlns:a16="http://schemas.microsoft.com/office/drawing/2014/main" id="{30ED9C4C-7D76-4110-99DE-9C81A1629470}"/>
-              </a:ext>
-            </a:extLst>
-          </p:cNvPr>
+          <p:cNvPr id="6" name="슬라이드 번호 개체 틀 5"/>
           <p:cNvSpPr>
             <a:spLocks noGrp="1"/>
           </p:cNvSpPr>
@@ -934,11 +801,6 @@
         </p:txBody>
       </p:sp>
     </p:spTree>
-    <p:extLst>
-      <p:ext uri="{BB962C8B-B14F-4D97-AF65-F5344CB8AC3E}">
-        <p14:creationId xmlns:p14="http://schemas.microsoft.com/office/powerpoint/2010/main" val="418639500"/>
-      </p:ext>
-    </p:extLst>
   </p:cSld>
   <p:clrMapOvr>
     <a:masterClrMapping/>
@@ -965,18 +827,12 @@
       </p:grpSpPr>
       <p:sp>
         <p:nvSpPr>
-          <p:cNvPr id="2" name="제목 1">
-            <a:extLst>
-              <a:ext uri="{FF2B5EF4-FFF2-40B4-BE49-F238E27FC236}">
-                <a16:creationId xmlns:a16="http://schemas.microsoft.com/office/drawing/2014/main" id="{87DD70AB-7ABF-48A9-A968-D936E0FF5653}"/>
-              </a:ext>
-            </a:extLst>
-          </p:cNvPr>
+          <p:cNvPr id="2" name="제목 1"/>
           <p:cNvSpPr>
             <a:spLocks noGrp="1"/>
           </p:cNvSpPr>
           <p:nvPr>
-            <p:ph type="title"/>
+            <p:ph type="title" hasCustomPrompt="1"/>
           </p:nvPr>
         </p:nvSpPr>
         <p:spPr>
@@ -1002,18 +858,12 @@
       </p:sp>
       <p:sp>
         <p:nvSpPr>
-          <p:cNvPr id="3" name="텍스트 개체 틀 2">
-            <a:extLst>
-              <a:ext uri="{FF2B5EF4-FFF2-40B4-BE49-F238E27FC236}">
-                <a16:creationId xmlns:a16="http://schemas.microsoft.com/office/drawing/2014/main" id="{18C1CB9F-805A-439B-81D8-850D95ADBD65}"/>
-              </a:ext>
-            </a:extLst>
-          </p:cNvPr>
+          <p:cNvPr id="3" name="텍스트 개체 틀 2"/>
           <p:cNvSpPr>
             <a:spLocks noGrp="1"/>
           </p:cNvSpPr>
           <p:nvPr>
-            <p:ph type="body" idx="1"/>
+            <p:ph type="body" idx="1" hasCustomPrompt="1"/>
           </p:nvPr>
         </p:nvSpPr>
         <p:spPr>
@@ -1127,13 +977,7 @@
       </p:sp>
       <p:sp>
         <p:nvSpPr>
-          <p:cNvPr id="4" name="날짜 개체 틀 3">
-            <a:extLst>
-              <a:ext uri="{FF2B5EF4-FFF2-40B4-BE49-F238E27FC236}">
-                <a16:creationId xmlns:a16="http://schemas.microsoft.com/office/drawing/2014/main" id="{1086FB39-B839-4AB9-A262-3B9A3E9AC622}"/>
-              </a:ext>
-            </a:extLst>
-          </p:cNvPr>
+          <p:cNvPr id="4" name="날짜 개체 틀 3"/>
           <p:cNvSpPr>
             <a:spLocks noGrp="1"/>
           </p:cNvSpPr>
@@ -1148,7 +992,7 @@
           <a:p>
             <a:fld id="{F4542065-62B7-499C-979E-CB7AACC82DDE}" type="datetimeFigureOut">
               <a:rPr lang="ko-KR" altLang="en-US" smtClean="0"/>
-              <a:t>2019-09-19</a:t>
+              <a:t>2019-09-21</a:t>
             </a:fld>
             <a:endParaRPr lang="ko-KR" altLang="en-US"/>
           </a:p>
@@ -1156,13 +1000,7 @@
       </p:sp>
       <p:sp>
         <p:nvSpPr>
-          <p:cNvPr id="5" name="바닥글 개체 틀 4">
-            <a:extLst>
-              <a:ext uri="{FF2B5EF4-FFF2-40B4-BE49-F238E27FC236}">
-                <a16:creationId xmlns:a16="http://schemas.microsoft.com/office/drawing/2014/main" id="{CCC4CD56-466F-4BF0-8079-2F786584BD6D}"/>
-              </a:ext>
-            </a:extLst>
-          </p:cNvPr>
+          <p:cNvPr id="5" name="바닥글 개체 틀 4"/>
           <p:cNvSpPr>
             <a:spLocks noGrp="1"/>
           </p:cNvSpPr>
@@ -1181,13 +1019,7 @@
       </p:sp>
       <p:sp>
         <p:nvSpPr>
-          <p:cNvPr id="6" name="슬라이드 번호 개체 틀 5">
-            <a:extLst>
-              <a:ext uri="{FF2B5EF4-FFF2-40B4-BE49-F238E27FC236}">
-                <a16:creationId xmlns:a16="http://schemas.microsoft.com/office/drawing/2014/main" id="{5426F207-614B-4A70-8AAB-C79C369C70EA}"/>
-              </a:ext>
-            </a:extLst>
-          </p:cNvPr>
+          <p:cNvPr id="6" name="슬라이드 번호 개체 틀 5"/>
           <p:cNvSpPr>
             <a:spLocks noGrp="1"/>
           </p:cNvSpPr>
@@ -1209,11 +1041,6 @@
         </p:txBody>
       </p:sp>
     </p:spTree>
-    <p:extLst>
-      <p:ext uri="{BB962C8B-B14F-4D97-AF65-F5344CB8AC3E}">
-        <p14:creationId xmlns:p14="http://schemas.microsoft.com/office/powerpoint/2010/main" val="3906498737"/>
-      </p:ext>
-    </p:extLst>
   </p:cSld>
   <p:clrMapOvr>
     <a:masterClrMapping/>
@@ -1240,18 +1067,12 @@
       </p:grpSpPr>
       <p:sp>
         <p:nvSpPr>
-          <p:cNvPr id="2" name="제목 1">
-            <a:extLst>
-              <a:ext uri="{FF2B5EF4-FFF2-40B4-BE49-F238E27FC236}">
-                <a16:creationId xmlns:a16="http://schemas.microsoft.com/office/drawing/2014/main" id="{6E2156A9-87C3-4C7C-A3ED-9A81EF918BD5}"/>
-              </a:ext>
-            </a:extLst>
-          </p:cNvPr>
+          <p:cNvPr id="2" name="제목 1"/>
           <p:cNvSpPr>
             <a:spLocks noGrp="1"/>
           </p:cNvSpPr>
           <p:nvPr>
-            <p:ph type="title"/>
+            <p:ph type="title" hasCustomPrompt="1"/>
           </p:nvPr>
         </p:nvSpPr>
         <p:spPr/>
@@ -1268,18 +1089,12 @@
       </p:sp>
       <p:sp>
         <p:nvSpPr>
-          <p:cNvPr id="3" name="내용 개체 틀 2">
-            <a:extLst>
-              <a:ext uri="{FF2B5EF4-FFF2-40B4-BE49-F238E27FC236}">
-                <a16:creationId xmlns:a16="http://schemas.microsoft.com/office/drawing/2014/main" id="{0B5EEA13-FFA8-43A2-BC0B-64853823A0D9}"/>
-              </a:ext>
-            </a:extLst>
-          </p:cNvPr>
+          <p:cNvPr id="3" name="내용 개체 틀 2"/>
           <p:cNvSpPr>
             <a:spLocks noGrp="1"/>
           </p:cNvSpPr>
           <p:nvPr>
-            <p:ph sz="half" idx="1"/>
+            <p:ph sz="half" idx="1" hasCustomPrompt="1"/>
           </p:nvPr>
         </p:nvSpPr>
         <p:spPr>
@@ -1330,18 +1145,12 @@
       </p:sp>
       <p:sp>
         <p:nvSpPr>
-          <p:cNvPr id="4" name="내용 개체 틀 3">
-            <a:extLst>
-              <a:ext uri="{FF2B5EF4-FFF2-40B4-BE49-F238E27FC236}">
-                <a16:creationId xmlns:a16="http://schemas.microsoft.com/office/drawing/2014/main" id="{B8C1F27F-9386-43AD-BA1C-C78AA8626D0A}"/>
-              </a:ext>
-            </a:extLst>
-          </p:cNvPr>
+          <p:cNvPr id="4" name="내용 개체 틀 3"/>
           <p:cNvSpPr>
             <a:spLocks noGrp="1"/>
           </p:cNvSpPr>
           <p:nvPr>
-            <p:ph sz="half" idx="2"/>
+            <p:ph sz="half" idx="2" hasCustomPrompt="1"/>
           </p:nvPr>
         </p:nvSpPr>
         <p:spPr>
@@ -1392,13 +1201,7 @@
       </p:sp>
       <p:sp>
         <p:nvSpPr>
-          <p:cNvPr id="5" name="날짜 개체 틀 4">
-            <a:extLst>
-              <a:ext uri="{FF2B5EF4-FFF2-40B4-BE49-F238E27FC236}">
-                <a16:creationId xmlns:a16="http://schemas.microsoft.com/office/drawing/2014/main" id="{0EAE7246-7CDB-4F33-BBF5-B03AEE871AFA}"/>
-              </a:ext>
-            </a:extLst>
-          </p:cNvPr>
+          <p:cNvPr id="5" name="날짜 개체 틀 4"/>
           <p:cNvSpPr>
             <a:spLocks noGrp="1"/>
           </p:cNvSpPr>
@@ -1413,7 +1216,7 @@
           <a:p>
             <a:fld id="{F4542065-62B7-499C-979E-CB7AACC82DDE}" type="datetimeFigureOut">
               <a:rPr lang="ko-KR" altLang="en-US" smtClean="0"/>
-              <a:t>2019-09-19</a:t>
+              <a:t>2019-09-21</a:t>
             </a:fld>
             <a:endParaRPr lang="ko-KR" altLang="en-US"/>
           </a:p>
@@ -1421,13 +1224,7 @@
       </p:sp>
       <p:sp>
         <p:nvSpPr>
-          <p:cNvPr id="6" name="바닥글 개체 틀 5">
-            <a:extLst>
-              <a:ext uri="{FF2B5EF4-FFF2-40B4-BE49-F238E27FC236}">
-                <a16:creationId xmlns:a16="http://schemas.microsoft.com/office/drawing/2014/main" id="{48D4B68C-B057-4623-A81F-5FDAA5BE1072}"/>
-              </a:ext>
-            </a:extLst>
-          </p:cNvPr>
+          <p:cNvPr id="6" name="바닥글 개체 틀 5"/>
           <p:cNvSpPr>
             <a:spLocks noGrp="1"/>
           </p:cNvSpPr>
@@ -1446,13 +1243,7 @@
       </p:sp>
       <p:sp>
         <p:nvSpPr>
-          <p:cNvPr id="7" name="슬라이드 번호 개체 틀 6">
-            <a:extLst>
-              <a:ext uri="{FF2B5EF4-FFF2-40B4-BE49-F238E27FC236}">
-                <a16:creationId xmlns:a16="http://schemas.microsoft.com/office/drawing/2014/main" id="{CD7A0CAF-2FB0-435A-90B6-94B07F49240F}"/>
-              </a:ext>
-            </a:extLst>
-          </p:cNvPr>
+          <p:cNvPr id="7" name="슬라이드 번호 개체 틀 6"/>
           <p:cNvSpPr>
             <a:spLocks noGrp="1"/>
           </p:cNvSpPr>
@@ -1474,11 +1265,6 @@
         </p:txBody>
       </p:sp>
     </p:spTree>
-    <p:extLst>
-      <p:ext uri="{BB962C8B-B14F-4D97-AF65-F5344CB8AC3E}">
-        <p14:creationId xmlns:p14="http://schemas.microsoft.com/office/powerpoint/2010/main" val="2297193933"/>
-      </p:ext>
-    </p:extLst>
   </p:cSld>
   <p:clrMapOvr>
     <a:masterClrMapping/>
@@ -1505,18 +1291,12 @@
       </p:grpSpPr>
       <p:sp>
         <p:nvSpPr>
-          <p:cNvPr id="2" name="제목 1">
-            <a:extLst>
-              <a:ext uri="{FF2B5EF4-FFF2-40B4-BE49-F238E27FC236}">
-                <a16:creationId xmlns:a16="http://schemas.microsoft.com/office/drawing/2014/main" id="{7C371762-3921-4D74-B1E3-C2E5A9E6E7C9}"/>
-              </a:ext>
-            </a:extLst>
-          </p:cNvPr>
+          <p:cNvPr id="2" name="제목 1"/>
           <p:cNvSpPr>
             <a:spLocks noGrp="1"/>
           </p:cNvSpPr>
           <p:nvPr>
-            <p:ph type="title"/>
+            <p:ph type="title" hasCustomPrompt="1"/>
           </p:nvPr>
         </p:nvSpPr>
         <p:spPr>
@@ -1538,18 +1318,12 @@
       </p:sp>
       <p:sp>
         <p:nvSpPr>
-          <p:cNvPr id="3" name="텍스트 개체 틀 2">
-            <a:extLst>
-              <a:ext uri="{FF2B5EF4-FFF2-40B4-BE49-F238E27FC236}">
-                <a16:creationId xmlns:a16="http://schemas.microsoft.com/office/drawing/2014/main" id="{9D762452-0EF6-4277-8B3F-66E05B749445}"/>
-              </a:ext>
-            </a:extLst>
-          </p:cNvPr>
+          <p:cNvPr id="3" name="텍스트 개체 틀 2"/>
           <p:cNvSpPr>
             <a:spLocks noGrp="1"/>
           </p:cNvSpPr>
           <p:nvPr>
-            <p:ph type="body" idx="1"/>
+            <p:ph type="body" idx="1" hasCustomPrompt="1"/>
           </p:nvPr>
         </p:nvSpPr>
         <p:spPr>
@@ -1609,18 +1383,12 @@
       </p:sp>
       <p:sp>
         <p:nvSpPr>
-          <p:cNvPr id="4" name="내용 개체 틀 3">
-            <a:extLst>
-              <a:ext uri="{FF2B5EF4-FFF2-40B4-BE49-F238E27FC236}">
-                <a16:creationId xmlns:a16="http://schemas.microsoft.com/office/drawing/2014/main" id="{134F9723-BB5E-4300-BAAB-D3C8EFF0ADAC}"/>
-              </a:ext>
-            </a:extLst>
-          </p:cNvPr>
+          <p:cNvPr id="4" name="내용 개체 틀 3"/>
           <p:cNvSpPr>
             <a:spLocks noGrp="1"/>
           </p:cNvSpPr>
           <p:nvPr>
-            <p:ph sz="half" idx="2"/>
+            <p:ph sz="half" idx="2" hasCustomPrompt="1"/>
           </p:nvPr>
         </p:nvSpPr>
         <p:spPr>
@@ -1671,18 +1439,12 @@
       </p:sp>
       <p:sp>
         <p:nvSpPr>
-          <p:cNvPr id="5" name="텍스트 개체 틀 4">
-            <a:extLst>
-              <a:ext uri="{FF2B5EF4-FFF2-40B4-BE49-F238E27FC236}">
-                <a16:creationId xmlns:a16="http://schemas.microsoft.com/office/drawing/2014/main" id="{D0B55C78-E893-4B80-8D58-C1E8DDF8F5B1}"/>
-              </a:ext>
-            </a:extLst>
-          </p:cNvPr>
+          <p:cNvPr id="5" name="텍스트 개체 틀 4"/>
           <p:cNvSpPr>
             <a:spLocks noGrp="1"/>
           </p:cNvSpPr>
           <p:nvPr>
-            <p:ph type="body" sz="quarter" idx="3"/>
+            <p:ph type="body" sz="quarter" idx="3" hasCustomPrompt="1"/>
           </p:nvPr>
         </p:nvSpPr>
         <p:spPr>
@@ -1742,18 +1504,12 @@
       </p:sp>
       <p:sp>
         <p:nvSpPr>
-          <p:cNvPr id="6" name="내용 개체 틀 5">
-            <a:extLst>
-              <a:ext uri="{FF2B5EF4-FFF2-40B4-BE49-F238E27FC236}">
-                <a16:creationId xmlns:a16="http://schemas.microsoft.com/office/drawing/2014/main" id="{3F4C7287-EDE3-4484-A196-DCC46C995527}"/>
-              </a:ext>
-            </a:extLst>
-          </p:cNvPr>
+          <p:cNvPr id="6" name="내용 개체 틀 5"/>
           <p:cNvSpPr>
             <a:spLocks noGrp="1"/>
           </p:cNvSpPr>
           <p:nvPr>
-            <p:ph sz="quarter" idx="4"/>
+            <p:ph sz="quarter" idx="4" hasCustomPrompt="1"/>
           </p:nvPr>
         </p:nvSpPr>
         <p:spPr>
@@ -1804,13 +1560,7 @@
       </p:sp>
       <p:sp>
         <p:nvSpPr>
-          <p:cNvPr id="7" name="날짜 개체 틀 6">
-            <a:extLst>
-              <a:ext uri="{FF2B5EF4-FFF2-40B4-BE49-F238E27FC236}">
-                <a16:creationId xmlns:a16="http://schemas.microsoft.com/office/drawing/2014/main" id="{0ABDD43B-E3A4-4583-97D5-867F52685685}"/>
-              </a:ext>
-            </a:extLst>
-          </p:cNvPr>
+          <p:cNvPr id="7" name="날짜 개체 틀 6"/>
           <p:cNvSpPr>
             <a:spLocks noGrp="1"/>
           </p:cNvSpPr>
@@ -1825,7 +1575,7 @@
           <a:p>
             <a:fld id="{F4542065-62B7-499C-979E-CB7AACC82DDE}" type="datetimeFigureOut">
               <a:rPr lang="ko-KR" altLang="en-US" smtClean="0"/>
-              <a:t>2019-09-19</a:t>
+              <a:t>2019-09-21</a:t>
             </a:fld>
             <a:endParaRPr lang="ko-KR" altLang="en-US"/>
           </a:p>
@@ -1833,13 +1583,7 @@
       </p:sp>
       <p:sp>
         <p:nvSpPr>
-          <p:cNvPr id="8" name="바닥글 개체 틀 7">
-            <a:extLst>
-              <a:ext uri="{FF2B5EF4-FFF2-40B4-BE49-F238E27FC236}">
-                <a16:creationId xmlns:a16="http://schemas.microsoft.com/office/drawing/2014/main" id="{54F84FDA-9530-4964-AB89-00B0E0AF906D}"/>
-              </a:ext>
-            </a:extLst>
-          </p:cNvPr>
+          <p:cNvPr id="8" name="바닥글 개체 틀 7"/>
           <p:cNvSpPr>
             <a:spLocks noGrp="1"/>
           </p:cNvSpPr>
@@ -1858,13 +1602,7 @@
       </p:sp>
       <p:sp>
         <p:nvSpPr>
-          <p:cNvPr id="9" name="슬라이드 번호 개체 틀 8">
-            <a:extLst>
-              <a:ext uri="{FF2B5EF4-FFF2-40B4-BE49-F238E27FC236}">
-                <a16:creationId xmlns:a16="http://schemas.microsoft.com/office/drawing/2014/main" id="{1C3B5525-6171-4EB9-BECC-6ABA2D5BD1FF}"/>
-              </a:ext>
-            </a:extLst>
-          </p:cNvPr>
+          <p:cNvPr id="9" name="슬라이드 번호 개체 틀 8"/>
           <p:cNvSpPr>
             <a:spLocks noGrp="1"/>
           </p:cNvSpPr>
@@ -1886,11 +1624,6 @@
         </p:txBody>
       </p:sp>
     </p:spTree>
-    <p:extLst>
-      <p:ext uri="{BB962C8B-B14F-4D97-AF65-F5344CB8AC3E}">
-        <p14:creationId xmlns:p14="http://schemas.microsoft.com/office/powerpoint/2010/main" val="3685508557"/>
-      </p:ext>
-    </p:extLst>
   </p:cSld>
   <p:clrMapOvr>
     <a:masterClrMapping/>
@@ -1917,18 +1650,12 @@
       </p:grpSpPr>
       <p:sp>
         <p:nvSpPr>
-          <p:cNvPr id="2" name="제목 1">
-            <a:extLst>
-              <a:ext uri="{FF2B5EF4-FFF2-40B4-BE49-F238E27FC236}">
-                <a16:creationId xmlns:a16="http://schemas.microsoft.com/office/drawing/2014/main" id="{3A62C551-3DE3-4568-B0B8-1678497A1704}"/>
-              </a:ext>
-            </a:extLst>
-          </p:cNvPr>
+          <p:cNvPr id="2" name="제목 1"/>
           <p:cNvSpPr>
             <a:spLocks noGrp="1"/>
           </p:cNvSpPr>
           <p:nvPr>
-            <p:ph type="title"/>
+            <p:ph type="title" hasCustomPrompt="1"/>
           </p:nvPr>
         </p:nvSpPr>
         <p:spPr/>
@@ -1945,13 +1672,7 @@
       </p:sp>
       <p:sp>
         <p:nvSpPr>
-          <p:cNvPr id="3" name="날짜 개체 틀 2">
-            <a:extLst>
-              <a:ext uri="{FF2B5EF4-FFF2-40B4-BE49-F238E27FC236}">
-                <a16:creationId xmlns:a16="http://schemas.microsoft.com/office/drawing/2014/main" id="{93220E26-A1AA-44C7-9F37-9BD8CF1C9078}"/>
-              </a:ext>
-            </a:extLst>
-          </p:cNvPr>
+          <p:cNvPr id="3" name="날짜 개체 틀 2"/>
           <p:cNvSpPr>
             <a:spLocks noGrp="1"/>
           </p:cNvSpPr>
@@ -1966,7 +1687,7 @@
           <a:p>
             <a:fld id="{F4542065-62B7-499C-979E-CB7AACC82DDE}" type="datetimeFigureOut">
               <a:rPr lang="ko-KR" altLang="en-US" smtClean="0"/>
-              <a:t>2019-09-19</a:t>
+              <a:t>2019-09-21</a:t>
             </a:fld>
             <a:endParaRPr lang="ko-KR" altLang="en-US"/>
           </a:p>
@@ -1974,13 +1695,7 @@
       </p:sp>
       <p:sp>
         <p:nvSpPr>
-          <p:cNvPr id="4" name="바닥글 개체 틀 3">
-            <a:extLst>
-              <a:ext uri="{FF2B5EF4-FFF2-40B4-BE49-F238E27FC236}">
-                <a16:creationId xmlns:a16="http://schemas.microsoft.com/office/drawing/2014/main" id="{B21EEAA1-C7D0-4400-81CF-1E90B7FD9E4A}"/>
-              </a:ext>
-            </a:extLst>
-          </p:cNvPr>
+          <p:cNvPr id="4" name="바닥글 개체 틀 3"/>
           <p:cNvSpPr>
             <a:spLocks noGrp="1"/>
           </p:cNvSpPr>
@@ -1999,13 +1714,7 @@
       </p:sp>
       <p:sp>
         <p:nvSpPr>
-          <p:cNvPr id="5" name="슬라이드 번호 개체 틀 4">
-            <a:extLst>
-              <a:ext uri="{FF2B5EF4-FFF2-40B4-BE49-F238E27FC236}">
-                <a16:creationId xmlns:a16="http://schemas.microsoft.com/office/drawing/2014/main" id="{7AC12F8F-D1FB-4BFF-99F7-E1384C5296EB}"/>
-              </a:ext>
-            </a:extLst>
-          </p:cNvPr>
+          <p:cNvPr id="5" name="슬라이드 번호 개체 틀 4"/>
           <p:cNvSpPr>
             <a:spLocks noGrp="1"/>
           </p:cNvSpPr>
@@ -2027,11 +1736,6 @@
         </p:txBody>
       </p:sp>
     </p:spTree>
-    <p:extLst>
-      <p:ext uri="{BB962C8B-B14F-4D97-AF65-F5344CB8AC3E}">
-        <p14:creationId xmlns:p14="http://schemas.microsoft.com/office/powerpoint/2010/main" val="1656560520"/>
-      </p:ext>
-    </p:extLst>
   </p:cSld>
   <p:clrMapOvr>
     <a:masterClrMapping/>
@@ -2058,13 +1762,7 @@
       </p:grpSpPr>
       <p:sp>
         <p:nvSpPr>
-          <p:cNvPr id="2" name="날짜 개체 틀 1">
-            <a:extLst>
-              <a:ext uri="{FF2B5EF4-FFF2-40B4-BE49-F238E27FC236}">
-                <a16:creationId xmlns:a16="http://schemas.microsoft.com/office/drawing/2014/main" id="{10E3983A-4E57-43BB-A02F-880C4288CB56}"/>
-              </a:ext>
-            </a:extLst>
-          </p:cNvPr>
+          <p:cNvPr id="2" name="날짜 개체 틀 1"/>
           <p:cNvSpPr>
             <a:spLocks noGrp="1"/>
           </p:cNvSpPr>
@@ -2079,7 +1777,7 @@
           <a:p>
             <a:fld id="{F4542065-62B7-499C-979E-CB7AACC82DDE}" type="datetimeFigureOut">
               <a:rPr lang="ko-KR" altLang="en-US" smtClean="0"/>
-              <a:t>2019-09-19</a:t>
+              <a:t>2019-09-21</a:t>
             </a:fld>
             <a:endParaRPr lang="ko-KR" altLang="en-US"/>
           </a:p>
@@ -2087,13 +1785,7 @@
       </p:sp>
       <p:sp>
         <p:nvSpPr>
-          <p:cNvPr id="3" name="바닥글 개체 틀 2">
-            <a:extLst>
-              <a:ext uri="{FF2B5EF4-FFF2-40B4-BE49-F238E27FC236}">
-                <a16:creationId xmlns:a16="http://schemas.microsoft.com/office/drawing/2014/main" id="{523C9D3D-AFA9-42EB-B621-3F6E6BA42BD6}"/>
-              </a:ext>
-            </a:extLst>
-          </p:cNvPr>
+          <p:cNvPr id="3" name="바닥글 개체 틀 2"/>
           <p:cNvSpPr>
             <a:spLocks noGrp="1"/>
           </p:cNvSpPr>
@@ -2112,13 +1804,7 @@
       </p:sp>
       <p:sp>
         <p:nvSpPr>
-          <p:cNvPr id="4" name="슬라이드 번호 개체 틀 3">
-            <a:extLst>
-              <a:ext uri="{FF2B5EF4-FFF2-40B4-BE49-F238E27FC236}">
-                <a16:creationId xmlns:a16="http://schemas.microsoft.com/office/drawing/2014/main" id="{5E24959D-0468-4CA4-A706-9E50446E3CB3}"/>
-              </a:ext>
-            </a:extLst>
-          </p:cNvPr>
+          <p:cNvPr id="4" name="슬라이드 번호 개체 틀 3"/>
           <p:cNvSpPr>
             <a:spLocks noGrp="1"/>
           </p:cNvSpPr>
@@ -2140,11 +1826,6 @@
         </p:txBody>
       </p:sp>
     </p:spTree>
-    <p:extLst>
-      <p:ext uri="{BB962C8B-B14F-4D97-AF65-F5344CB8AC3E}">
-        <p14:creationId xmlns:p14="http://schemas.microsoft.com/office/powerpoint/2010/main" val="1518493110"/>
-      </p:ext>
-    </p:extLst>
   </p:cSld>
   <p:clrMapOvr>
     <a:masterClrMapping/>
@@ -2171,18 +1852,12 @@
       </p:grpSpPr>
       <p:sp>
         <p:nvSpPr>
-          <p:cNvPr id="2" name="제목 1">
-            <a:extLst>
-              <a:ext uri="{FF2B5EF4-FFF2-40B4-BE49-F238E27FC236}">
-                <a16:creationId xmlns:a16="http://schemas.microsoft.com/office/drawing/2014/main" id="{6D783F2C-6C47-4CD9-AA7C-37444DEA7284}"/>
-              </a:ext>
-            </a:extLst>
-          </p:cNvPr>
+          <p:cNvPr id="2" name="제목 1"/>
           <p:cNvSpPr>
             <a:spLocks noGrp="1"/>
           </p:cNvSpPr>
           <p:nvPr>
-            <p:ph type="title"/>
+            <p:ph type="title" hasCustomPrompt="1"/>
           </p:nvPr>
         </p:nvSpPr>
         <p:spPr>
@@ -2208,18 +1883,12 @@
       </p:sp>
       <p:sp>
         <p:nvSpPr>
-          <p:cNvPr id="3" name="내용 개체 틀 2">
-            <a:extLst>
-              <a:ext uri="{FF2B5EF4-FFF2-40B4-BE49-F238E27FC236}">
-                <a16:creationId xmlns:a16="http://schemas.microsoft.com/office/drawing/2014/main" id="{A5601993-B7AD-446D-802E-AAA4207F60B0}"/>
-              </a:ext>
-            </a:extLst>
-          </p:cNvPr>
+          <p:cNvPr id="3" name="내용 개체 틀 2"/>
           <p:cNvSpPr>
             <a:spLocks noGrp="1"/>
           </p:cNvSpPr>
           <p:nvPr>
-            <p:ph idx="1"/>
+            <p:ph idx="1" hasCustomPrompt="1"/>
           </p:nvPr>
         </p:nvSpPr>
         <p:spPr>
@@ -2298,18 +1967,12 @@
       </p:sp>
       <p:sp>
         <p:nvSpPr>
-          <p:cNvPr id="4" name="텍스트 개체 틀 3">
-            <a:extLst>
-              <a:ext uri="{FF2B5EF4-FFF2-40B4-BE49-F238E27FC236}">
-                <a16:creationId xmlns:a16="http://schemas.microsoft.com/office/drawing/2014/main" id="{7FDD99C1-F153-49CD-B0CC-042516AF7C85}"/>
-              </a:ext>
-            </a:extLst>
-          </p:cNvPr>
+          <p:cNvPr id="4" name="텍스트 개체 틀 3"/>
           <p:cNvSpPr>
             <a:spLocks noGrp="1"/>
           </p:cNvSpPr>
           <p:nvPr>
-            <p:ph type="body" sz="half" idx="2"/>
+            <p:ph type="body" sz="half" idx="2" hasCustomPrompt="1"/>
           </p:nvPr>
         </p:nvSpPr>
         <p:spPr>
@@ -2369,13 +2032,7 @@
       </p:sp>
       <p:sp>
         <p:nvSpPr>
-          <p:cNvPr id="5" name="날짜 개체 틀 4">
-            <a:extLst>
-              <a:ext uri="{FF2B5EF4-FFF2-40B4-BE49-F238E27FC236}">
-                <a16:creationId xmlns:a16="http://schemas.microsoft.com/office/drawing/2014/main" id="{D973A722-771D-4E9A-813B-89ED6BA22A3D}"/>
-              </a:ext>
-            </a:extLst>
-          </p:cNvPr>
+          <p:cNvPr id="5" name="날짜 개체 틀 4"/>
           <p:cNvSpPr>
             <a:spLocks noGrp="1"/>
           </p:cNvSpPr>
@@ -2390,7 +2047,7 @@
           <a:p>
             <a:fld id="{F4542065-62B7-499C-979E-CB7AACC82DDE}" type="datetimeFigureOut">
               <a:rPr lang="ko-KR" altLang="en-US" smtClean="0"/>
-              <a:t>2019-09-19</a:t>
+              <a:t>2019-09-21</a:t>
             </a:fld>
             <a:endParaRPr lang="ko-KR" altLang="en-US"/>
           </a:p>
@@ -2398,13 +2055,7 @@
       </p:sp>
       <p:sp>
         <p:nvSpPr>
-          <p:cNvPr id="6" name="바닥글 개체 틀 5">
-            <a:extLst>
-              <a:ext uri="{FF2B5EF4-FFF2-40B4-BE49-F238E27FC236}">
-                <a16:creationId xmlns:a16="http://schemas.microsoft.com/office/drawing/2014/main" id="{0514CF33-DDA4-4BB8-9872-BD7B898D8454}"/>
-              </a:ext>
-            </a:extLst>
-          </p:cNvPr>
+          <p:cNvPr id="6" name="바닥글 개체 틀 5"/>
           <p:cNvSpPr>
             <a:spLocks noGrp="1"/>
           </p:cNvSpPr>
@@ -2423,13 +2074,7 @@
       </p:sp>
       <p:sp>
         <p:nvSpPr>
-          <p:cNvPr id="7" name="슬라이드 번호 개체 틀 6">
-            <a:extLst>
-              <a:ext uri="{FF2B5EF4-FFF2-40B4-BE49-F238E27FC236}">
-                <a16:creationId xmlns:a16="http://schemas.microsoft.com/office/drawing/2014/main" id="{B1063065-81BF-4EE0-AC30-8BE87B71340D}"/>
-              </a:ext>
-            </a:extLst>
-          </p:cNvPr>
+          <p:cNvPr id="7" name="슬라이드 번호 개체 틀 6"/>
           <p:cNvSpPr>
             <a:spLocks noGrp="1"/>
           </p:cNvSpPr>
@@ -2451,11 +2096,6 @@
         </p:txBody>
       </p:sp>
     </p:spTree>
-    <p:extLst>
-      <p:ext uri="{BB962C8B-B14F-4D97-AF65-F5344CB8AC3E}">
-        <p14:creationId xmlns:p14="http://schemas.microsoft.com/office/powerpoint/2010/main" val="4214618541"/>
-      </p:ext>
-    </p:extLst>
   </p:cSld>
   <p:clrMapOvr>
     <a:masterClrMapping/>
@@ -2482,18 +2122,12 @@
       </p:grpSpPr>
       <p:sp>
         <p:nvSpPr>
-          <p:cNvPr id="2" name="제목 1">
-            <a:extLst>
-              <a:ext uri="{FF2B5EF4-FFF2-40B4-BE49-F238E27FC236}">
-                <a16:creationId xmlns:a16="http://schemas.microsoft.com/office/drawing/2014/main" id="{E303A130-E24A-4D21-8193-5FCDF3CF899A}"/>
-              </a:ext>
-            </a:extLst>
-          </p:cNvPr>
+          <p:cNvPr id="2" name="제목 1"/>
           <p:cNvSpPr>
             <a:spLocks noGrp="1"/>
           </p:cNvSpPr>
           <p:nvPr>
-            <p:ph type="title"/>
+            <p:ph type="title" hasCustomPrompt="1"/>
           </p:nvPr>
         </p:nvSpPr>
         <p:spPr>
@@ -2519,13 +2153,7 @@
       </p:sp>
       <p:sp>
         <p:nvSpPr>
-          <p:cNvPr id="3" name="그림 개체 틀 2">
-            <a:extLst>
-              <a:ext uri="{FF2B5EF4-FFF2-40B4-BE49-F238E27FC236}">
-                <a16:creationId xmlns:a16="http://schemas.microsoft.com/office/drawing/2014/main" id="{5EE6256A-63FE-4C19-855C-EC409FB2944B}"/>
-              </a:ext>
-            </a:extLst>
-          </p:cNvPr>
+          <p:cNvPr id="3" name="그림 개체 틀 2"/>
           <p:cNvSpPr>
             <a:spLocks noGrp="1"/>
           </p:cNvSpPr>
@@ -2586,18 +2214,12 @@
       </p:sp>
       <p:sp>
         <p:nvSpPr>
-          <p:cNvPr id="4" name="텍스트 개체 틀 3">
-            <a:extLst>
-              <a:ext uri="{FF2B5EF4-FFF2-40B4-BE49-F238E27FC236}">
-                <a16:creationId xmlns:a16="http://schemas.microsoft.com/office/drawing/2014/main" id="{68485753-3C12-4D0A-A94E-D65CE969871F}"/>
-              </a:ext>
-            </a:extLst>
-          </p:cNvPr>
+          <p:cNvPr id="4" name="텍스트 개체 틀 3"/>
           <p:cNvSpPr>
             <a:spLocks noGrp="1"/>
           </p:cNvSpPr>
           <p:nvPr>
-            <p:ph type="body" sz="half" idx="2"/>
+            <p:ph type="body" sz="half" idx="2" hasCustomPrompt="1"/>
           </p:nvPr>
         </p:nvSpPr>
         <p:spPr>
@@ -2657,13 +2279,7 @@
       </p:sp>
       <p:sp>
         <p:nvSpPr>
-          <p:cNvPr id="5" name="날짜 개체 틀 4">
-            <a:extLst>
-              <a:ext uri="{FF2B5EF4-FFF2-40B4-BE49-F238E27FC236}">
-                <a16:creationId xmlns:a16="http://schemas.microsoft.com/office/drawing/2014/main" id="{4AEF7C50-2EEC-47F5-BCA6-05DAC5605F10}"/>
-              </a:ext>
-            </a:extLst>
-          </p:cNvPr>
+          <p:cNvPr id="5" name="날짜 개체 틀 4"/>
           <p:cNvSpPr>
             <a:spLocks noGrp="1"/>
           </p:cNvSpPr>
@@ -2678,7 +2294,7 @@
           <a:p>
             <a:fld id="{F4542065-62B7-499C-979E-CB7AACC82DDE}" type="datetimeFigureOut">
               <a:rPr lang="ko-KR" altLang="en-US" smtClean="0"/>
-              <a:t>2019-09-19</a:t>
+              <a:t>2019-09-21</a:t>
             </a:fld>
             <a:endParaRPr lang="ko-KR" altLang="en-US"/>
           </a:p>
@@ -2686,13 +2302,7 @@
       </p:sp>
       <p:sp>
         <p:nvSpPr>
-          <p:cNvPr id="6" name="바닥글 개체 틀 5">
-            <a:extLst>
-              <a:ext uri="{FF2B5EF4-FFF2-40B4-BE49-F238E27FC236}">
-                <a16:creationId xmlns:a16="http://schemas.microsoft.com/office/drawing/2014/main" id="{74C14655-A4F7-4FEC-AC5F-984314EBFBAC}"/>
-              </a:ext>
-            </a:extLst>
-          </p:cNvPr>
+          <p:cNvPr id="6" name="바닥글 개체 틀 5"/>
           <p:cNvSpPr>
             <a:spLocks noGrp="1"/>
           </p:cNvSpPr>
@@ -2711,13 +2321,7 @@
       </p:sp>
       <p:sp>
         <p:nvSpPr>
-          <p:cNvPr id="7" name="슬라이드 번호 개체 틀 6">
-            <a:extLst>
-              <a:ext uri="{FF2B5EF4-FFF2-40B4-BE49-F238E27FC236}">
-                <a16:creationId xmlns:a16="http://schemas.microsoft.com/office/drawing/2014/main" id="{4FA93371-A3E4-4F03-825F-DDA79398D640}"/>
-              </a:ext>
-            </a:extLst>
-          </p:cNvPr>
+          <p:cNvPr id="7" name="슬라이드 번호 개체 틀 6"/>
           <p:cNvSpPr>
             <a:spLocks noGrp="1"/>
           </p:cNvSpPr>
@@ -2739,11 +2343,6 @@
         </p:txBody>
       </p:sp>
     </p:spTree>
-    <p:extLst>
-      <p:ext uri="{BB962C8B-B14F-4D97-AF65-F5344CB8AC3E}">
-        <p14:creationId xmlns:p14="http://schemas.microsoft.com/office/powerpoint/2010/main" val="1981321908"/>
-      </p:ext>
-    </p:extLst>
   </p:cSld>
   <p:clrMapOvr>
     <a:masterClrMapping/>
@@ -2775,13 +2374,7 @@
       </p:grpSpPr>
       <p:sp>
         <p:nvSpPr>
-          <p:cNvPr id="2" name="제목 개체 틀 1">
-            <a:extLst>
-              <a:ext uri="{FF2B5EF4-FFF2-40B4-BE49-F238E27FC236}">
-                <a16:creationId xmlns:a16="http://schemas.microsoft.com/office/drawing/2014/main" id="{C2535FE2-29D6-4B8D-A4B0-4E1A87B37E24}"/>
-              </a:ext>
-            </a:extLst>
-          </p:cNvPr>
+          <p:cNvPr id="2" name="제목 개체 틀 1"/>
           <p:cNvSpPr>
             <a:spLocks noGrp="1"/>
           </p:cNvSpPr>
@@ -2813,13 +2406,7 @@
       </p:sp>
       <p:sp>
         <p:nvSpPr>
-          <p:cNvPr id="3" name="텍스트 개체 틀 2">
-            <a:extLst>
-              <a:ext uri="{FF2B5EF4-FFF2-40B4-BE49-F238E27FC236}">
-                <a16:creationId xmlns:a16="http://schemas.microsoft.com/office/drawing/2014/main" id="{340B5D91-05BE-4967-BB50-6449B66844D1}"/>
-              </a:ext>
-            </a:extLst>
-          </p:cNvPr>
+          <p:cNvPr id="3" name="텍스트 개체 틀 2"/>
           <p:cNvSpPr>
             <a:spLocks noGrp="1"/>
           </p:cNvSpPr>
@@ -2880,13 +2467,7 @@
       </p:sp>
       <p:sp>
         <p:nvSpPr>
-          <p:cNvPr id="4" name="날짜 개체 틀 3">
-            <a:extLst>
-              <a:ext uri="{FF2B5EF4-FFF2-40B4-BE49-F238E27FC236}">
-                <a16:creationId xmlns:a16="http://schemas.microsoft.com/office/drawing/2014/main" id="{A84A4A7D-5746-45FB-9F62-FFEA6B424DDD}"/>
-              </a:ext>
-            </a:extLst>
-          </p:cNvPr>
+          <p:cNvPr id="4" name="날짜 개체 틀 3"/>
           <p:cNvSpPr>
             <a:spLocks noGrp="1"/>
           </p:cNvSpPr>
@@ -2919,7 +2500,7 @@
           <a:p>
             <a:fld id="{F4542065-62B7-499C-979E-CB7AACC82DDE}" type="datetimeFigureOut">
               <a:rPr lang="ko-KR" altLang="en-US" smtClean="0"/>
-              <a:t>2019-09-19</a:t>
+              <a:t>2019-09-21</a:t>
             </a:fld>
             <a:endParaRPr lang="ko-KR" altLang="en-US"/>
           </a:p>
@@ -2927,13 +2508,7 @@
       </p:sp>
       <p:sp>
         <p:nvSpPr>
-          <p:cNvPr id="5" name="바닥글 개체 틀 4">
-            <a:extLst>
-              <a:ext uri="{FF2B5EF4-FFF2-40B4-BE49-F238E27FC236}">
-                <a16:creationId xmlns:a16="http://schemas.microsoft.com/office/drawing/2014/main" id="{FBCB5EF8-D3DD-4648-9B65-A6FDA3C8F6DF}"/>
-              </a:ext>
-            </a:extLst>
-          </p:cNvPr>
+          <p:cNvPr id="5" name="바닥글 개체 틀 4"/>
           <p:cNvSpPr>
             <a:spLocks noGrp="1"/>
           </p:cNvSpPr>
@@ -2970,13 +2545,7 @@
       </p:sp>
       <p:sp>
         <p:nvSpPr>
-          <p:cNvPr id="6" name="슬라이드 번호 개체 틀 5">
-            <a:extLst>
-              <a:ext uri="{FF2B5EF4-FFF2-40B4-BE49-F238E27FC236}">
-                <a16:creationId xmlns:a16="http://schemas.microsoft.com/office/drawing/2014/main" id="{3E064C6C-5C38-428A-BB58-53E63AF05840}"/>
-              </a:ext>
-            </a:extLst>
-          </p:cNvPr>
+          <p:cNvPr id="6" name="슬라이드 번호 개체 틀 5"/>
           <p:cNvSpPr>
             <a:spLocks noGrp="1"/>
           </p:cNvSpPr>
@@ -3016,11 +2585,6 @@
         </p:txBody>
       </p:sp>
     </p:spTree>
-    <p:extLst>
-      <p:ext uri="{BB962C8B-B14F-4D97-AF65-F5344CB8AC3E}">
-        <p14:creationId xmlns:p14="http://schemas.microsoft.com/office/powerpoint/2010/main" val="4108233524"/>
-      </p:ext>
-    </p:extLst>
   </p:cSld>
   <p:clrMap bg1="lt1" tx1="dk1" bg2="lt2" tx2="dk2" accent1="accent1" accent2="accent2" accent3="accent3" accent4="accent4" accent5="accent5" accent6="accent6" hlink="hlink" folHlink="folHlink"/>
   <p:sldLayoutIdLst>
@@ -3338,13 +2902,7 @@
       </p:grpSpPr>
       <p:sp>
         <p:nvSpPr>
-          <p:cNvPr id="4" name="제목 3">
-            <a:extLst>
-              <a:ext uri="{FF2B5EF4-FFF2-40B4-BE49-F238E27FC236}">
-                <a16:creationId xmlns:a16="http://schemas.microsoft.com/office/drawing/2014/main" id="{A77BB82B-6F86-4D23-B493-3516067D42D8}"/>
-              </a:ext>
-            </a:extLst>
-          </p:cNvPr>
+          <p:cNvPr id="4" name="제목 3"/>
           <p:cNvSpPr>
             <a:spLocks noGrp="1"/>
           </p:cNvSpPr>
@@ -3367,27 +2925,21 @@
       </p:sp>
       <p:graphicFrame>
         <p:nvGraphicFramePr>
-          <p:cNvPr id="5" name="표 5">
-            <a:extLst>
-              <a:ext uri="{FF2B5EF4-FFF2-40B4-BE49-F238E27FC236}">
-                <a16:creationId xmlns:a16="http://schemas.microsoft.com/office/drawing/2014/main" id="{73500B5B-C13F-4616-8AEF-7C9AE4A461AE}"/>
-              </a:ext>
-            </a:extLst>
-          </p:cNvPr>
+          <p:cNvPr id="5" name="표 5"/>
           <p:cNvGraphicFramePr>
             <a:graphicFrameLocks noGrp="1"/>
           </p:cNvGraphicFramePr>
           <p:nvPr>
             <p:extLst>
               <p:ext uri="{D42A27DB-BD31-4B8C-83A1-F6EECF244321}">
-                <p14:modId xmlns:p14="http://schemas.microsoft.com/office/powerpoint/2010/main" val="2205431075"/>
+                <p14:modId xmlns:p14="http://schemas.microsoft.com/office/powerpoint/2010/main" val="1434098189"/>
               </p:ext>
             </p:extLst>
           </p:nvPr>
         </p:nvGraphicFramePr>
         <p:xfrm>
           <a:off x="1302158" y="2316480"/>
-          <a:ext cx="8128000" cy="1112520"/>
+          <a:ext cx="8127999" cy="1112520"/>
         </p:xfrm>
         <a:graphic>
           <a:graphicData uri="http://schemas.openxmlformats.org/drawingml/2006/table">
@@ -3396,17 +2948,24 @@
                 <a:tableStyleId>{5C22544A-7EE6-4342-B048-85BDC9FD1C3A}</a:tableStyleId>
               </a:tblPr>
               <a:tblGrid>
-                <a:gridCol w="4064000">
+                <a:gridCol w="2709333">
                   <a:extLst>
                     <a:ext uri="{9D8B030D-6E8A-4147-A177-3AD203B41FA5}">
-                      <a16:colId xmlns:a16="http://schemas.microsoft.com/office/drawing/2014/main" val="245760723"/>
+                      <a16:colId xmlns:a16="http://schemas.microsoft.com/office/drawing/2014/main" val="20000"/>
                     </a:ext>
                   </a:extLst>
                 </a:gridCol>
-                <a:gridCol w="4064000">
+                <a:gridCol w="2709333">
                   <a:extLst>
                     <a:ext uri="{9D8B030D-6E8A-4147-A177-3AD203B41FA5}">
-                      <a16:colId xmlns:a16="http://schemas.microsoft.com/office/drawing/2014/main" val="3160766071"/>
+                      <a16:colId xmlns:a16="http://schemas.microsoft.com/office/drawing/2014/main" val="20001"/>
+                    </a:ext>
+                  </a:extLst>
+                </a:gridCol>
+                <a:gridCol w="2709333">
+                  <a:extLst>
+                    <a:ext uri="{9D8B030D-6E8A-4147-A177-3AD203B41FA5}">
+                      <a16:colId xmlns:a16="http://schemas.microsoft.com/office/drawing/2014/main" val="2640760254"/>
                     </a:ext>
                   </a:extLst>
                 </a:gridCol>
@@ -3442,9 +3001,24 @@
                   </a:txBody>
                   <a:tcPr/>
                 </a:tc>
+                <a:tc>
+                  <a:txBody>
+                    <a:bodyPr/>
+                    <a:lstStyle/>
+                    <a:p>
+                      <a:pPr latinLnBrk="1"/>
+                      <a:r>
+                        <a:rPr lang="en-US" altLang="ko-KR" dirty="0"/>
+                        <a:t>passwd</a:t>
+                      </a:r>
+                      <a:endParaRPr lang="ko-KR" altLang="en-US" dirty="0"/>
+                    </a:p>
+                  </a:txBody>
+                  <a:tcPr/>
+                </a:tc>
                 <a:extLst>
                   <a:ext uri="{0D108BD9-81ED-4DB2-BD59-A6C34878D82A}">
-                    <a16:rowId xmlns:a16="http://schemas.microsoft.com/office/drawing/2014/main" val="3047985089"/>
+                    <a16:rowId xmlns:a16="http://schemas.microsoft.com/office/drawing/2014/main" val="10000"/>
                   </a:ext>
                 </a:extLst>
               </a:tr>
@@ -3471,9 +3045,20 @@
                   </a:txBody>
                   <a:tcPr/>
                 </a:tc>
+                <a:tc>
+                  <a:txBody>
+                    <a:bodyPr/>
+                    <a:lstStyle/>
+                    <a:p>
+                      <a:pPr latinLnBrk="1"/>
+                      <a:endParaRPr lang="ko-KR" altLang="en-US"/>
+                    </a:p>
+                  </a:txBody>
+                  <a:tcPr/>
+                </a:tc>
                 <a:extLst>
                   <a:ext uri="{0D108BD9-81ED-4DB2-BD59-A6C34878D82A}">
-                    <a16:rowId xmlns:a16="http://schemas.microsoft.com/office/drawing/2014/main" val="1819085094"/>
+                    <a16:rowId xmlns:a16="http://schemas.microsoft.com/office/drawing/2014/main" val="10001"/>
                   </a:ext>
                 </a:extLst>
               </a:tr>
@@ -3500,9 +3085,20 @@
                   </a:txBody>
                   <a:tcPr/>
                 </a:tc>
+                <a:tc>
+                  <a:txBody>
+                    <a:bodyPr/>
+                    <a:lstStyle/>
+                    <a:p>
+                      <a:pPr latinLnBrk="1"/>
+                      <a:endParaRPr lang="ko-KR" altLang="en-US" dirty="0"/>
+                    </a:p>
+                  </a:txBody>
+                  <a:tcPr/>
+                </a:tc>
                 <a:extLst>
                   <a:ext uri="{0D108BD9-81ED-4DB2-BD59-A6C34878D82A}">
-                    <a16:rowId xmlns:a16="http://schemas.microsoft.com/office/drawing/2014/main" val="2687444863"/>
+                    <a16:rowId xmlns:a16="http://schemas.microsoft.com/office/drawing/2014/main" val="10002"/>
                   </a:ext>
                 </a:extLst>
               </a:tr>
@@ -3511,11 +3107,6 @@
         </a:graphic>
       </p:graphicFrame>
     </p:spTree>
-    <p:extLst>
-      <p:ext uri="{BB962C8B-B14F-4D97-AF65-F5344CB8AC3E}">
-        <p14:creationId xmlns:p14="http://schemas.microsoft.com/office/powerpoint/2010/main" val="622116028"/>
-      </p:ext>
-    </p:extLst>
   </p:cSld>
   <p:clrMapOvr>
     <a:masterClrMapping/>
@@ -3542,13 +3133,7 @@
       </p:grpSpPr>
       <p:sp>
         <p:nvSpPr>
-          <p:cNvPr id="2" name="제목 1">
-            <a:extLst>
-              <a:ext uri="{FF2B5EF4-FFF2-40B4-BE49-F238E27FC236}">
-                <a16:creationId xmlns:a16="http://schemas.microsoft.com/office/drawing/2014/main" id="{07B9E433-112D-406E-808C-1B00FC2274E9}"/>
-              </a:ext>
-            </a:extLst>
-          </p:cNvPr>
+          <p:cNvPr id="2" name="제목 1"/>
           <p:cNvSpPr>
             <a:spLocks noGrp="1"/>
           </p:cNvSpPr>
@@ -3563,7 +3148,7 @@
           <a:p>
             <a:r>
               <a:rPr lang="en-US" altLang="ko-KR" dirty="0" err="1"/>
-              <a:t>mv_otherSubsidyCost</a:t>
+              <a:t>mv_notification</a:t>
             </a:r>
             <a:endParaRPr lang="ko-KR" altLang="en-US" dirty="0"/>
           </a:p>
@@ -3571,23 +3156,980 @@
       </p:sp>
       <p:graphicFrame>
         <p:nvGraphicFramePr>
-          <p:cNvPr id="5" name="표 4">
-            <a:extLst>
-              <a:ext uri="{FF2B5EF4-FFF2-40B4-BE49-F238E27FC236}">
-                <a16:creationId xmlns:a16="http://schemas.microsoft.com/office/drawing/2014/main" id="{C1C5382A-5325-49A4-875A-B7170DE37DFD}"/>
-              </a:ext>
-            </a:extLst>
-          </p:cNvPr>
+          <p:cNvPr id="3" name="표 2"/>
           <p:cNvGraphicFramePr>
             <a:graphicFrameLocks noGrp="1"/>
           </p:cNvGraphicFramePr>
+          <p:nvPr/>
+        </p:nvGraphicFramePr>
+        <p:xfrm>
+          <a:off x="419450" y="1913589"/>
+          <a:ext cx="10934350" cy="662940"/>
+        </p:xfrm>
+        <a:graphic>
+          <a:graphicData uri="http://schemas.openxmlformats.org/drawingml/2006/table">
+            <a:tbl>
+              <a:tblPr>
+                <a:tableStyleId>{3C2FFA5D-87B4-456A-9821-1D502468CF0F}</a:tableStyleId>
+              </a:tblPr>
+              <a:tblGrid>
+                <a:gridCol w="565606">
+                  <a:extLst>
+                    <a:ext uri="{9D8B030D-6E8A-4147-A177-3AD203B41FA5}">
+                      <a16:colId xmlns:a16="http://schemas.microsoft.com/office/drawing/2014/main" val="20000"/>
+                    </a:ext>
+                  </a:extLst>
+                </a:gridCol>
+                <a:gridCol w="1296093">
+                  <a:extLst>
+                    <a:ext uri="{9D8B030D-6E8A-4147-A177-3AD203B41FA5}">
+                      <a16:colId xmlns:a16="http://schemas.microsoft.com/office/drawing/2014/main" val="20001"/>
+                    </a:ext>
+                  </a:extLst>
+                </a:gridCol>
+                <a:gridCol w="1296093">
+                  <a:extLst>
+                    <a:ext uri="{9D8B030D-6E8A-4147-A177-3AD203B41FA5}">
+                      <a16:colId xmlns:a16="http://schemas.microsoft.com/office/drawing/2014/main" val="20002"/>
+                    </a:ext>
+                  </a:extLst>
+                </a:gridCol>
+                <a:gridCol w="1296093">
+                  <a:extLst>
+                    <a:ext uri="{9D8B030D-6E8A-4147-A177-3AD203B41FA5}">
+                      <a16:colId xmlns:a16="http://schemas.microsoft.com/office/drawing/2014/main" val="20003"/>
+                    </a:ext>
+                  </a:extLst>
+                </a:gridCol>
+                <a:gridCol w="1317740">
+                  <a:extLst>
+                    <a:ext uri="{9D8B030D-6E8A-4147-A177-3AD203B41FA5}">
+                      <a16:colId xmlns:a16="http://schemas.microsoft.com/office/drawing/2014/main" val="20004"/>
+                    </a:ext>
+                  </a:extLst>
+                </a:gridCol>
+                <a:gridCol w="1274446">
+                  <a:extLst>
+                    <a:ext uri="{9D8B030D-6E8A-4147-A177-3AD203B41FA5}">
+                      <a16:colId xmlns:a16="http://schemas.microsoft.com/office/drawing/2014/main" val="20005"/>
+                    </a:ext>
+                  </a:extLst>
+                </a:gridCol>
+                <a:gridCol w="1296093">
+                  <a:extLst>
+                    <a:ext uri="{9D8B030D-6E8A-4147-A177-3AD203B41FA5}">
+                      <a16:colId xmlns:a16="http://schemas.microsoft.com/office/drawing/2014/main" val="20006"/>
+                    </a:ext>
+                  </a:extLst>
+                </a:gridCol>
+                <a:gridCol w="1296093">
+                  <a:extLst>
+                    <a:ext uri="{9D8B030D-6E8A-4147-A177-3AD203B41FA5}">
+                      <a16:colId xmlns:a16="http://schemas.microsoft.com/office/drawing/2014/main" val="20007"/>
+                    </a:ext>
+                  </a:extLst>
+                </a:gridCol>
+                <a:gridCol w="1296093">
+                  <a:extLst>
+                    <a:ext uri="{9D8B030D-6E8A-4147-A177-3AD203B41FA5}">
+                      <a16:colId xmlns:a16="http://schemas.microsoft.com/office/drawing/2014/main" val="20008"/>
+                    </a:ext>
+                  </a:extLst>
+                </a:gridCol>
+              </a:tblGrid>
+              <a:tr h="0">
+                <a:tc>
+                  <a:txBody>
+                    <a:bodyPr/>
+                    <a:lstStyle/>
+                    <a:p>
+                      <a:r>
+                        <a:rPr lang="en-US">
+                          <a:effectLst/>
+                        </a:rPr>
+                        <a:t>id</a:t>
+                      </a:r>
+                      <a:endParaRPr lang="en-US" b="1">
+                        <a:effectLst/>
+                      </a:endParaRPr>
+                    </a:p>
+                  </a:txBody>
+                  <a:tcPr marL="123825" marR="123825" marT="57150" marB="57150" anchor="ctr"/>
+                </a:tc>
+                <a:tc>
+                  <a:txBody>
+                    <a:bodyPr/>
+                    <a:lstStyle/>
+                    <a:p>
+                      <a:r>
+                        <a:rPr lang="en-US">
+                          <a:effectLst/>
+                        </a:rPr>
+                        <a:t>createdDateTime</a:t>
+                      </a:r>
+                      <a:endParaRPr lang="en-US" b="1">
+                        <a:effectLst/>
+                      </a:endParaRPr>
+                    </a:p>
+                  </a:txBody>
+                  <a:tcPr marL="123825" marR="123825" marT="57150" marB="57150" anchor="ctr"/>
+                </a:tc>
+                <a:tc>
+                  <a:txBody>
+                    <a:bodyPr/>
+                    <a:lstStyle/>
+                    <a:p>
+                      <a:r>
+                        <a:rPr lang="en-US">
+                          <a:effectLst/>
+                        </a:rPr>
+                        <a:t>updatedDateTime</a:t>
+                      </a:r>
+                      <a:endParaRPr lang="en-US" b="1">
+                        <a:effectLst/>
+                      </a:endParaRPr>
+                    </a:p>
+                  </a:txBody>
+                  <a:tcPr marL="123825" marR="123825" marT="57150" marB="57150" anchor="ctr"/>
+                </a:tc>
+                <a:tc>
+                  <a:txBody>
+                    <a:bodyPr/>
+                    <a:lstStyle/>
+                    <a:p>
+                      <a:r>
+                        <a:rPr lang="en-US">
+                          <a:effectLst/>
+                        </a:rPr>
+                        <a:t>Content</a:t>
+                      </a:r>
+                      <a:endParaRPr lang="en-US" b="1">
+                        <a:effectLst/>
+                      </a:endParaRPr>
+                    </a:p>
+                  </a:txBody>
+                  <a:tcPr marL="123825" marR="123825" marT="57150" marB="57150" anchor="ctr"/>
+                </a:tc>
+                <a:tc>
+                  <a:txBody>
+                    <a:bodyPr/>
+                    <a:lstStyle/>
+                    <a:p>
+                      <a:r>
+                        <a:rPr lang="en-US">
+                          <a:effectLst/>
+                        </a:rPr>
+                        <a:t>noticeStart</a:t>
+                      </a:r>
+                      <a:endParaRPr lang="en-US" b="1">
+                        <a:effectLst/>
+                      </a:endParaRPr>
+                    </a:p>
+                  </a:txBody>
+                  <a:tcPr marL="123825" marR="123825" marT="57150" marB="57150" anchor="ctr"/>
+                </a:tc>
+                <a:tc>
+                  <a:txBody>
+                    <a:bodyPr/>
+                    <a:lstStyle/>
+                    <a:p>
+                      <a:r>
+                        <a:rPr lang="en-US" dirty="0" err="1">
+                          <a:effectLst/>
+                        </a:rPr>
+                        <a:t>noticeEnd</a:t>
+                      </a:r>
+                      <a:endParaRPr lang="en-US" b="1" dirty="0">
+                        <a:effectLst/>
+                      </a:endParaRPr>
+                    </a:p>
+                  </a:txBody>
+                  <a:tcPr marL="123825" marR="123825" marT="57150" marB="57150" anchor="ctr"/>
+                </a:tc>
+                <a:tc>
+                  <a:txBody>
+                    <a:bodyPr/>
+                    <a:lstStyle/>
+                    <a:p>
+                      <a:r>
+                        <a:rPr lang="en-US">
+                          <a:effectLst/>
+                        </a:rPr>
+                        <a:t>createdBy</a:t>
+                      </a:r>
+                      <a:endParaRPr lang="en-US" b="1">
+                        <a:effectLst/>
+                      </a:endParaRPr>
+                    </a:p>
+                  </a:txBody>
+                  <a:tcPr marL="123825" marR="123825" marT="57150" marB="57150" anchor="ctr"/>
+                </a:tc>
+                <a:tc>
+                  <a:txBody>
+                    <a:bodyPr/>
+                    <a:lstStyle/>
+                    <a:p>
+                      <a:r>
+                        <a:rPr lang="en-US">
+                          <a:effectLst/>
+                        </a:rPr>
+                        <a:t>title</a:t>
+                      </a:r>
+                      <a:endParaRPr lang="en-US" b="1">
+                        <a:effectLst/>
+                      </a:endParaRPr>
+                    </a:p>
+                  </a:txBody>
+                  <a:tcPr marL="123825" marR="123825" marT="57150" marB="57150" anchor="ctr"/>
+                </a:tc>
+                <a:tc>
+                  <a:txBody>
+                    <a:bodyPr/>
+                    <a:lstStyle/>
+                    <a:p>
+                      <a:r>
+                        <a:rPr lang="en-US" dirty="0">
+                          <a:effectLst/>
+                        </a:rPr>
+                        <a:t>deleted</a:t>
+                      </a:r>
+                      <a:endParaRPr lang="en-US" b="1" dirty="0">
+                        <a:effectLst/>
+                      </a:endParaRPr>
+                    </a:p>
+                  </a:txBody>
+                  <a:tcPr marL="123825" marR="123825" marT="57150" marB="57150" anchor="ctr"/>
+                </a:tc>
+                <a:extLst>
+                  <a:ext uri="{0D108BD9-81ED-4DB2-BD59-A6C34878D82A}">
+                    <a16:rowId xmlns:a16="http://schemas.microsoft.com/office/drawing/2014/main" val="10000"/>
+                  </a:ext>
+                </a:extLst>
+              </a:tr>
+            </a:tbl>
+          </a:graphicData>
+        </a:graphic>
+      </p:graphicFrame>
+    </p:spTree>
+  </p:cSld>
+  <p:clrMapOvr>
+    <a:masterClrMapping/>
+  </p:clrMapOvr>
+</p:sld>
+</file>
+
+<file path=ppt/slides/slide11.xml><?xml version="1.0" encoding="utf-8"?>
+<p:sld xmlns:a="http://schemas.openxmlformats.org/drawingml/2006/main" xmlns:r="http://schemas.openxmlformats.org/officeDocument/2006/relationships" xmlns:p="http://schemas.openxmlformats.org/presentationml/2006/main">
+  <p:cSld>
+    <p:spTree>
+      <p:nvGrpSpPr>
+        <p:cNvPr id="1" name=""/>
+        <p:cNvGrpSpPr/>
+        <p:nvPr/>
+      </p:nvGrpSpPr>
+      <p:grpSpPr>
+        <a:xfrm>
+          <a:off x="0" y="0"/>
+          <a:ext cx="0" cy="0"/>
+          <a:chOff x="0" y="0"/>
+          <a:chExt cx="0" cy="0"/>
+        </a:xfrm>
+      </p:grpSpPr>
+      <p:sp>
+        <p:nvSpPr>
+          <p:cNvPr id="2" name="제목 1"/>
+          <p:cNvSpPr>
+            <a:spLocks noGrp="1"/>
+          </p:cNvSpPr>
           <p:nvPr>
-            <p:extLst>
-              <p:ext uri="{D42A27DB-BD31-4B8C-83A1-F6EECF244321}">
-                <p14:modId xmlns:p14="http://schemas.microsoft.com/office/powerpoint/2010/main" val="2876003299"/>
-              </p:ext>
-            </p:extLst>
+            <p:ph type="title"/>
           </p:nvPr>
+        </p:nvSpPr>
+        <p:spPr/>
+        <p:txBody>
+          <a:bodyPr/>
+          <a:lstStyle/>
+          <a:p>
+            <a:r>
+              <a:rPr lang="en-US" altLang="ko-KR" dirty="0" err="1"/>
+              <a:t>mv_designActualPurchasedContents</a:t>
+            </a:r>
+            <a:endParaRPr lang="ko-KR" altLang="en-US" dirty="0"/>
+          </a:p>
+        </p:txBody>
+      </p:sp>
+      <p:graphicFrame>
+        <p:nvGraphicFramePr>
+          <p:cNvPr id="5" name="표 4"/>
+          <p:cNvGraphicFramePr>
+            <a:graphicFrameLocks noGrp="1"/>
+          </p:cNvGraphicFramePr>
+          <p:nvPr/>
+        </p:nvGraphicFramePr>
+        <p:xfrm>
+          <a:off x="293615" y="2811623"/>
+          <a:ext cx="10945395" cy="1314450"/>
+        </p:xfrm>
+        <a:graphic>
+          <a:graphicData uri="http://schemas.openxmlformats.org/drawingml/2006/table">
+            <a:tbl>
+              <a:tblPr>
+                <a:tableStyleId>{69CF1AB2-1976-4502-BF36-3FF5EA218861}</a:tableStyleId>
+              </a:tblPr>
+              <a:tblGrid>
+                <a:gridCol w="369115">
+                  <a:extLst>
+                    <a:ext uri="{9D8B030D-6E8A-4147-A177-3AD203B41FA5}">
+                      <a16:colId xmlns:a16="http://schemas.microsoft.com/office/drawing/2014/main" val="20000"/>
+                    </a:ext>
+                  </a:extLst>
+                </a:gridCol>
+                <a:gridCol w="746620">
+                  <a:extLst>
+                    <a:ext uri="{9D8B030D-6E8A-4147-A177-3AD203B41FA5}">
+                      <a16:colId xmlns:a16="http://schemas.microsoft.com/office/drawing/2014/main" val="20001"/>
+                    </a:ext>
+                  </a:extLst>
+                </a:gridCol>
+                <a:gridCol w="880845">
+                  <a:extLst>
+                    <a:ext uri="{9D8B030D-6E8A-4147-A177-3AD203B41FA5}">
+                      <a16:colId xmlns:a16="http://schemas.microsoft.com/office/drawing/2014/main" val="20002"/>
+                    </a:ext>
+                  </a:extLst>
+                </a:gridCol>
+                <a:gridCol w="922192">
+                  <a:extLst>
+                    <a:ext uri="{9D8B030D-6E8A-4147-A177-3AD203B41FA5}">
+                      <a16:colId xmlns:a16="http://schemas.microsoft.com/office/drawing/2014/main" val="20003"/>
+                    </a:ext>
+                  </a:extLst>
+                </a:gridCol>
+                <a:gridCol w="629771">
+                  <a:extLst>
+                    <a:ext uri="{9D8B030D-6E8A-4147-A177-3AD203B41FA5}">
+                      <a16:colId xmlns:a16="http://schemas.microsoft.com/office/drawing/2014/main" val="20004"/>
+                    </a:ext>
+                  </a:extLst>
+                </a:gridCol>
+                <a:gridCol w="829615">
+                  <a:extLst>
+                    <a:ext uri="{9D8B030D-6E8A-4147-A177-3AD203B41FA5}">
+                      <a16:colId xmlns:a16="http://schemas.microsoft.com/office/drawing/2014/main" val="20005"/>
+                    </a:ext>
+                  </a:extLst>
+                </a:gridCol>
+                <a:gridCol w="1023318">
+                  <a:extLst>
+                    <a:ext uri="{9D8B030D-6E8A-4147-A177-3AD203B41FA5}">
+                      <a16:colId xmlns:a16="http://schemas.microsoft.com/office/drawing/2014/main" val="20006"/>
+                    </a:ext>
+                  </a:extLst>
+                </a:gridCol>
+                <a:gridCol w="605041">
+                  <a:extLst>
+                    <a:ext uri="{9D8B030D-6E8A-4147-A177-3AD203B41FA5}">
+                      <a16:colId xmlns:a16="http://schemas.microsoft.com/office/drawing/2014/main" val="20007"/>
+                    </a:ext>
+                  </a:extLst>
+                </a:gridCol>
+                <a:gridCol w="560720">
+                  <a:extLst>
+                    <a:ext uri="{9D8B030D-6E8A-4147-A177-3AD203B41FA5}">
+                      <a16:colId xmlns:a16="http://schemas.microsoft.com/office/drawing/2014/main" val="20008"/>
+                    </a:ext>
+                  </a:extLst>
+                </a:gridCol>
+                <a:gridCol w="729693">
+                  <a:extLst>
+                    <a:ext uri="{9D8B030D-6E8A-4147-A177-3AD203B41FA5}">
+                      <a16:colId xmlns:a16="http://schemas.microsoft.com/office/drawing/2014/main" val="20009"/>
+                    </a:ext>
+                  </a:extLst>
+                </a:gridCol>
+                <a:gridCol w="729693">
+                  <a:extLst>
+                    <a:ext uri="{9D8B030D-6E8A-4147-A177-3AD203B41FA5}">
+                      <a16:colId xmlns:a16="http://schemas.microsoft.com/office/drawing/2014/main" val="20010"/>
+                    </a:ext>
+                  </a:extLst>
+                </a:gridCol>
+                <a:gridCol w="729693">
+                  <a:extLst>
+                    <a:ext uri="{9D8B030D-6E8A-4147-A177-3AD203B41FA5}">
+                      <a16:colId xmlns:a16="http://schemas.microsoft.com/office/drawing/2014/main" val="20011"/>
+                    </a:ext>
+                  </a:extLst>
+                </a:gridCol>
+                <a:gridCol w="614186">
+                  <a:extLst>
+                    <a:ext uri="{9D8B030D-6E8A-4147-A177-3AD203B41FA5}">
+                      <a16:colId xmlns:a16="http://schemas.microsoft.com/office/drawing/2014/main" val="20012"/>
+                    </a:ext>
+                  </a:extLst>
+                </a:gridCol>
+                <a:gridCol w="845200">
+                  <a:extLst>
+                    <a:ext uri="{9D8B030D-6E8A-4147-A177-3AD203B41FA5}">
+                      <a16:colId xmlns:a16="http://schemas.microsoft.com/office/drawing/2014/main" val="20013"/>
+                    </a:ext>
+                  </a:extLst>
+                </a:gridCol>
+                <a:gridCol w="729693">
+                  <a:extLst>
+                    <a:ext uri="{9D8B030D-6E8A-4147-A177-3AD203B41FA5}">
+                      <a16:colId xmlns:a16="http://schemas.microsoft.com/office/drawing/2014/main" val="20014"/>
+                    </a:ext>
+                  </a:extLst>
+                </a:gridCol>
+              </a:tblGrid>
+              <a:tr h="657225">
+                <a:tc>
+                  <a:txBody>
+                    <a:bodyPr/>
+                    <a:lstStyle/>
+                    <a:p>
+                      <a:r>
+                        <a:rPr lang="en-US" sz="800">
+                          <a:effectLst/>
+                        </a:rPr>
+                        <a:t>id</a:t>
+                      </a:r>
+                      <a:endParaRPr lang="en-US" sz="800" b="1">
+                        <a:effectLst/>
+                      </a:endParaRPr>
+                    </a:p>
+                  </a:txBody>
+                  <a:tcPr marL="54769" marR="54769" marT="25278" marB="25278" anchor="ctr"/>
+                </a:tc>
+                <a:tc>
+                  <a:txBody>
+                    <a:bodyPr/>
+                    <a:lstStyle/>
+                    <a:p>
+                      <a:r>
+                        <a:rPr lang="en-US" sz="800">
+                          <a:effectLst/>
+                        </a:rPr>
+                        <a:t>productYear</a:t>
+                      </a:r>
+                      <a:endParaRPr lang="en-US" sz="800" b="1">
+                        <a:effectLst/>
+                      </a:endParaRPr>
+                    </a:p>
+                  </a:txBody>
+                  <a:tcPr marL="54769" marR="54769" marT="25278" marB="25278" anchor="ctr"/>
+                </a:tc>
+                <a:tc>
+                  <a:txBody>
+                    <a:bodyPr/>
+                    <a:lstStyle/>
+                    <a:p>
+                      <a:r>
+                        <a:rPr lang="en-US" sz="800">
+                          <a:effectLst/>
+                        </a:rPr>
+                        <a:t>accountingYear</a:t>
+                      </a:r>
+                      <a:endParaRPr lang="en-US" sz="800" b="1">
+                        <a:effectLst/>
+                      </a:endParaRPr>
+                    </a:p>
+                  </a:txBody>
+                  <a:tcPr marL="54769" marR="54769" marT="25278" marB="25278" anchor="ctr"/>
+                </a:tc>
+                <a:tc>
+                  <a:txBody>
+                    <a:bodyPr/>
+                    <a:lstStyle/>
+                    <a:p>
+                      <a:r>
+                        <a:rPr lang="en-US" sz="800" dirty="0" err="1">
+                          <a:effectLst/>
+                        </a:rPr>
+                        <a:t>purchasing_Date</a:t>
+                      </a:r>
+                      <a:endParaRPr lang="en-US" sz="800" b="1" dirty="0">
+                        <a:effectLst/>
+                      </a:endParaRPr>
+                    </a:p>
+                  </a:txBody>
+                  <a:tcPr marL="54769" marR="54769" marT="25278" marB="25278" anchor="ctr"/>
+                </a:tc>
+                <a:tc>
+                  <a:txBody>
+                    <a:bodyPr/>
+                    <a:lstStyle/>
+                    <a:p>
+                      <a:r>
+                        <a:rPr lang="en-US" sz="800" dirty="0">
+                          <a:effectLst/>
+                        </a:rPr>
+                        <a:t>purchaser</a:t>
+                      </a:r>
+                      <a:endParaRPr lang="en-US" sz="800" b="1" dirty="0">
+                        <a:effectLst/>
+                      </a:endParaRPr>
+                    </a:p>
+                  </a:txBody>
+                  <a:tcPr marL="54769" marR="54769" marT="25278" marB="25278" anchor="ctr"/>
+                </a:tc>
+                <a:tc>
+                  <a:txBody>
+                    <a:bodyPr/>
+                    <a:lstStyle/>
+                    <a:p>
+                      <a:r>
+                        <a:rPr lang="en-US" sz="800">
+                          <a:effectLst/>
+                        </a:rPr>
+                        <a:t>contractInfo_id</a:t>
+                      </a:r>
+                      <a:endParaRPr lang="en-US" sz="800" b="1">
+                        <a:effectLst/>
+                      </a:endParaRPr>
+                    </a:p>
+                  </a:txBody>
+                  <a:tcPr marL="54769" marR="54769" marT="25278" marB="25278" anchor="ctr"/>
+                </a:tc>
+                <a:tc>
+                  <a:txBody>
+                    <a:bodyPr/>
+                    <a:lstStyle/>
+                    <a:p>
+                      <a:r>
+                        <a:rPr lang="en-US" sz="800">
+                          <a:effectLst/>
+                        </a:rPr>
+                        <a:t>contractDistinction_ItemDistinction_Meta_Info_id</a:t>
+                      </a:r>
+                      <a:endParaRPr lang="en-US" sz="800" b="1">
+                        <a:effectLst/>
+                      </a:endParaRPr>
+                    </a:p>
+                  </a:txBody>
+                  <a:tcPr marL="54769" marR="54769" marT="25278" marB="25278" anchor="ctr"/>
+                </a:tc>
+                <a:tc>
+                  <a:txBody>
+                    <a:bodyPr/>
+                    <a:lstStyle/>
+                    <a:p>
+                      <a:r>
+                        <a:rPr lang="en-US" sz="800">
+                          <a:effectLst/>
+                        </a:rPr>
+                        <a:t>jobClassification</a:t>
+                      </a:r>
+                      <a:endParaRPr lang="en-US" sz="800" b="1">
+                        <a:effectLst/>
+                      </a:endParaRPr>
+                    </a:p>
+                  </a:txBody>
+                  <a:tcPr marL="54769" marR="54769" marT="25278" marB="25278" anchor="ctr"/>
+                </a:tc>
+                <a:tc>
+                  <a:txBody>
+                    <a:bodyPr/>
+                    <a:lstStyle/>
+                    <a:p>
+                      <a:r>
+                        <a:rPr lang="en-US" sz="800" dirty="0">
+                          <a:effectLst/>
+                        </a:rPr>
+                        <a:t>item</a:t>
+                      </a:r>
+                      <a:endParaRPr lang="en-US" sz="800" b="1" dirty="0">
+                        <a:effectLst/>
+                      </a:endParaRPr>
+                    </a:p>
+                  </a:txBody>
+                  <a:tcPr marL="54769" marR="54769" marT="25278" marB="25278" anchor="ctr"/>
+                </a:tc>
+                <a:tc>
+                  <a:txBody>
+                    <a:bodyPr/>
+                    <a:lstStyle/>
+                    <a:p>
+                      <a:r>
+                        <a:rPr lang="en-US" sz="800">
+                          <a:effectLst/>
+                        </a:rPr>
+                        <a:t>unitPrice</a:t>
+                      </a:r>
+                      <a:endParaRPr lang="en-US" sz="800" b="1">
+                        <a:effectLst/>
+                      </a:endParaRPr>
+                    </a:p>
+                  </a:txBody>
+                  <a:tcPr marL="54769" marR="54769" marT="25278" marB="25278" anchor="ctr"/>
+                </a:tc>
+                <a:tc>
+                  <a:txBody>
+                    <a:bodyPr/>
+                    <a:lstStyle/>
+                    <a:p>
+                      <a:r>
+                        <a:rPr lang="en-US" sz="800" dirty="0" err="1">
+                          <a:effectLst/>
+                        </a:rPr>
+                        <a:t>warehousingAmount</a:t>
+                      </a:r>
+                      <a:endParaRPr lang="en-US" sz="800" b="1" dirty="0">
+                        <a:effectLst/>
+                      </a:endParaRPr>
+                    </a:p>
+                  </a:txBody>
+                  <a:tcPr marL="54769" marR="54769" marT="25278" marB="25278" anchor="ctr"/>
+                </a:tc>
+                <a:tc>
+                  <a:txBody>
+                    <a:bodyPr/>
+                    <a:lstStyle/>
+                    <a:p>
+                      <a:r>
+                        <a:rPr lang="en-US" sz="800" dirty="0" err="1">
+                          <a:effectLst/>
+                        </a:rPr>
+                        <a:t>warehousingSumOfMoney</a:t>
+                      </a:r>
+                      <a:endParaRPr lang="en-US" sz="800" b="1" dirty="0">
+                        <a:effectLst/>
+                      </a:endParaRPr>
+                    </a:p>
+                  </a:txBody>
+                  <a:tcPr marL="54769" marR="54769" marT="25278" marB="25278" anchor="ctr"/>
+                </a:tc>
+                <a:tc>
+                  <a:txBody>
+                    <a:bodyPr/>
+                    <a:lstStyle/>
+                    <a:p>
+                      <a:r>
+                        <a:rPr lang="en-US" sz="800">
+                          <a:effectLst/>
+                        </a:rPr>
+                        <a:t>warehousingSumOfMoney_VATIncluding</a:t>
+                      </a:r>
+                      <a:endParaRPr lang="en-US" sz="800" b="1">
+                        <a:effectLst/>
+                      </a:endParaRPr>
+                    </a:p>
+                  </a:txBody>
+                  <a:tcPr marL="54769" marR="54769" marT="25278" marB="25278" anchor="ctr"/>
+                </a:tc>
+                <a:tc>
+                  <a:txBody>
+                    <a:bodyPr/>
+                    <a:lstStyle/>
+                    <a:p>
+                      <a:r>
+                        <a:rPr lang="en-US" sz="800" dirty="0" err="1">
+                          <a:effectLst/>
+                        </a:rPr>
+                        <a:t>purchased_Enter</a:t>
+                      </a:r>
+                      <a:endParaRPr lang="en-US" sz="800" b="1" dirty="0">
+                        <a:effectLst/>
+                      </a:endParaRPr>
+                    </a:p>
+                  </a:txBody>
+                  <a:tcPr marL="54769" marR="54769" marT="25278" marB="25278" anchor="ctr"/>
+                </a:tc>
+                <a:tc>
+                  <a:txBody>
+                    <a:bodyPr/>
+                    <a:lstStyle/>
+                    <a:p>
+                      <a:r>
+                        <a:rPr lang="en-US" sz="800" dirty="0">
+                          <a:effectLst/>
+                        </a:rPr>
+                        <a:t>comment</a:t>
+                      </a:r>
+                      <a:endParaRPr lang="en-US" sz="800" b="1" dirty="0">
+                        <a:effectLst/>
+                      </a:endParaRPr>
+                    </a:p>
+                  </a:txBody>
+                  <a:tcPr marL="54769" marR="54769" marT="25278" marB="25278" anchor="ctr"/>
+                </a:tc>
+                <a:extLst>
+                  <a:ext uri="{0D108BD9-81ED-4DB2-BD59-A6C34878D82A}">
+                    <a16:rowId xmlns:a16="http://schemas.microsoft.com/office/drawing/2014/main" val="10000"/>
+                  </a:ext>
+                </a:extLst>
+              </a:tr>
+              <a:tr h="657225">
+                <a:tc>
+                  <a:txBody>
+                    <a:bodyPr/>
+                    <a:lstStyle/>
+                    <a:p>
+                      <a:r>
+                        <a:rPr lang="en-US" sz="800" b="1" dirty="0">
+                          <a:effectLst/>
+                        </a:rPr>
+                        <a:t>PK</a:t>
+                      </a:r>
+                    </a:p>
+                  </a:txBody>
+                  <a:tcPr marL="54769" marR="54769" marT="25278" marB="25278" anchor="ctr"/>
+                </a:tc>
+                <a:tc>
+                  <a:txBody>
+                    <a:bodyPr/>
+                    <a:lstStyle/>
+                    <a:p>
+                      <a:endParaRPr lang="en-US" sz="800" b="1">
+                        <a:effectLst/>
+                      </a:endParaRPr>
+                    </a:p>
+                  </a:txBody>
+                  <a:tcPr marL="54769" marR="54769" marT="25278" marB="25278" anchor="ctr"/>
+                </a:tc>
+                <a:tc>
+                  <a:txBody>
+                    <a:bodyPr/>
+                    <a:lstStyle/>
+                    <a:p>
+                      <a:endParaRPr lang="en-US" sz="800" b="1">
+                        <a:effectLst/>
+                      </a:endParaRPr>
+                    </a:p>
+                  </a:txBody>
+                  <a:tcPr marL="54769" marR="54769" marT="25278" marB="25278" anchor="ctr"/>
+                </a:tc>
+                <a:tc>
+                  <a:txBody>
+                    <a:bodyPr/>
+                    <a:lstStyle/>
+                    <a:p>
+                      <a:endParaRPr lang="en-US" sz="800" b="1" dirty="0">
+                        <a:effectLst/>
+                      </a:endParaRPr>
+                    </a:p>
+                  </a:txBody>
+                  <a:tcPr marL="54769" marR="54769" marT="25278" marB="25278" anchor="ctr"/>
+                </a:tc>
+                <a:tc>
+                  <a:txBody>
+                    <a:bodyPr/>
+                    <a:lstStyle/>
+                    <a:p>
+                      <a:r>
+                        <a:rPr lang="en-US" sz="800" b="1" dirty="0">
+                          <a:effectLst/>
+                        </a:rPr>
+                        <a:t>FK(</a:t>
+                      </a:r>
+                      <a:r>
+                        <a:rPr lang="en-US" sz="800" b="1" dirty="0" err="1">
+                          <a:effectLst/>
+                        </a:rPr>
+                        <a:t>mv_employee_login_id</a:t>
+                      </a:r>
+                      <a:r>
+                        <a:rPr lang="en-US" sz="800" b="1" dirty="0">
+                          <a:effectLst/>
+                        </a:rPr>
+                        <a:t>)</a:t>
+                      </a:r>
+                    </a:p>
+                  </a:txBody>
+                  <a:tcPr marL="54769" marR="54769" marT="25278" marB="25278" anchor="ctr"/>
+                </a:tc>
+                <a:tc>
+                  <a:txBody>
+                    <a:bodyPr/>
+                    <a:lstStyle/>
+                    <a:p>
+                      <a:endParaRPr lang="en-US" sz="800" b="1">
+                        <a:effectLst/>
+                      </a:endParaRPr>
+                    </a:p>
+                  </a:txBody>
+                  <a:tcPr marL="54769" marR="54769" marT="25278" marB="25278" anchor="ctr"/>
+                </a:tc>
+                <a:tc>
+                  <a:txBody>
+                    <a:bodyPr/>
+                    <a:lstStyle/>
+                    <a:p>
+                      <a:r>
+                        <a:rPr lang="en-US" sz="800" b="1" dirty="0">
+                          <a:effectLst/>
+                        </a:rPr>
+                        <a:t>FK</a:t>
+                      </a:r>
+                    </a:p>
+                  </a:txBody>
+                  <a:tcPr marL="54769" marR="54769" marT="25278" marB="25278" anchor="ctr"/>
+                </a:tc>
+                <a:tc>
+                  <a:txBody>
+                    <a:bodyPr/>
+                    <a:lstStyle/>
+                    <a:p>
+                      <a:r>
+                        <a:rPr lang="en-US" sz="800" b="1" dirty="0">
+                          <a:effectLst/>
+                        </a:rPr>
+                        <a:t>FK</a:t>
+                      </a:r>
+                    </a:p>
+                  </a:txBody>
+                  <a:tcPr marL="54769" marR="54769" marT="25278" marB="25278" anchor="ctr"/>
+                </a:tc>
+                <a:tc>
+                  <a:txBody>
+                    <a:bodyPr/>
+                    <a:lstStyle/>
+                    <a:p>
+                      <a:endParaRPr lang="en-US" sz="800" b="1" dirty="0">
+                        <a:effectLst/>
+                      </a:endParaRPr>
+                    </a:p>
+                  </a:txBody>
+                  <a:tcPr marL="54769" marR="54769" marT="25278" marB="25278" anchor="ctr"/>
+                </a:tc>
+                <a:tc>
+                  <a:txBody>
+                    <a:bodyPr/>
+                    <a:lstStyle/>
+                    <a:p>
+                      <a:endParaRPr lang="en-US" sz="800" b="1">
+                        <a:effectLst/>
+                      </a:endParaRPr>
+                    </a:p>
+                  </a:txBody>
+                  <a:tcPr marL="54769" marR="54769" marT="25278" marB="25278" anchor="ctr"/>
+                </a:tc>
+                <a:tc>
+                  <a:txBody>
+                    <a:bodyPr/>
+                    <a:lstStyle/>
+                    <a:p>
+                      <a:endParaRPr lang="en-US" sz="800" b="1" dirty="0">
+                        <a:effectLst/>
+                      </a:endParaRPr>
+                    </a:p>
+                  </a:txBody>
+                  <a:tcPr marL="54769" marR="54769" marT="25278" marB="25278" anchor="ctr"/>
+                </a:tc>
+                <a:tc>
+                  <a:txBody>
+                    <a:bodyPr/>
+                    <a:lstStyle/>
+                    <a:p>
+                      <a:endParaRPr lang="en-US" sz="800" b="1" dirty="0">
+                        <a:effectLst/>
+                      </a:endParaRPr>
+                    </a:p>
+                  </a:txBody>
+                  <a:tcPr marL="54769" marR="54769" marT="25278" marB="25278" anchor="ctr"/>
+                </a:tc>
+                <a:tc>
+                  <a:txBody>
+                    <a:bodyPr/>
+                    <a:lstStyle/>
+                    <a:p>
+                      <a:endParaRPr lang="en-US" sz="800" b="1">
+                        <a:effectLst/>
+                      </a:endParaRPr>
+                    </a:p>
+                  </a:txBody>
+                  <a:tcPr marL="54769" marR="54769" marT="25278" marB="25278" anchor="ctr"/>
+                </a:tc>
+                <a:tc>
+                  <a:txBody>
+                    <a:bodyPr/>
+                    <a:lstStyle/>
+                    <a:p>
+                      <a:endParaRPr lang="en-US" sz="800" b="1" dirty="0">
+                        <a:effectLst/>
+                      </a:endParaRPr>
+                    </a:p>
+                  </a:txBody>
+                  <a:tcPr marL="54769" marR="54769" marT="25278" marB="25278" anchor="ctr"/>
+                </a:tc>
+                <a:tc>
+                  <a:txBody>
+                    <a:bodyPr/>
+                    <a:lstStyle/>
+                    <a:p>
+                      <a:endParaRPr lang="en-US" sz="800" b="1" dirty="0">
+                        <a:effectLst/>
+                      </a:endParaRPr>
+                    </a:p>
+                  </a:txBody>
+                  <a:tcPr marL="54769" marR="54769" marT="25278" marB="25278" anchor="ctr"/>
+                </a:tc>
+                <a:extLst>
+                  <a:ext uri="{0D108BD9-81ED-4DB2-BD59-A6C34878D82A}">
+                    <a16:rowId xmlns:a16="http://schemas.microsoft.com/office/drawing/2014/main" val="10001"/>
+                  </a:ext>
+                </a:extLst>
+              </a:tr>
+            </a:tbl>
+          </a:graphicData>
+        </a:graphic>
+      </p:graphicFrame>
+    </p:spTree>
+  </p:cSld>
+  <p:clrMapOvr>
+    <a:masterClrMapping/>
+  </p:clrMapOvr>
+</p:sld>
+</file>
+
+<file path=ppt/slides/slide12.xml><?xml version="1.0" encoding="utf-8"?>
+<p:sld xmlns:a="http://schemas.openxmlformats.org/drawingml/2006/main" xmlns:r="http://schemas.openxmlformats.org/officeDocument/2006/relationships" xmlns:p="http://schemas.openxmlformats.org/presentationml/2006/main">
+  <p:cSld>
+    <p:spTree>
+      <p:nvGrpSpPr>
+        <p:cNvPr id="1" name=""/>
+        <p:cNvGrpSpPr/>
+        <p:nvPr/>
+      </p:nvGrpSpPr>
+      <p:grpSpPr>
+        <a:xfrm>
+          <a:off x="0" y="0"/>
+          <a:ext cx="0" cy="0"/>
+          <a:chOff x="0" y="0"/>
+          <a:chExt cx="0" cy="0"/>
+        </a:xfrm>
+      </p:grpSpPr>
+      <p:sp>
+        <p:nvSpPr>
+          <p:cNvPr id="2" name="제목 1"/>
+          <p:cNvSpPr>
+            <a:spLocks noGrp="1"/>
+          </p:cNvSpPr>
+          <p:nvPr>
+            <p:ph type="title"/>
+          </p:nvPr>
+        </p:nvSpPr>
+        <p:spPr/>
+        <p:txBody>
+          <a:bodyPr/>
+          <a:lstStyle/>
+          <a:p>
+            <a:r>
+              <a:rPr lang="en-US" altLang="ko-KR" dirty="0" err="1"/>
+              <a:t>mv_otherSubsidyCost</a:t>
+            </a:r>
+            <a:endParaRPr lang="ko-KR" altLang="en-US" dirty="0"/>
+          </a:p>
+        </p:txBody>
+      </p:sp>
+      <p:graphicFrame>
+        <p:nvGraphicFramePr>
+          <p:cNvPr id="5" name="표 4"/>
+          <p:cNvGraphicFramePr>
+            <a:graphicFrameLocks noGrp="1"/>
+          </p:cNvGraphicFramePr>
+          <p:nvPr/>
         </p:nvGraphicFramePr>
         <p:xfrm>
           <a:off x="462236" y="1976184"/>
@@ -3601,70 +4143,70 @@
                 <a:gridCol w="754168">
                   <a:extLst>
                     <a:ext uri="{9D8B030D-6E8A-4147-A177-3AD203B41FA5}">
-                      <a16:colId xmlns:a16="http://schemas.microsoft.com/office/drawing/2014/main" val="4284256077"/>
+                      <a16:colId xmlns:a16="http://schemas.microsoft.com/office/drawing/2014/main" val="20000"/>
                     </a:ext>
                   </a:extLst>
                 </a:gridCol>
                 <a:gridCol w="1468694">
                   <a:extLst>
                     <a:ext uri="{9D8B030D-6E8A-4147-A177-3AD203B41FA5}">
-                      <a16:colId xmlns:a16="http://schemas.microsoft.com/office/drawing/2014/main" val="114284053"/>
+                      <a16:colId xmlns:a16="http://schemas.microsoft.com/office/drawing/2014/main" val="20001"/>
                     </a:ext>
                   </a:extLst>
                 </a:gridCol>
                 <a:gridCol w="1111431">
                   <a:extLst>
                     <a:ext uri="{9D8B030D-6E8A-4147-A177-3AD203B41FA5}">
-                      <a16:colId xmlns:a16="http://schemas.microsoft.com/office/drawing/2014/main" val="3299757179"/>
+                      <a16:colId xmlns:a16="http://schemas.microsoft.com/office/drawing/2014/main" val="20002"/>
                     </a:ext>
                   </a:extLst>
                 </a:gridCol>
                 <a:gridCol w="1111431">
                   <a:extLst>
                     <a:ext uri="{9D8B030D-6E8A-4147-A177-3AD203B41FA5}">
-                      <a16:colId xmlns:a16="http://schemas.microsoft.com/office/drawing/2014/main" val="990926446"/>
+                      <a16:colId xmlns:a16="http://schemas.microsoft.com/office/drawing/2014/main" val="20003"/>
                     </a:ext>
                   </a:extLst>
                 </a:gridCol>
                 <a:gridCol w="1111431">
                   <a:extLst>
                     <a:ext uri="{9D8B030D-6E8A-4147-A177-3AD203B41FA5}">
-                      <a16:colId xmlns:a16="http://schemas.microsoft.com/office/drawing/2014/main" val="2317883945"/>
+                      <a16:colId xmlns:a16="http://schemas.microsoft.com/office/drawing/2014/main" val="20004"/>
                     </a:ext>
                   </a:extLst>
                 </a:gridCol>
                 <a:gridCol w="691802">
                   <a:extLst>
                     <a:ext uri="{9D8B030D-6E8A-4147-A177-3AD203B41FA5}">
-                      <a16:colId xmlns:a16="http://schemas.microsoft.com/office/drawing/2014/main" val="377444562"/>
+                      <a16:colId xmlns:a16="http://schemas.microsoft.com/office/drawing/2014/main" val="20005"/>
                     </a:ext>
                   </a:extLst>
                 </a:gridCol>
                 <a:gridCol w="1531060">
                   <a:extLst>
                     <a:ext uri="{9D8B030D-6E8A-4147-A177-3AD203B41FA5}">
-                      <a16:colId xmlns:a16="http://schemas.microsoft.com/office/drawing/2014/main" val="1953931359"/>
+                      <a16:colId xmlns:a16="http://schemas.microsoft.com/office/drawing/2014/main" val="20006"/>
                     </a:ext>
                   </a:extLst>
                 </a:gridCol>
                 <a:gridCol w="1111431">
                   <a:extLst>
                     <a:ext uri="{9D8B030D-6E8A-4147-A177-3AD203B41FA5}">
-                      <a16:colId xmlns:a16="http://schemas.microsoft.com/office/drawing/2014/main" val="1002532021"/>
+                      <a16:colId xmlns:a16="http://schemas.microsoft.com/office/drawing/2014/main" val="20007"/>
                     </a:ext>
                   </a:extLst>
                 </a:gridCol>
                 <a:gridCol w="925911">
                   <a:extLst>
                     <a:ext uri="{9D8B030D-6E8A-4147-A177-3AD203B41FA5}">
-                      <a16:colId xmlns:a16="http://schemas.microsoft.com/office/drawing/2014/main" val="3906415934"/>
+                      <a16:colId xmlns:a16="http://schemas.microsoft.com/office/drawing/2014/main" val="20008"/>
                     </a:ext>
                   </a:extLst>
                 </a:gridCol>
                 <a:gridCol w="1296951">
                   <a:extLst>
                     <a:ext uri="{9D8B030D-6E8A-4147-A177-3AD203B41FA5}">
-                      <a16:colId xmlns:a16="http://schemas.microsoft.com/office/drawing/2014/main" val="2739709698"/>
+                      <a16:colId xmlns:a16="http://schemas.microsoft.com/office/drawing/2014/main" val="20009"/>
                     </a:ext>
                   </a:extLst>
                 </a:gridCol>
@@ -4231,7 +4773,7 @@
                 </a:tc>
                 <a:extLst>
                   <a:ext uri="{0D108BD9-81ED-4DB2-BD59-A6C34878D82A}">
-                    <a16:rowId xmlns:a16="http://schemas.microsoft.com/office/drawing/2014/main" val="1429402851"/>
+                    <a16:rowId xmlns:a16="http://schemas.microsoft.com/office/drawing/2014/main" val="10000"/>
                   </a:ext>
                 </a:extLst>
               </a:tr>
@@ -4719,7 +5261,7 @@
                 </a:tc>
                 <a:extLst>
                   <a:ext uri="{0D108BD9-81ED-4DB2-BD59-A6C34878D82A}">
-                    <a16:rowId xmlns:a16="http://schemas.microsoft.com/office/drawing/2014/main" val="2133815302"/>
+                    <a16:rowId xmlns:a16="http://schemas.microsoft.com/office/drawing/2014/main" val="10001"/>
                   </a:ext>
                 </a:extLst>
               </a:tr>
@@ -4728,11 +5270,6 @@
         </a:graphic>
       </p:graphicFrame>
     </p:spTree>
-    <p:extLst>
-      <p:ext uri="{BB962C8B-B14F-4D97-AF65-F5344CB8AC3E}">
-        <p14:creationId xmlns:p14="http://schemas.microsoft.com/office/powerpoint/2010/main" val="1589128142"/>
-      </p:ext>
-    </p:extLst>
   </p:cSld>
   <p:clrMapOvr>
     <a:masterClrMapping/>
@@ -4740,7 +5277,7 @@
 </p:sld>
 </file>
 
-<file path=ppt/slides/slide11.xml><?xml version="1.0" encoding="utf-8"?>
+<file path=ppt/slides/slide13.xml><?xml version="1.0" encoding="utf-8"?>
 <p:sld xmlns:a="http://schemas.openxmlformats.org/drawingml/2006/main" xmlns:r="http://schemas.openxmlformats.org/officeDocument/2006/relationships" xmlns:p="http://schemas.openxmlformats.org/presentationml/2006/main">
   <p:cSld>
     <p:spTree>
@@ -4759,13 +5296,7 @@
       </p:grpSpPr>
       <p:sp>
         <p:nvSpPr>
-          <p:cNvPr id="2" name="제목 1">
-            <a:extLst>
-              <a:ext uri="{FF2B5EF4-FFF2-40B4-BE49-F238E27FC236}">
-                <a16:creationId xmlns:a16="http://schemas.microsoft.com/office/drawing/2014/main" id="{6737D85A-A188-4A51-975B-5825DD59DF4A}"/>
-              </a:ext>
-            </a:extLst>
-          </p:cNvPr>
+          <p:cNvPr id="2" name="제목 1"/>
           <p:cNvSpPr>
             <a:spLocks noGrp="1"/>
           </p:cNvSpPr>
@@ -4791,11 +5322,6 @@
         </p:txBody>
       </p:sp>
     </p:spTree>
-    <p:extLst>
-      <p:ext uri="{BB962C8B-B14F-4D97-AF65-F5344CB8AC3E}">
-        <p14:creationId xmlns:p14="http://schemas.microsoft.com/office/powerpoint/2010/main" val="2444567283"/>
-      </p:ext>
-    </p:extLst>
   </p:cSld>
   <p:clrMapOvr>
     <a:masterClrMapping/>
@@ -4822,13 +5348,7 @@
       </p:grpSpPr>
       <p:sp>
         <p:nvSpPr>
-          <p:cNvPr id="2" name="제목 1">
-            <a:extLst>
-              <a:ext uri="{FF2B5EF4-FFF2-40B4-BE49-F238E27FC236}">
-                <a16:creationId xmlns:a16="http://schemas.microsoft.com/office/drawing/2014/main" id="{566311B2-ADEF-41BD-906C-36F2C55F0666}"/>
-              </a:ext>
-            </a:extLst>
-          </p:cNvPr>
+          <p:cNvPr id="2" name="제목 1"/>
           <p:cNvSpPr>
             <a:spLocks noGrp="1"/>
           </p:cNvSpPr>
@@ -4851,23 +5371,11 @@
       </p:sp>
       <p:graphicFrame>
         <p:nvGraphicFramePr>
-          <p:cNvPr id="3" name="표 5">
-            <a:extLst>
-              <a:ext uri="{FF2B5EF4-FFF2-40B4-BE49-F238E27FC236}">
-                <a16:creationId xmlns:a16="http://schemas.microsoft.com/office/drawing/2014/main" id="{E5D009C1-9052-43DF-956F-161E89DD81D4}"/>
-              </a:ext>
-            </a:extLst>
-          </p:cNvPr>
+          <p:cNvPr id="3" name="표 5"/>
           <p:cNvGraphicFramePr>
             <a:graphicFrameLocks noGrp="1"/>
           </p:cNvGraphicFramePr>
-          <p:nvPr>
-            <p:extLst>
-              <p:ext uri="{D42A27DB-BD31-4B8C-83A1-F6EECF244321}">
-                <p14:modId xmlns:p14="http://schemas.microsoft.com/office/powerpoint/2010/main" val="1544443256"/>
-              </p:ext>
-            </p:extLst>
-          </p:nvPr>
+          <p:nvPr/>
         </p:nvGraphicFramePr>
         <p:xfrm>
           <a:off x="1545439" y="2509427"/>
@@ -4883,14 +5391,14 @@
                 <a:gridCol w="3362121">
                   <a:extLst>
                     <a:ext uri="{9D8B030D-6E8A-4147-A177-3AD203B41FA5}">
-                      <a16:colId xmlns:a16="http://schemas.microsoft.com/office/drawing/2014/main" val="245760723"/>
+                      <a16:colId xmlns:a16="http://schemas.microsoft.com/office/drawing/2014/main" val="20000"/>
                     </a:ext>
                   </a:extLst>
                 </a:gridCol>
                 <a:gridCol w="3556932">
                   <a:extLst>
                     <a:ext uri="{9D8B030D-6E8A-4147-A177-3AD203B41FA5}">
-                      <a16:colId xmlns:a16="http://schemas.microsoft.com/office/drawing/2014/main" val="3160766071"/>
+                      <a16:colId xmlns:a16="http://schemas.microsoft.com/office/drawing/2014/main" val="20001"/>
                     </a:ext>
                   </a:extLst>
                 </a:gridCol>
@@ -4928,7 +5436,7 @@
                 </a:tc>
                 <a:extLst>
                   <a:ext uri="{0D108BD9-81ED-4DB2-BD59-A6C34878D82A}">
-                    <a16:rowId xmlns:a16="http://schemas.microsoft.com/office/drawing/2014/main" val="3047985089"/>
+                    <a16:rowId xmlns:a16="http://schemas.microsoft.com/office/drawing/2014/main" val="10000"/>
                   </a:ext>
                 </a:extLst>
               </a:tr>
@@ -4965,7 +5473,7 @@
                 </a:tc>
                 <a:extLst>
                   <a:ext uri="{0D108BD9-81ED-4DB2-BD59-A6C34878D82A}">
-                    <a16:rowId xmlns:a16="http://schemas.microsoft.com/office/drawing/2014/main" val="1819085094"/>
+                    <a16:rowId xmlns:a16="http://schemas.microsoft.com/office/drawing/2014/main" val="10001"/>
                   </a:ext>
                 </a:extLst>
               </a:tr>
@@ -5002,7 +5510,7 @@
                 </a:tc>
                 <a:extLst>
                   <a:ext uri="{0D108BD9-81ED-4DB2-BD59-A6C34878D82A}">
-                    <a16:rowId xmlns:a16="http://schemas.microsoft.com/office/drawing/2014/main" val="2687444863"/>
+                    <a16:rowId xmlns:a16="http://schemas.microsoft.com/office/drawing/2014/main" val="10002"/>
                   </a:ext>
                 </a:extLst>
               </a:tr>
@@ -5011,11 +5519,6 @@
         </a:graphic>
       </p:graphicFrame>
     </p:spTree>
-    <p:extLst>
-      <p:ext uri="{BB962C8B-B14F-4D97-AF65-F5344CB8AC3E}">
-        <p14:creationId xmlns:p14="http://schemas.microsoft.com/office/powerpoint/2010/main" val="4117021655"/>
-      </p:ext>
-    </p:extLst>
   </p:cSld>
   <p:clrMapOvr>
     <a:masterClrMapping/>
@@ -5045,7 +5548,7 @@
           <p:cNvPr id="2" name="제목 1">
             <a:extLst>
               <a:ext uri="{FF2B5EF4-FFF2-40B4-BE49-F238E27FC236}">
-                <a16:creationId xmlns:a16="http://schemas.microsoft.com/office/drawing/2014/main" id="{0FFA1E89-3D98-46CD-8507-C60EF434CF07}"/>
+                <a16:creationId xmlns:a16="http://schemas.microsoft.com/office/drawing/2014/main" id="{C87D2F6A-B139-4635-B633-F14C4AB5BE45}"/>
               </a:ext>
             </a:extLst>
           </p:cNvPr>
@@ -5062,10 +5565,10 @@
           <a:lstStyle/>
           <a:p>
             <a:r>
-              <a:rPr lang="en-US" altLang="ko-KR" dirty="0" err="1"/>
-              <a:t>sys_user_role</a:t>
+              <a:rPr lang="en-US" altLang="zh-CN" dirty="0" err="1"/>
+              <a:t>sys_role_resource</a:t>
             </a:r>
-            <a:endParaRPr lang="ko-KR" altLang="en-US" dirty="0"/>
+            <a:endParaRPr lang="zh-CN" altLang="en-US" dirty="0"/>
           </a:p>
         </p:txBody>
       </p:sp>
@@ -5074,7 +5577,7 @@
           <p:cNvPr id="3" name="표 5">
             <a:extLst>
               <a:ext uri="{FF2B5EF4-FFF2-40B4-BE49-F238E27FC236}">
-                <a16:creationId xmlns:a16="http://schemas.microsoft.com/office/drawing/2014/main" id="{ADE0CBB5-DA40-4982-AA64-D589AC1C7D2D}"/>
+                <a16:creationId xmlns:a16="http://schemas.microsoft.com/office/drawing/2014/main" id="{CB171D6C-AAFC-4CF9-A70C-756A8269BAAD}"/>
               </a:ext>
             </a:extLst>
           </p:cNvPr>
@@ -5084,14 +5587,14 @@
           <p:nvPr>
             <p:extLst>
               <p:ext uri="{D42A27DB-BD31-4B8C-83A1-F6EECF244321}">
-                <p14:modId xmlns:p14="http://schemas.microsoft.com/office/powerpoint/2010/main" val="2974804304"/>
+                <p14:modId xmlns:p14="http://schemas.microsoft.com/office/powerpoint/2010/main" val="1198921268"/>
               </p:ext>
             </p:extLst>
           </p:nvPr>
         </p:nvGraphicFramePr>
         <p:xfrm>
           <a:off x="1545439" y="2509427"/>
-          <a:ext cx="3484428" cy="1112520"/>
+          <a:ext cx="5878618" cy="1112520"/>
         </p:xfrm>
         <a:graphic>
           <a:graphicData uri="http://schemas.openxmlformats.org/drawingml/2006/table">
@@ -5100,22 +5603,44 @@
                 <a:tableStyleId>{5C22544A-7EE6-4342-B048-85BDC9FD1C3A}</a:tableStyleId>
               </a:tblPr>
               <a:tblGrid>
-                <a:gridCol w="1460818">
+                <a:gridCol w="1736535">
                   <a:extLst>
                     <a:ext uri="{9D8B030D-6E8A-4147-A177-3AD203B41FA5}">
-                      <a16:colId xmlns:a16="http://schemas.microsoft.com/office/drawing/2014/main" val="245760723"/>
+                      <a16:colId xmlns:a16="http://schemas.microsoft.com/office/drawing/2014/main" val="109840981"/>
                     </a:ext>
                   </a:extLst>
                 </a:gridCol>
-                <a:gridCol w="2023610">
+                <a:gridCol w="1736535">
                   <a:extLst>
                     <a:ext uri="{9D8B030D-6E8A-4147-A177-3AD203B41FA5}">
-                      <a16:colId xmlns:a16="http://schemas.microsoft.com/office/drawing/2014/main" val="3160766071"/>
+                      <a16:colId xmlns:a16="http://schemas.microsoft.com/office/drawing/2014/main" val="20000"/>
+                    </a:ext>
+                  </a:extLst>
+                </a:gridCol>
+                <a:gridCol w="2405548">
+                  <a:extLst>
+                    <a:ext uri="{9D8B030D-6E8A-4147-A177-3AD203B41FA5}">
+                      <a16:colId xmlns:a16="http://schemas.microsoft.com/office/drawing/2014/main" val="20001"/>
                     </a:ext>
                   </a:extLst>
                 </a:gridCol>
               </a:tblGrid>
               <a:tr h="370840">
+                <a:tc>
+                  <a:txBody>
+                    <a:bodyPr/>
+                    <a:lstStyle/>
+                    <a:p>
+                      <a:pPr latinLnBrk="1"/>
+                      <a:r>
+                        <a:rPr lang="en-US" altLang="ko-KR" dirty="0"/>
+                        <a:t>id</a:t>
+                      </a:r>
+                      <a:endParaRPr lang="ko-KR" altLang="en-US" dirty="0"/>
+                    </a:p>
+                  </a:txBody>
+                  <a:tcPr/>
+                </a:tc>
                 <a:tc>
                   <a:txBody>
                     <a:bodyPr/>
@@ -5150,7 +5675,6 @@
                         <a:buSzTx/>
                         <a:buFontTx/>
                         <a:buNone/>
-                        <a:tabLst/>
                         <a:defRPr/>
                       </a:pPr>
                       <a:r>
@@ -5164,7 +5688,7 @@
                 </a:tc>
                 <a:extLst>
                   <a:ext uri="{0D108BD9-81ED-4DB2-BD59-A6C34878D82A}">
-                    <a16:rowId xmlns:a16="http://schemas.microsoft.com/office/drawing/2014/main" val="3047985089"/>
+                    <a16:rowId xmlns:a16="http://schemas.microsoft.com/office/drawing/2014/main" val="10000"/>
                   </a:ext>
                 </a:extLst>
               </a:tr>
@@ -5191,9 +5715,20 @@
                   </a:txBody>
                   <a:tcPr/>
                 </a:tc>
+                <a:tc>
+                  <a:txBody>
+                    <a:bodyPr/>
+                    <a:lstStyle/>
+                    <a:p>
+                      <a:pPr latinLnBrk="1"/>
+                      <a:endParaRPr lang="ko-KR" altLang="en-US" dirty="0"/>
+                    </a:p>
+                  </a:txBody>
+                  <a:tcPr/>
+                </a:tc>
                 <a:extLst>
                   <a:ext uri="{0D108BD9-81ED-4DB2-BD59-A6C34878D82A}">
-                    <a16:rowId xmlns:a16="http://schemas.microsoft.com/office/drawing/2014/main" val="1819085094"/>
+                    <a16:rowId xmlns:a16="http://schemas.microsoft.com/office/drawing/2014/main" val="10001"/>
                   </a:ext>
                 </a:extLst>
               </a:tr>
@@ -5220,9 +5755,20 @@
                   </a:txBody>
                   <a:tcPr/>
                 </a:tc>
+                <a:tc>
+                  <a:txBody>
+                    <a:bodyPr/>
+                    <a:lstStyle/>
+                    <a:p>
+                      <a:pPr latinLnBrk="1"/>
+                      <a:endParaRPr lang="ko-KR" altLang="en-US" dirty="0"/>
+                    </a:p>
+                  </a:txBody>
+                  <a:tcPr/>
+                </a:tc>
                 <a:extLst>
                   <a:ext uri="{0D108BD9-81ED-4DB2-BD59-A6C34878D82A}">
-                    <a16:rowId xmlns:a16="http://schemas.microsoft.com/office/drawing/2014/main" val="2687444863"/>
+                    <a16:rowId xmlns:a16="http://schemas.microsoft.com/office/drawing/2014/main" val="10002"/>
                   </a:ext>
                 </a:extLst>
               </a:tr>
@@ -5233,7 +5779,7 @@
     </p:spTree>
     <p:extLst>
       <p:ext uri="{BB962C8B-B14F-4D97-AF65-F5344CB8AC3E}">
-        <p14:creationId xmlns:p14="http://schemas.microsoft.com/office/powerpoint/2010/main" val="648883302"/>
+        <p14:creationId xmlns:p14="http://schemas.microsoft.com/office/powerpoint/2010/main" val="1858351327"/>
       </p:ext>
     </p:extLst>
   </p:cSld>
@@ -5262,13 +5808,7 @@
       </p:grpSpPr>
       <p:sp>
         <p:nvSpPr>
-          <p:cNvPr id="2" name="제목 1">
-            <a:extLst>
-              <a:ext uri="{FF2B5EF4-FFF2-40B4-BE49-F238E27FC236}">
-                <a16:creationId xmlns:a16="http://schemas.microsoft.com/office/drawing/2014/main" id="{54A70FD0-F5E5-403C-B6EB-2B2DBB86DD72}"/>
-              </a:ext>
-            </a:extLst>
-          </p:cNvPr>
+          <p:cNvPr id="2" name="제목 1"/>
           <p:cNvSpPr>
             <a:spLocks noGrp="1"/>
           </p:cNvSpPr>
@@ -5283,7 +5823,7 @@
           <a:p>
             <a:r>
               <a:rPr lang="en-US" altLang="ko-KR" dirty="0" err="1"/>
-              <a:t>mv_emp_pos_role</a:t>
+              <a:t>sys_user_role</a:t>
             </a:r>
             <a:endParaRPr lang="ko-KR" altLang="en-US" dirty="0"/>
           </a:p>
@@ -5291,27 +5831,21 @@
       </p:sp>
       <p:graphicFrame>
         <p:nvGraphicFramePr>
-          <p:cNvPr id="3" name="표 5">
-            <a:extLst>
-              <a:ext uri="{FF2B5EF4-FFF2-40B4-BE49-F238E27FC236}">
-                <a16:creationId xmlns:a16="http://schemas.microsoft.com/office/drawing/2014/main" id="{FDCEEF4B-EDCE-45B4-875B-BD07EF3FABF5}"/>
-              </a:ext>
-            </a:extLst>
-          </p:cNvPr>
+          <p:cNvPr id="3" name="표 5"/>
           <p:cNvGraphicFramePr>
             <a:graphicFrameLocks noGrp="1"/>
           </p:cNvGraphicFramePr>
           <p:nvPr>
             <p:extLst>
               <p:ext uri="{D42A27DB-BD31-4B8C-83A1-F6EECF244321}">
-                <p14:modId xmlns:p14="http://schemas.microsoft.com/office/powerpoint/2010/main" val="3126913737"/>
+                <p14:modId xmlns:p14="http://schemas.microsoft.com/office/powerpoint/2010/main" val="3797986382"/>
               </p:ext>
             </p:extLst>
           </p:nvPr>
         </p:nvGraphicFramePr>
         <p:xfrm>
-          <a:off x="2132668" y="2735930"/>
-          <a:ext cx="4282113" cy="1112520"/>
+          <a:off x="1545439" y="2509427"/>
+          <a:ext cx="5878618" cy="1112520"/>
         </p:xfrm>
         <a:graphic>
           <a:graphicData uri="http://schemas.openxmlformats.org/drawingml/2006/table">
@@ -5320,17 +5854,24 @@
                 <a:tableStyleId>{5C22544A-7EE6-4342-B048-85BDC9FD1C3A}</a:tableStyleId>
               </a:tblPr>
               <a:tblGrid>
-                <a:gridCol w="2162496">
+                <a:gridCol w="1736535">
                   <a:extLst>
                     <a:ext uri="{9D8B030D-6E8A-4147-A177-3AD203B41FA5}">
-                      <a16:colId xmlns:a16="http://schemas.microsoft.com/office/drawing/2014/main" val="245760723"/>
+                      <a16:colId xmlns:a16="http://schemas.microsoft.com/office/drawing/2014/main" val="109840981"/>
                     </a:ext>
                   </a:extLst>
                 </a:gridCol>
-                <a:gridCol w="2119617">
+                <a:gridCol w="1736535">
                   <a:extLst>
                     <a:ext uri="{9D8B030D-6E8A-4147-A177-3AD203B41FA5}">
-                      <a16:colId xmlns:a16="http://schemas.microsoft.com/office/drawing/2014/main" val="3160766071"/>
+                      <a16:colId xmlns:a16="http://schemas.microsoft.com/office/drawing/2014/main" val="20000"/>
+                    </a:ext>
+                  </a:extLst>
+                </a:gridCol>
+                <a:gridCol w="2405548">
+                  <a:extLst>
+                    <a:ext uri="{9D8B030D-6E8A-4147-A177-3AD203B41FA5}">
+                      <a16:colId xmlns:a16="http://schemas.microsoft.com/office/drawing/2014/main" val="20001"/>
                     </a:ext>
                   </a:extLst>
                 </a:gridCol>
@@ -5343,8 +5884,23 @@
                     <a:p>
                       <a:pPr latinLnBrk="1"/>
                       <a:r>
+                        <a:rPr lang="en-US" altLang="ko-KR" dirty="0"/>
+                        <a:t>id</a:t>
+                      </a:r>
+                      <a:endParaRPr lang="ko-KR" altLang="en-US" dirty="0"/>
+                    </a:p>
+                  </a:txBody>
+                  <a:tcPr/>
+                </a:tc>
+                <a:tc>
+                  <a:txBody>
+                    <a:bodyPr/>
+                    <a:lstStyle/>
+                    <a:p>
+                      <a:pPr latinLnBrk="1"/>
+                      <a:r>
                         <a:rPr lang="en-US" altLang="ko-KR" dirty="0" err="1"/>
-                        <a:t>sys_emp_position</a:t>
+                        <a:t>sys_user_id</a:t>
                       </a:r>
                       <a:endParaRPr lang="ko-KR" altLang="en-US" dirty="0"/>
                     </a:p>
@@ -5370,7 +5926,6 @@
                         <a:buSzTx/>
                         <a:buFontTx/>
                         <a:buNone/>
-                        <a:tabLst/>
                         <a:defRPr/>
                       </a:pPr>
                       <a:r>
@@ -5384,7 +5939,7 @@
                 </a:tc>
                 <a:extLst>
                   <a:ext uri="{0D108BD9-81ED-4DB2-BD59-A6C34878D82A}">
-                    <a16:rowId xmlns:a16="http://schemas.microsoft.com/office/drawing/2014/main" val="3047985089"/>
+                    <a16:rowId xmlns:a16="http://schemas.microsoft.com/office/drawing/2014/main" val="10000"/>
                   </a:ext>
                 </a:extLst>
               </a:tr>
@@ -5411,9 +5966,20 @@
                   </a:txBody>
                   <a:tcPr/>
                 </a:tc>
+                <a:tc>
+                  <a:txBody>
+                    <a:bodyPr/>
+                    <a:lstStyle/>
+                    <a:p>
+                      <a:pPr latinLnBrk="1"/>
+                      <a:endParaRPr lang="ko-KR" altLang="en-US" dirty="0"/>
+                    </a:p>
+                  </a:txBody>
+                  <a:tcPr/>
+                </a:tc>
                 <a:extLst>
                   <a:ext uri="{0D108BD9-81ED-4DB2-BD59-A6C34878D82A}">
-                    <a16:rowId xmlns:a16="http://schemas.microsoft.com/office/drawing/2014/main" val="1819085094"/>
+                    <a16:rowId xmlns:a16="http://schemas.microsoft.com/office/drawing/2014/main" val="10001"/>
                   </a:ext>
                 </a:extLst>
               </a:tr>
@@ -5440,9 +6006,20 @@
                   </a:txBody>
                   <a:tcPr/>
                 </a:tc>
+                <a:tc>
+                  <a:txBody>
+                    <a:bodyPr/>
+                    <a:lstStyle/>
+                    <a:p>
+                      <a:pPr latinLnBrk="1"/>
+                      <a:endParaRPr lang="ko-KR" altLang="en-US" dirty="0"/>
+                    </a:p>
+                  </a:txBody>
+                  <a:tcPr/>
+                </a:tc>
                 <a:extLst>
                   <a:ext uri="{0D108BD9-81ED-4DB2-BD59-A6C34878D82A}">
-                    <a16:rowId xmlns:a16="http://schemas.microsoft.com/office/drawing/2014/main" val="2687444863"/>
+                    <a16:rowId xmlns:a16="http://schemas.microsoft.com/office/drawing/2014/main" val="10002"/>
                   </a:ext>
                 </a:extLst>
               </a:tr>
@@ -5451,11 +6028,6 @@
         </a:graphic>
       </p:graphicFrame>
     </p:spTree>
-    <p:extLst>
-      <p:ext uri="{BB962C8B-B14F-4D97-AF65-F5344CB8AC3E}">
-        <p14:creationId xmlns:p14="http://schemas.microsoft.com/office/powerpoint/2010/main" val="370376146"/>
-      </p:ext>
-    </p:extLst>
   </p:cSld>
   <p:clrMapOvr>
     <a:masterClrMapping/>
@@ -5482,13 +6054,7 @@
       </p:grpSpPr>
       <p:sp>
         <p:nvSpPr>
-          <p:cNvPr id="2" name="제목 1">
-            <a:extLst>
-              <a:ext uri="{FF2B5EF4-FFF2-40B4-BE49-F238E27FC236}">
-                <a16:creationId xmlns:a16="http://schemas.microsoft.com/office/drawing/2014/main" id="{77513DFD-A9F1-4A41-8AF0-AE531FEAACCA}"/>
-              </a:ext>
-            </a:extLst>
-          </p:cNvPr>
+          <p:cNvPr id="2" name="标题 1"/>
           <p:cNvSpPr>
             <a:spLocks noGrp="1"/>
           </p:cNvSpPr>
@@ -5502,19 +6068,19 @@
           <a:lstStyle/>
           <a:p>
             <a:r>
-              <a:rPr lang="en-US" altLang="ko-KR" dirty="0" err="1"/>
-              <a:t>mv_employee</a:t>
+              <a:rPr lang="en-US" altLang="zh-CN" dirty="0"/>
+              <a:t>resource</a:t>
             </a:r>
-            <a:endParaRPr lang="ko-KR" altLang="en-US" dirty="0"/>
+            <a:endParaRPr lang="zh-CN" altLang="en-US" dirty="0"/>
           </a:p>
         </p:txBody>
       </p:sp>
       <p:graphicFrame>
         <p:nvGraphicFramePr>
-          <p:cNvPr id="3" name="표 3">
+          <p:cNvPr id="3" name="표 5">
             <a:extLst>
               <a:ext uri="{FF2B5EF4-FFF2-40B4-BE49-F238E27FC236}">
-                <a16:creationId xmlns:a16="http://schemas.microsoft.com/office/drawing/2014/main" id="{33F402F4-49F6-48D7-BC8F-904FF50FCB7C}"/>
+                <a16:creationId xmlns:a16="http://schemas.microsoft.com/office/drawing/2014/main" id="{D69699A7-4FDF-4CA2-A4A7-95316AFAFE1C}"/>
               </a:ext>
             </a:extLst>
           </p:cNvPr>
@@ -5524,14 +6090,14 @@
           <p:nvPr>
             <p:extLst>
               <p:ext uri="{D42A27DB-BD31-4B8C-83A1-F6EECF244321}">
-                <p14:modId xmlns:p14="http://schemas.microsoft.com/office/powerpoint/2010/main" val="3740540172"/>
+                <p14:modId xmlns:p14="http://schemas.microsoft.com/office/powerpoint/2010/main" val="4103081994"/>
               </p:ext>
             </p:extLst>
           </p:nvPr>
         </p:nvGraphicFramePr>
         <p:xfrm>
-          <a:off x="581645" y="2739390"/>
-          <a:ext cx="10944830" cy="1546860"/>
+          <a:off x="1545438" y="2509427"/>
+          <a:ext cx="4387426" cy="1325562"/>
         </p:xfrm>
         <a:graphic>
           <a:graphicData uri="http://schemas.openxmlformats.org/drawingml/2006/table">
@@ -5540,300 +6106,59 @@
                 <a:tableStyleId>{5C22544A-7EE6-4342-B048-85BDC9FD1C3A}</a:tableStyleId>
               </a:tblPr>
               <a:tblGrid>
-                <a:gridCol w="930110">
+                <a:gridCol w="2193713">
                   <a:extLst>
                     <a:ext uri="{9D8B030D-6E8A-4147-A177-3AD203B41FA5}">
-                      <a16:colId xmlns:a16="http://schemas.microsoft.com/office/drawing/2014/main" val="2951617741"/>
+                      <a16:colId xmlns:a16="http://schemas.microsoft.com/office/drawing/2014/main" val="109840981"/>
                     </a:ext>
                   </a:extLst>
                 </a:gridCol>
-                <a:gridCol w="679350">
+                <a:gridCol w="2193713">
                   <a:extLst>
                     <a:ext uri="{9D8B030D-6E8A-4147-A177-3AD203B41FA5}">
-                      <a16:colId xmlns:a16="http://schemas.microsoft.com/office/drawing/2014/main" val="4244554703"/>
-                    </a:ext>
-                  </a:extLst>
-                </a:gridCol>
-                <a:gridCol w="770363">
-                  <a:extLst>
-                    <a:ext uri="{9D8B030D-6E8A-4147-A177-3AD203B41FA5}">
-                      <a16:colId xmlns:a16="http://schemas.microsoft.com/office/drawing/2014/main" val="3718151347"/>
-                    </a:ext>
-                  </a:extLst>
-                </a:gridCol>
-                <a:gridCol w="1056405">
-                  <a:extLst>
-                    <a:ext uri="{9D8B030D-6E8A-4147-A177-3AD203B41FA5}">
-                      <a16:colId xmlns:a16="http://schemas.microsoft.com/office/drawing/2014/main" val="3355278836"/>
-                    </a:ext>
-                  </a:extLst>
-                </a:gridCol>
-                <a:gridCol w="867877">
-                  <a:extLst>
-                    <a:ext uri="{9D8B030D-6E8A-4147-A177-3AD203B41FA5}">
-                      <a16:colId xmlns:a16="http://schemas.microsoft.com/office/drawing/2014/main" val="259857312"/>
-                    </a:ext>
-                  </a:extLst>
-                </a:gridCol>
-                <a:gridCol w="1311568">
-                  <a:extLst>
-                    <a:ext uri="{9D8B030D-6E8A-4147-A177-3AD203B41FA5}">
-                      <a16:colId xmlns:a16="http://schemas.microsoft.com/office/drawing/2014/main" val="4194945057"/>
-                    </a:ext>
-                  </a:extLst>
-                </a:gridCol>
-                <a:gridCol w="1379827">
-                  <a:extLst>
-                    <a:ext uri="{9D8B030D-6E8A-4147-A177-3AD203B41FA5}">
-                      <a16:colId xmlns:a16="http://schemas.microsoft.com/office/drawing/2014/main" val="1027432754"/>
-                    </a:ext>
-                  </a:extLst>
-                </a:gridCol>
-                <a:gridCol w="859751">
-                  <a:extLst>
-                    <a:ext uri="{9D8B030D-6E8A-4147-A177-3AD203B41FA5}">
-                      <a16:colId xmlns:a16="http://schemas.microsoft.com/office/drawing/2014/main" val="4130690387"/>
-                    </a:ext>
-                  </a:extLst>
-                </a:gridCol>
-                <a:gridCol w="807772">
-                  <a:extLst>
-                    <a:ext uri="{9D8B030D-6E8A-4147-A177-3AD203B41FA5}">
-                      <a16:colId xmlns:a16="http://schemas.microsoft.com/office/drawing/2014/main" val="21648975"/>
-                    </a:ext>
-                  </a:extLst>
-                </a:gridCol>
-                <a:gridCol w="1031846">
-                  <a:extLst>
-                    <a:ext uri="{9D8B030D-6E8A-4147-A177-3AD203B41FA5}">
-                      <a16:colId xmlns:a16="http://schemas.microsoft.com/office/drawing/2014/main" val="1866426507"/>
-                    </a:ext>
-                  </a:extLst>
-                </a:gridCol>
-                <a:gridCol w="1249961">
-                  <a:extLst>
-                    <a:ext uri="{9D8B030D-6E8A-4147-A177-3AD203B41FA5}">
-                      <a16:colId xmlns:a16="http://schemas.microsoft.com/office/drawing/2014/main" val="3759957993"/>
+                      <a16:colId xmlns:a16="http://schemas.microsoft.com/office/drawing/2014/main" val="20000"/>
                     </a:ext>
                   </a:extLst>
                 </a:gridCol>
               </a:tblGrid>
-              <a:tr h="179599">
-                <a:tc>
-                  <a:txBody>
-                    <a:bodyPr/>
-                    <a:lstStyle/>
-                    <a:p>
-                      <a:r>
-                        <a:rPr lang="en-US" sz="1100" b="1" dirty="0" err="1">
-                          <a:effectLst/>
-                        </a:rPr>
-                        <a:t>login_Id</a:t>
-                      </a:r>
-                      <a:endParaRPr lang="en-US" sz="1100" b="1" dirty="0">
-                        <a:effectLst/>
-                      </a:endParaRPr>
-                    </a:p>
-                  </a:txBody>
-                  <a:tcPr marL="123825" marR="123825" marT="57150" marB="57150" anchor="ctr"/>
-                </a:tc>
-                <a:tc>
-                  <a:txBody>
-                    <a:bodyPr/>
-                    <a:lstStyle/>
-                    <a:p>
-                      <a:r>
-                        <a:rPr lang="en-US" sz="1100" b="1" dirty="0">
-                          <a:effectLst/>
-                        </a:rPr>
+              <a:tr h="441854">
+                <a:tc>
+                  <a:txBody>
+                    <a:bodyPr/>
+                    <a:lstStyle/>
+                    <a:p>
+                      <a:pPr latinLnBrk="1"/>
+                      <a:r>
+                        <a:rPr lang="en-US" altLang="ko-KR" dirty="0"/>
+                        <a:t>id</a:t>
+                      </a:r>
+                      <a:endParaRPr lang="ko-KR" altLang="en-US" dirty="0"/>
+                    </a:p>
+                  </a:txBody>
+                  <a:tcPr/>
+                </a:tc>
+                <a:tc>
+                  <a:txBody>
+                    <a:bodyPr/>
+                    <a:lstStyle/>
+                    <a:p>
+                      <a:pPr latinLnBrk="1"/>
+                      <a:r>
+                        <a:rPr lang="en-US" altLang="ko-KR"/>
                         <a:t>name</a:t>
                       </a:r>
-                    </a:p>
-                  </a:txBody>
-                  <a:tcPr marL="123825" marR="123825" marT="57150" marB="57150" anchor="ctr"/>
-                </a:tc>
-                <a:tc>
-                  <a:txBody>
-                    <a:bodyPr/>
-                    <a:lstStyle/>
-                    <a:p>
-                      <a:r>
-                        <a:rPr lang="en-US" sz="1100" b="1" dirty="0">
-                          <a:effectLst/>
-                        </a:rPr>
-                        <a:t>mobile</a:t>
-                      </a:r>
-                    </a:p>
-                  </a:txBody>
-                  <a:tcPr marL="123825" marR="123825" marT="57150" marB="57150" anchor="ctr"/>
-                </a:tc>
-                <a:tc>
-                  <a:txBody>
-                    <a:bodyPr/>
-                    <a:lstStyle/>
-                    <a:p>
-                      <a:r>
-                        <a:rPr lang="en-US" sz="1100" b="1" dirty="0" err="1">
-                          <a:effectLst/>
-                        </a:rPr>
-                        <a:t>outsideCall</a:t>
-                      </a:r>
-                      <a:endParaRPr lang="en-US" sz="1100" b="1" dirty="0">
-                        <a:effectLst/>
-                      </a:endParaRPr>
-                    </a:p>
-                  </a:txBody>
-                  <a:tcPr marL="123825" marR="123825" marT="57150" marB="57150" anchor="ctr"/>
-                </a:tc>
-                <a:tc>
-                  <a:txBody>
-                    <a:bodyPr/>
-                    <a:lstStyle/>
-                    <a:p>
-                      <a:r>
-                        <a:rPr lang="en-US" sz="1100" b="1" dirty="0" err="1">
-                          <a:effectLst/>
-                        </a:rPr>
-                        <a:t>interCall</a:t>
-                      </a:r>
-                      <a:endParaRPr lang="en-US" sz="1100" b="1" dirty="0">
-                        <a:effectLst/>
-                      </a:endParaRPr>
-                    </a:p>
-                  </a:txBody>
-                  <a:tcPr marL="123825" marR="123825" marT="57150" marB="57150" anchor="ctr"/>
-                </a:tc>
-                <a:tc>
-                  <a:txBody>
-                    <a:bodyPr/>
-                    <a:lstStyle/>
-                    <a:p>
-                      <a:r>
-                        <a:rPr lang="en-US" sz="1100" b="1" dirty="0" err="1">
-                          <a:effectLst/>
-                        </a:rPr>
-                        <a:t>companyOutIP</a:t>
-                      </a:r>
-                      <a:endParaRPr lang="en-US" sz="1100" b="1" dirty="0">
-                        <a:effectLst/>
-                      </a:endParaRPr>
-                    </a:p>
-                  </a:txBody>
-                  <a:tcPr marL="123825" marR="123825" marT="57150" marB="57150" anchor="ctr"/>
-                </a:tc>
-                <a:tc>
-                  <a:txBody>
-                    <a:bodyPr/>
-                    <a:lstStyle/>
-                    <a:p>
-                      <a:r>
-                        <a:rPr lang="en-US" sz="1100" b="1" dirty="0" err="1">
-                          <a:effectLst/>
-                        </a:rPr>
-                        <a:t>companyInterIP</a:t>
-                      </a:r>
-                      <a:endParaRPr lang="en-US" sz="1100" b="1" dirty="0">
-                        <a:effectLst/>
-                      </a:endParaRPr>
-                    </a:p>
-                  </a:txBody>
-                  <a:tcPr marL="123825" marR="123825" marT="57150" marB="57150" anchor="ctr"/>
-                </a:tc>
-                <a:tc>
-                  <a:txBody>
-                    <a:bodyPr/>
-                    <a:lstStyle/>
-                    <a:p>
-                      <a:r>
-                        <a:rPr lang="en-US" sz="1100" b="1" dirty="0">
-                          <a:effectLst/>
-                        </a:rPr>
-                        <a:t>position</a:t>
-                      </a:r>
-                    </a:p>
-                  </a:txBody>
-                  <a:tcPr marL="123825" marR="123825" marT="57150" marB="57150" anchor="ctr"/>
-                </a:tc>
-                <a:tc>
-                  <a:txBody>
-                    <a:bodyPr/>
-                    <a:lstStyle/>
-                    <a:p>
-                      <a:r>
-                        <a:rPr lang="en-US" sz="1100" b="1" dirty="0">
-                          <a:effectLst/>
-                        </a:rPr>
-                        <a:t>password</a:t>
-                      </a:r>
-                    </a:p>
-                  </a:txBody>
-                  <a:tcPr marL="123825" marR="123825" marT="57150" marB="57150" anchor="ctr"/>
-                </a:tc>
-                <a:tc>
-                  <a:txBody>
-                    <a:bodyPr/>
-                    <a:lstStyle/>
-                    <a:p>
-                      <a:r>
-                        <a:rPr lang="en-US" sz="1100" b="1" dirty="0" err="1">
-                          <a:effectLst/>
-                        </a:rPr>
-                        <a:t>workStatus</a:t>
-                      </a:r>
-                      <a:endParaRPr lang="en-US" sz="1100" b="1" dirty="0">
-                        <a:effectLst/>
-                      </a:endParaRPr>
-                    </a:p>
-                  </a:txBody>
-                  <a:tcPr marL="123825" marR="123825" marT="57150" marB="57150" anchor="ctr"/>
-                </a:tc>
-                <a:tc>
-                  <a:txBody>
-                    <a:bodyPr/>
-                    <a:lstStyle/>
-                    <a:p>
-                      <a:r>
-                        <a:rPr lang="en-US" sz="1100" b="1" dirty="0" err="1">
-                          <a:effectLst/>
-                        </a:rPr>
-                        <a:t>depar_team_id</a:t>
-                      </a:r>
-                      <a:endParaRPr lang="en-US" sz="1100" b="1" dirty="0">
-                        <a:effectLst/>
-                      </a:endParaRPr>
-                    </a:p>
-                  </a:txBody>
-                  <a:tcPr marL="123825" marR="123825" marT="57150" marB="57150" anchor="ctr"/>
+                      <a:endParaRPr lang="ko-KR" altLang="en-US" dirty="0"/>
+                    </a:p>
+                  </a:txBody>
+                  <a:tcPr/>
                 </a:tc>
                 <a:extLst>
                   <a:ext uri="{0D108BD9-81ED-4DB2-BD59-A6C34878D82A}">
-                    <a16:rowId xmlns:a16="http://schemas.microsoft.com/office/drawing/2014/main" val="2019910557"/>
+                    <a16:rowId xmlns:a16="http://schemas.microsoft.com/office/drawing/2014/main" val="10000"/>
                   </a:ext>
                 </a:extLst>
               </a:tr>
-              <a:tr h="146114">
-                <a:tc>
-                  <a:txBody>
-                    <a:bodyPr/>
-                    <a:lstStyle/>
-                    <a:p>
-                      <a:pPr latinLnBrk="1"/>
-                      <a:endParaRPr lang="ko-KR" altLang="en-US"/>
-                    </a:p>
-                  </a:txBody>
-                  <a:tcPr/>
-                </a:tc>
-                <a:tc>
-                  <a:txBody>
-                    <a:bodyPr/>
-                    <a:lstStyle/>
-                    <a:p>
-                      <a:pPr latinLnBrk="1"/>
-                      <a:endParaRPr lang="ko-KR" altLang="en-US"/>
-                    </a:p>
-                  </a:txBody>
-                  <a:tcPr/>
-                </a:tc>
+              <a:tr h="441854">
                 <a:tc>
                   <a:txBody>
                     <a:bodyPr/>
@@ -5851,347 +6176,43 @@
                     <a:lstStyle/>
                     <a:p>
                       <a:pPr latinLnBrk="1"/>
-                      <a:endParaRPr lang="ko-KR" altLang="en-US"/>
-                    </a:p>
-                  </a:txBody>
-                  <a:tcPr/>
-                </a:tc>
-                <a:tc>
-                  <a:txBody>
-                    <a:bodyPr/>
-                    <a:lstStyle/>
-                    <a:p>
-                      <a:pPr latinLnBrk="1"/>
-                      <a:endParaRPr lang="ko-KR" altLang="en-US"/>
-                    </a:p>
-                  </a:txBody>
-                  <a:tcPr/>
-                </a:tc>
-                <a:tc>
-                  <a:txBody>
-                    <a:bodyPr/>
-                    <a:lstStyle/>
-                    <a:p>
-                      <a:pPr latinLnBrk="1"/>
-                      <a:endParaRPr lang="ko-KR" altLang="en-US"/>
-                    </a:p>
-                  </a:txBody>
-                  <a:tcPr/>
-                </a:tc>
-                <a:tc>
-                  <a:txBody>
-                    <a:bodyPr/>
-                    <a:lstStyle/>
-                    <a:p>
-                      <a:pPr latinLnBrk="1"/>
                       <a:endParaRPr lang="ko-KR" altLang="en-US" dirty="0"/>
-                    </a:p>
-                  </a:txBody>
-                  <a:tcPr/>
-                </a:tc>
-                <a:tc>
-                  <a:txBody>
-                    <a:bodyPr/>
-                    <a:lstStyle/>
-                    <a:p>
-                      <a:pPr latinLnBrk="1"/>
-                      <a:endParaRPr lang="ko-KR" altLang="en-US" dirty="0"/>
-                    </a:p>
-                  </a:txBody>
-                  <a:tcPr/>
-                </a:tc>
-                <a:tc>
-                  <a:txBody>
-                    <a:bodyPr/>
-                    <a:lstStyle/>
-                    <a:p>
-                      <a:pPr latinLnBrk="1"/>
-                      <a:endParaRPr lang="ko-KR" altLang="en-US"/>
-                    </a:p>
-                  </a:txBody>
-                  <a:tcPr/>
-                </a:tc>
-                <a:tc>
-                  <a:txBody>
-                    <a:bodyPr/>
-                    <a:lstStyle/>
-                    <a:p>
-                      <a:pPr latinLnBrk="1"/>
-                      <a:endParaRPr lang="ko-KR" altLang="en-US" dirty="0"/>
-                    </a:p>
-                  </a:txBody>
-                  <a:tcPr/>
-                </a:tc>
-                <a:tc>
-                  <a:txBody>
-                    <a:bodyPr/>
-                    <a:lstStyle/>
-                    <a:p>
-                      <a:pPr latinLnBrk="1"/>
-                      <a:endParaRPr lang="ko-KR" altLang="en-US"/>
                     </a:p>
                   </a:txBody>
                   <a:tcPr/>
                 </a:tc>
                 <a:extLst>
                   <a:ext uri="{0D108BD9-81ED-4DB2-BD59-A6C34878D82A}">
-                    <a16:rowId xmlns:a16="http://schemas.microsoft.com/office/drawing/2014/main" val="1453655916"/>
+                    <a16:rowId xmlns:a16="http://schemas.microsoft.com/office/drawing/2014/main" val="10001"/>
                   </a:ext>
                 </a:extLst>
               </a:tr>
-              <a:tr h="146114">
-                <a:tc>
-                  <a:txBody>
-                    <a:bodyPr/>
-                    <a:lstStyle/>
-                    <a:p>
-                      <a:pPr latinLnBrk="1"/>
-                      <a:endParaRPr lang="ko-KR" altLang="en-US"/>
-                    </a:p>
-                  </a:txBody>
-                  <a:tcPr/>
-                </a:tc>
-                <a:tc>
-                  <a:txBody>
-                    <a:bodyPr/>
-                    <a:lstStyle/>
-                    <a:p>
-                      <a:pPr latinLnBrk="1"/>
-                      <a:endParaRPr lang="ko-KR" altLang="en-US"/>
-                    </a:p>
-                  </a:txBody>
-                  <a:tcPr/>
-                </a:tc>
-                <a:tc>
-                  <a:txBody>
-                    <a:bodyPr/>
-                    <a:lstStyle/>
-                    <a:p>
-                      <a:pPr latinLnBrk="1"/>
-                      <a:endParaRPr lang="ko-KR" altLang="en-US"/>
-                    </a:p>
-                  </a:txBody>
-                  <a:tcPr/>
-                </a:tc>
-                <a:tc>
-                  <a:txBody>
-                    <a:bodyPr/>
-                    <a:lstStyle/>
-                    <a:p>
-                      <a:pPr latinLnBrk="1"/>
-                      <a:endParaRPr lang="ko-KR" altLang="en-US"/>
-                    </a:p>
-                  </a:txBody>
-                  <a:tcPr/>
-                </a:tc>
-                <a:tc>
-                  <a:txBody>
-                    <a:bodyPr/>
-                    <a:lstStyle/>
-                    <a:p>
-                      <a:pPr latinLnBrk="1"/>
-                      <a:endParaRPr lang="ko-KR" altLang="en-US"/>
-                    </a:p>
-                  </a:txBody>
-                  <a:tcPr/>
-                </a:tc>
-                <a:tc>
-                  <a:txBody>
-                    <a:bodyPr/>
-                    <a:lstStyle/>
-                    <a:p>
-                      <a:pPr latinLnBrk="1"/>
-                      <a:endParaRPr lang="ko-KR" altLang="en-US"/>
-                    </a:p>
-                  </a:txBody>
-                  <a:tcPr/>
-                </a:tc>
-                <a:tc>
-                  <a:txBody>
-                    <a:bodyPr/>
-                    <a:lstStyle/>
-                    <a:p>
-                      <a:pPr latinLnBrk="1"/>
-                      <a:endParaRPr lang="ko-KR" altLang="en-US"/>
-                    </a:p>
-                  </a:txBody>
-                  <a:tcPr/>
-                </a:tc>
-                <a:tc>
-                  <a:txBody>
-                    <a:bodyPr/>
-                    <a:lstStyle/>
-                    <a:p>
-                      <a:pPr latinLnBrk="1"/>
-                      <a:endParaRPr lang="ko-KR" altLang="en-US"/>
-                    </a:p>
-                  </a:txBody>
-                  <a:tcPr/>
-                </a:tc>
-                <a:tc>
-                  <a:txBody>
-                    <a:bodyPr/>
-                    <a:lstStyle/>
-                    <a:p>
-                      <a:pPr latinLnBrk="1"/>
-                      <a:endParaRPr lang="ko-KR" altLang="en-US"/>
-                    </a:p>
-                  </a:txBody>
-                  <a:tcPr/>
-                </a:tc>
-                <a:tc>
-                  <a:txBody>
-                    <a:bodyPr/>
-                    <a:lstStyle/>
-                    <a:p>
-                      <a:pPr latinLnBrk="1"/>
-                      <a:endParaRPr lang="ko-KR" altLang="en-US"/>
-                    </a:p>
-                  </a:txBody>
-                  <a:tcPr/>
-                </a:tc>
-                <a:tc>
-                  <a:txBody>
-                    <a:bodyPr/>
-                    <a:lstStyle/>
-                    <a:p>
-                      <a:pPr latinLnBrk="1"/>
-                      <a:endParaRPr lang="ko-KR" altLang="en-US"/>
+              <a:tr h="441854">
+                <a:tc>
+                  <a:txBody>
+                    <a:bodyPr/>
+                    <a:lstStyle/>
+                    <a:p>
+                      <a:pPr latinLnBrk="1"/>
+                      <a:endParaRPr lang="ko-KR" altLang="en-US" dirty="0"/>
+                    </a:p>
+                  </a:txBody>
+                  <a:tcPr/>
+                </a:tc>
+                <a:tc>
+                  <a:txBody>
+                    <a:bodyPr/>
+                    <a:lstStyle/>
+                    <a:p>
+                      <a:pPr latinLnBrk="1"/>
+                      <a:endParaRPr lang="ko-KR" altLang="en-US" dirty="0"/>
                     </a:p>
                   </a:txBody>
                   <a:tcPr/>
                 </a:tc>
                 <a:extLst>
                   <a:ext uri="{0D108BD9-81ED-4DB2-BD59-A6C34878D82A}">
-                    <a16:rowId xmlns:a16="http://schemas.microsoft.com/office/drawing/2014/main" val="3863232955"/>
-                  </a:ext>
-                </a:extLst>
-              </a:tr>
-              <a:tr h="146114">
-                <a:tc>
-                  <a:txBody>
-                    <a:bodyPr/>
-                    <a:lstStyle/>
-                    <a:p>
-                      <a:pPr latinLnBrk="1"/>
-                      <a:endParaRPr lang="ko-KR" altLang="en-US" dirty="0"/>
-                    </a:p>
-                  </a:txBody>
-                  <a:tcPr/>
-                </a:tc>
-                <a:tc>
-                  <a:txBody>
-                    <a:bodyPr/>
-                    <a:lstStyle/>
-                    <a:p>
-                      <a:pPr latinLnBrk="1"/>
-                      <a:endParaRPr lang="ko-KR" altLang="en-US"/>
-                    </a:p>
-                  </a:txBody>
-                  <a:tcPr/>
-                </a:tc>
-                <a:tc>
-                  <a:txBody>
-                    <a:bodyPr/>
-                    <a:lstStyle/>
-                    <a:p>
-                      <a:pPr latinLnBrk="1"/>
-                      <a:endParaRPr lang="ko-KR" altLang="en-US" dirty="0"/>
-                    </a:p>
-                  </a:txBody>
-                  <a:tcPr/>
-                </a:tc>
-                <a:tc>
-                  <a:txBody>
-                    <a:bodyPr/>
-                    <a:lstStyle/>
-                    <a:p>
-                      <a:pPr latinLnBrk="1"/>
-                      <a:endParaRPr lang="ko-KR" altLang="en-US"/>
-                    </a:p>
-                  </a:txBody>
-                  <a:tcPr/>
-                </a:tc>
-                <a:tc>
-                  <a:txBody>
-                    <a:bodyPr/>
-                    <a:lstStyle/>
-                    <a:p>
-                      <a:pPr latinLnBrk="1"/>
-                      <a:endParaRPr lang="ko-KR" altLang="en-US"/>
-                    </a:p>
-                  </a:txBody>
-                  <a:tcPr/>
-                </a:tc>
-                <a:tc>
-                  <a:txBody>
-                    <a:bodyPr/>
-                    <a:lstStyle/>
-                    <a:p>
-                      <a:pPr latinLnBrk="1"/>
-                      <a:endParaRPr lang="ko-KR" altLang="en-US"/>
-                    </a:p>
-                  </a:txBody>
-                  <a:tcPr/>
-                </a:tc>
-                <a:tc>
-                  <a:txBody>
-                    <a:bodyPr/>
-                    <a:lstStyle/>
-                    <a:p>
-                      <a:pPr latinLnBrk="1"/>
-                      <a:endParaRPr lang="ko-KR" altLang="en-US"/>
-                    </a:p>
-                  </a:txBody>
-                  <a:tcPr/>
-                </a:tc>
-                <a:tc>
-                  <a:txBody>
-                    <a:bodyPr/>
-                    <a:lstStyle/>
-                    <a:p>
-                      <a:pPr latinLnBrk="1"/>
-                      <a:endParaRPr lang="ko-KR" altLang="en-US" dirty="0"/>
-                    </a:p>
-                  </a:txBody>
-                  <a:tcPr/>
-                </a:tc>
-                <a:tc>
-                  <a:txBody>
-                    <a:bodyPr/>
-                    <a:lstStyle/>
-                    <a:p>
-                      <a:pPr latinLnBrk="1"/>
-                      <a:endParaRPr lang="ko-KR" altLang="en-US"/>
-                    </a:p>
-                  </a:txBody>
-                  <a:tcPr/>
-                </a:tc>
-                <a:tc>
-                  <a:txBody>
-                    <a:bodyPr/>
-                    <a:lstStyle/>
-                    <a:p>
-                      <a:pPr latinLnBrk="1"/>
-                      <a:endParaRPr lang="ko-KR" altLang="en-US" dirty="0"/>
-                    </a:p>
-                  </a:txBody>
-                  <a:tcPr/>
-                </a:tc>
-                <a:tc>
-                  <a:txBody>
-                    <a:bodyPr/>
-                    <a:lstStyle/>
-                    <a:p>
-                      <a:pPr latinLnBrk="1"/>
-                      <a:endParaRPr lang="ko-KR" altLang="en-US" dirty="0"/>
-                    </a:p>
-                  </a:txBody>
-                  <a:tcPr/>
-                </a:tc>
-                <a:extLst>
-                  <a:ext uri="{0D108BD9-81ED-4DB2-BD59-A6C34878D82A}">
-                    <a16:rowId xmlns:a16="http://schemas.microsoft.com/office/drawing/2014/main" val="2142645716"/>
+                    <a16:rowId xmlns:a16="http://schemas.microsoft.com/office/drawing/2014/main" val="10002"/>
                   </a:ext>
                 </a:extLst>
               </a:tr>
@@ -6200,11 +6221,6 @@
         </a:graphic>
       </p:graphicFrame>
     </p:spTree>
-    <p:extLst>
-      <p:ext uri="{BB962C8B-B14F-4D97-AF65-F5344CB8AC3E}">
-        <p14:creationId xmlns:p14="http://schemas.microsoft.com/office/powerpoint/2010/main" val="2805574853"/>
-      </p:ext>
-    </p:extLst>
   </p:cSld>
   <p:clrMapOvr>
     <a:masterClrMapping/>
@@ -6231,13 +6247,7 @@
       </p:grpSpPr>
       <p:sp>
         <p:nvSpPr>
-          <p:cNvPr id="3" name="제목 2">
-            <a:extLst>
-              <a:ext uri="{FF2B5EF4-FFF2-40B4-BE49-F238E27FC236}">
-                <a16:creationId xmlns:a16="http://schemas.microsoft.com/office/drawing/2014/main" id="{E1F77590-44A4-469E-96DF-5215EEF36D94}"/>
-              </a:ext>
-            </a:extLst>
-          </p:cNvPr>
+          <p:cNvPr id="2" name="제목 1"/>
           <p:cNvSpPr>
             <a:spLocks noGrp="1"/>
           </p:cNvSpPr>
@@ -6252,7 +6262,7 @@
           <a:p>
             <a:r>
               <a:rPr lang="en-US" altLang="ko-KR" dirty="0" err="1"/>
-              <a:t>mv_Company_Composation</a:t>
+              <a:t>mv_emp_pos_role</a:t>
             </a:r>
             <a:endParaRPr lang="ko-KR" altLang="en-US" dirty="0"/>
           </a:p>
@@ -6260,27 +6270,15 @@
       </p:sp>
       <p:graphicFrame>
         <p:nvGraphicFramePr>
-          <p:cNvPr id="4" name="표 5">
-            <a:extLst>
-              <a:ext uri="{FF2B5EF4-FFF2-40B4-BE49-F238E27FC236}">
-                <a16:creationId xmlns:a16="http://schemas.microsoft.com/office/drawing/2014/main" id="{8B8C98D6-4CB2-422F-B385-5EB6B7566874}"/>
-              </a:ext>
-            </a:extLst>
-          </p:cNvPr>
+          <p:cNvPr id="3" name="표 5"/>
           <p:cNvGraphicFramePr>
             <a:graphicFrameLocks noGrp="1"/>
           </p:cNvGraphicFramePr>
-          <p:nvPr>
-            <p:extLst>
-              <p:ext uri="{D42A27DB-BD31-4B8C-83A1-F6EECF244321}">
-                <p14:modId xmlns:p14="http://schemas.microsoft.com/office/powerpoint/2010/main" val="1889256697"/>
-              </p:ext>
-            </p:extLst>
-          </p:nvPr>
+          <p:nvPr/>
         </p:nvGraphicFramePr>
         <p:xfrm>
-          <a:off x="1518408" y="2534594"/>
-          <a:ext cx="7197753" cy="1112520"/>
+          <a:off x="2132668" y="2735930"/>
+          <a:ext cx="4282113" cy="1112520"/>
         </p:xfrm>
         <a:graphic>
           <a:graphicData uri="http://schemas.openxmlformats.org/drawingml/2006/table">
@@ -6289,24 +6287,17 @@
                 <a:tableStyleId>{5C22544A-7EE6-4342-B048-85BDC9FD1C3A}</a:tableStyleId>
               </a:tblPr>
               <a:tblGrid>
-                <a:gridCol w="2260832">
+                <a:gridCol w="2162496">
                   <a:extLst>
                     <a:ext uri="{9D8B030D-6E8A-4147-A177-3AD203B41FA5}">
-                      <a16:colId xmlns:a16="http://schemas.microsoft.com/office/drawing/2014/main" val="3048531309"/>
+                      <a16:colId xmlns:a16="http://schemas.microsoft.com/office/drawing/2014/main" val="20000"/>
                     </a:ext>
                   </a:extLst>
                 </a:gridCol>
-                <a:gridCol w="2663505">
+                <a:gridCol w="2119617">
                   <a:extLst>
                     <a:ext uri="{9D8B030D-6E8A-4147-A177-3AD203B41FA5}">
-                      <a16:colId xmlns:a16="http://schemas.microsoft.com/office/drawing/2014/main" val="245760723"/>
-                    </a:ext>
-                  </a:extLst>
-                </a:gridCol>
-                <a:gridCol w="2273416">
-                  <a:extLst>
-                    <a:ext uri="{9D8B030D-6E8A-4147-A177-3AD203B41FA5}">
-                      <a16:colId xmlns:a16="http://schemas.microsoft.com/office/drawing/2014/main" val="3160766071"/>
+                      <a16:colId xmlns:a16="http://schemas.microsoft.com/office/drawing/2014/main" val="20001"/>
                     </a:ext>
                   </a:extLst>
                 </a:gridCol>
@@ -6320,22 +6311,7 @@
                       <a:pPr latinLnBrk="1"/>
                       <a:r>
                         <a:rPr lang="en-US" altLang="ko-KR" dirty="0" err="1"/>
-                        <a:t>mv_departTeam_id</a:t>
-                      </a:r>
-                      <a:endParaRPr lang="ko-KR" altLang="en-US" dirty="0"/>
-                    </a:p>
-                  </a:txBody>
-                  <a:tcPr/>
-                </a:tc>
-                <a:tc>
-                  <a:txBody>
-                    <a:bodyPr/>
-                    <a:lstStyle/>
-                    <a:p>
-                      <a:pPr latinLnBrk="1"/>
-                      <a:r>
-                        <a:rPr lang="en-US" altLang="ko-KR" dirty="0" err="1"/>
-                        <a:t>mv_departmentName</a:t>
+                        <a:t>sys_emp_position</a:t>
                       </a:r>
                       <a:endParaRPr lang="ko-KR" altLang="en-US" dirty="0"/>
                     </a:p>
@@ -6361,12 +6337,11 @@
                         <a:buSzTx/>
                         <a:buFontTx/>
                         <a:buNone/>
-                        <a:tabLst/>
                         <a:defRPr/>
                       </a:pPr>
                       <a:r>
                         <a:rPr lang="en-US" altLang="ko-KR" dirty="0" err="1"/>
-                        <a:t>mv_teamName</a:t>
+                        <a:t>sys_role_id</a:t>
                       </a:r>
                       <a:endParaRPr lang="ko-KR" altLang="en-US" dirty="0"/>
                     </a:p>
@@ -6375,7 +6350,7 @@
                 </a:tc>
                 <a:extLst>
                   <a:ext uri="{0D108BD9-81ED-4DB2-BD59-A6C34878D82A}">
-                    <a16:rowId xmlns:a16="http://schemas.microsoft.com/office/drawing/2014/main" val="3047985089"/>
+                    <a16:rowId xmlns:a16="http://schemas.microsoft.com/office/drawing/2014/main" val="10000"/>
                   </a:ext>
                 </a:extLst>
               </a:tr>
@@ -6402,20 +6377,9 @@
                   </a:txBody>
                   <a:tcPr/>
                 </a:tc>
-                <a:tc>
-                  <a:txBody>
-                    <a:bodyPr/>
-                    <a:lstStyle/>
-                    <a:p>
-                      <a:pPr latinLnBrk="1"/>
-                      <a:endParaRPr lang="ko-KR" altLang="en-US" dirty="0"/>
-                    </a:p>
-                  </a:txBody>
-                  <a:tcPr/>
-                </a:tc>
                 <a:extLst>
                   <a:ext uri="{0D108BD9-81ED-4DB2-BD59-A6C34878D82A}">
-                    <a16:rowId xmlns:a16="http://schemas.microsoft.com/office/drawing/2014/main" val="1819085094"/>
+                    <a16:rowId xmlns:a16="http://schemas.microsoft.com/office/drawing/2014/main" val="10001"/>
                   </a:ext>
                 </a:extLst>
               </a:tr>
@@ -6442,20 +6406,9 @@
                   </a:txBody>
                   <a:tcPr/>
                 </a:tc>
-                <a:tc>
-                  <a:txBody>
-                    <a:bodyPr/>
-                    <a:lstStyle/>
-                    <a:p>
-                      <a:pPr latinLnBrk="1"/>
-                      <a:endParaRPr lang="ko-KR" altLang="en-US" dirty="0"/>
-                    </a:p>
-                  </a:txBody>
-                  <a:tcPr/>
-                </a:tc>
                 <a:extLst>
                   <a:ext uri="{0D108BD9-81ED-4DB2-BD59-A6C34878D82A}">
-                    <a16:rowId xmlns:a16="http://schemas.microsoft.com/office/drawing/2014/main" val="2687444863"/>
+                    <a16:rowId xmlns:a16="http://schemas.microsoft.com/office/drawing/2014/main" val="10002"/>
                   </a:ext>
                 </a:extLst>
               </a:tr>
@@ -6464,11 +6417,6 @@
         </a:graphic>
       </p:graphicFrame>
     </p:spTree>
-    <p:extLst>
-      <p:ext uri="{BB962C8B-B14F-4D97-AF65-F5344CB8AC3E}">
-        <p14:creationId xmlns:p14="http://schemas.microsoft.com/office/powerpoint/2010/main" val="1567231290"/>
-      </p:ext>
-    </p:extLst>
   </p:cSld>
   <p:clrMapOvr>
     <a:masterClrMapping/>
@@ -6495,13 +6443,7 @@
       </p:grpSpPr>
       <p:sp>
         <p:nvSpPr>
-          <p:cNvPr id="2" name="제목 1">
-            <a:extLst>
-              <a:ext uri="{FF2B5EF4-FFF2-40B4-BE49-F238E27FC236}">
-                <a16:creationId xmlns:a16="http://schemas.microsoft.com/office/drawing/2014/main" id="{79851427-998E-4B1B-A357-7A049236DB49}"/>
-              </a:ext>
-            </a:extLst>
-          </p:cNvPr>
+          <p:cNvPr id="2" name="제목 1"/>
           <p:cNvSpPr>
             <a:spLocks noGrp="1"/>
           </p:cNvSpPr>
@@ -6516,7 +6458,7 @@
           <a:p>
             <a:r>
               <a:rPr lang="en-US" altLang="ko-KR" dirty="0" err="1"/>
-              <a:t>mv_file</a:t>
+              <a:t>mv_employee</a:t>
             </a:r>
             <a:endParaRPr lang="ko-KR" altLang="en-US" dirty="0"/>
           </a:p>
@@ -6524,27 +6466,15 @@
       </p:sp>
       <p:graphicFrame>
         <p:nvGraphicFramePr>
-          <p:cNvPr id="3" name="표 3">
-            <a:extLst>
-              <a:ext uri="{FF2B5EF4-FFF2-40B4-BE49-F238E27FC236}">
-                <a16:creationId xmlns:a16="http://schemas.microsoft.com/office/drawing/2014/main" id="{73A363B1-E53B-4299-B019-80141902AE66}"/>
-              </a:ext>
-            </a:extLst>
-          </p:cNvPr>
+          <p:cNvPr id="3" name="표 3"/>
           <p:cNvGraphicFramePr>
             <a:graphicFrameLocks noGrp="1"/>
           </p:cNvGraphicFramePr>
-          <p:nvPr>
-            <p:extLst>
-              <p:ext uri="{D42A27DB-BD31-4B8C-83A1-F6EECF244321}">
-                <p14:modId xmlns:p14="http://schemas.microsoft.com/office/powerpoint/2010/main" val="796082117"/>
-              </p:ext>
-            </p:extLst>
-          </p:nvPr>
+          <p:nvPr/>
         </p:nvGraphicFramePr>
         <p:xfrm>
-          <a:off x="226504" y="1917269"/>
-          <a:ext cx="11262369" cy="2583180"/>
+          <a:off x="581645" y="2739390"/>
+          <a:ext cx="10944830" cy="1546860"/>
         </p:xfrm>
         <a:graphic>
           <a:graphicData uri="http://schemas.openxmlformats.org/drawingml/2006/table">
@@ -6553,103 +6483,99 @@
                 <a:tableStyleId>{5C22544A-7EE6-4342-B048-85BDC9FD1C3A}</a:tableStyleId>
               </a:tblPr>
               <a:tblGrid>
-                <a:gridCol w="661887">
+                <a:gridCol w="930110">
                   <a:extLst>
                     <a:ext uri="{9D8B030D-6E8A-4147-A177-3AD203B41FA5}">
-                      <a16:colId xmlns:a16="http://schemas.microsoft.com/office/drawing/2014/main" val="2951617741"/>
+                      <a16:colId xmlns:a16="http://schemas.microsoft.com/office/drawing/2014/main" val="20000"/>
                     </a:ext>
                   </a:extLst>
                 </a:gridCol>
-                <a:gridCol w="1057855">
+                <a:gridCol w="679350">
                   <a:extLst>
                     <a:ext uri="{9D8B030D-6E8A-4147-A177-3AD203B41FA5}">
-                      <a16:colId xmlns:a16="http://schemas.microsoft.com/office/drawing/2014/main" val="4244554703"/>
+                      <a16:colId xmlns:a16="http://schemas.microsoft.com/office/drawing/2014/main" val="20001"/>
                     </a:ext>
                   </a:extLst>
                 </a:gridCol>
-                <a:gridCol w="671119">
+                <a:gridCol w="770363">
                   <a:extLst>
                     <a:ext uri="{9D8B030D-6E8A-4147-A177-3AD203B41FA5}">
-                      <a16:colId xmlns:a16="http://schemas.microsoft.com/office/drawing/2014/main" val="3718151347"/>
+                      <a16:colId xmlns:a16="http://schemas.microsoft.com/office/drawing/2014/main" val="20002"/>
                     </a:ext>
                   </a:extLst>
                 </a:gridCol>
-                <a:gridCol w="730958">
+                <a:gridCol w="1056405">
                   <a:extLst>
                     <a:ext uri="{9D8B030D-6E8A-4147-A177-3AD203B41FA5}">
-                      <a16:colId xmlns:a16="http://schemas.microsoft.com/office/drawing/2014/main" val="3355278836"/>
+                      <a16:colId xmlns:a16="http://schemas.microsoft.com/office/drawing/2014/main" val="20003"/>
                     </a:ext>
                   </a:extLst>
                 </a:gridCol>
-                <a:gridCol w="806638">
+                <a:gridCol w="867877">
                   <a:extLst>
                     <a:ext uri="{9D8B030D-6E8A-4147-A177-3AD203B41FA5}">
-                      <a16:colId xmlns:a16="http://schemas.microsoft.com/office/drawing/2014/main" val="259857312"/>
+                      <a16:colId xmlns:a16="http://schemas.microsoft.com/office/drawing/2014/main" val="20004"/>
                     </a:ext>
                   </a:extLst>
                 </a:gridCol>
-                <a:gridCol w="1219022">
+                <a:gridCol w="1311568">
                   <a:extLst>
                     <a:ext uri="{9D8B030D-6E8A-4147-A177-3AD203B41FA5}">
-                      <a16:colId xmlns:a16="http://schemas.microsoft.com/office/drawing/2014/main" val="4194945057"/>
+                      <a16:colId xmlns:a16="http://schemas.microsoft.com/office/drawing/2014/main" val="20005"/>
                     </a:ext>
                   </a:extLst>
                 </a:gridCol>
-                <a:gridCol w="1282465">
+                <a:gridCol w="1379827">
                   <a:extLst>
                     <a:ext uri="{9D8B030D-6E8A-4147-A177-3AD203B41FA5}">
-                      <a16:colId xmlns:a16="http://schemas.microsoft.com/office/drawing/2014/main" val="1027432754"/>
+                      <a16:colId xmlns:a16="http://schemas.microsoft.com/office/drawing/2014/main" val="20006"/>
                     </a:ext>
                   </a:extLst>
                 </a:gridCol>
-                <a:gridCol w="799086">
+                <a:gridCol w="859751">
                   <a:extLst>
                     <a:ext uri="{9D8B030D-6E8A-4147-A177-3AD203B41FA5}">
-                      <a16:colId xmlns:a16="http://schemas.microsoft.com/office/drawing/2014/main" val="4130690387"/>
+                      <a16:colId xmlns:a16="http://schemas.microsoft.com/office/drawing/2014/main" val="20007"/>
                     </a:ext>
                   </a:extLst>
                 </a:gridCol>
-                <a:gridCol w="750775">
+                <a:gridCol w="807772">
                   <a:extLst>
                     <a:ext uri="{9D8B030D-6E8A-4147-A177-3AD203B41FA5}">
-                      <a16:colId xmlns:a16="http://schemas.microsoft.com/office/drawing/2014/main" val="21648975"/>
+                      <a16:colId xmlns:a16="http://schemas.microsoft.com/office/drawing/2014/main" val="20008"/>
                     </a:ext>
                   </a:extLst>
                 </a:gridCol>
-                <a:gridCol w="959038">
+                <a:gridCol w="1031846">
                   <a:extLst>
                     <a:ext uri="{9D8B030D-6E8A-4147-A177-3AD203B41FA5}">
-                      <a16:colId xmlns:a16="http://schemas.microsoft.com/office/drawing/2014/main" val="1866426507"/>
+                      <a16:colId xmlns:a16="http://schemas.microsoft.com/office/drawing/2014/main" val="20009"/>
                     </a:ext>
                   </a:extLst>
                 </a:gridCol>
-                <a:gridCol w="1161763">
+                <a:gridCol w="1249961">
                   <a:extLst>
                     <a:ext uri="{9D8B030D-6E8A-4147-A177-3AD203B41FA5}">
-                      <a16:colId xmlns:a16="http://schemas.microsoft.com/office/drawing/2014/main" val="3759957993"/>
-                    </a:ext>
-                  </a:extLst>
-                </a:gridCol>
-                <a:gridCol w="1161763">
-                  <a:extLst>
-                    <a:ext uri="{9D8B030D-6E8A-4147-A177-3AD203B41FA5}">
-                      <a16:colId xmlns:a16="http://schemas.microsoft.com/office/drawing/2014/main" val="34681748"/>
+                      <a16:colId xmlns:a16="http://schemas.microsoft.com/office/drawing/2014/main" val="20010"/>
                     </a:ext>
                   </a:extLst>
                 </a:gridCol>
               </a:tblGrid>
-              <a:tr h="0">
-                <a:tc>
-                  <a:txBody>
-                    <a:bodyPr/>
-                    <a:lstStyle/>
-                    <a:p>
-                      <a:r>
-                        <a:rPr lang="en-US" b="1">
+              <a:tr h="179599">
+                <a:tc>
+                  <a:txBody>
+                    <a:bodyPr/>
+                    <a:lstStyle/>
+                    <a:p>
+                      <a:r>
+                        <a:rPr lang="en-US" sz="1100" b="1" dirty="0" err="1">
                           <a:effectLst/>
                         </a:rPr>
-                        <a:t>fileName</a:t>
-                      </a:r>
+                        <a:t>login_Id</a:t>
+                      </a:r>
+                      <a:endParaRPr lang="en-US" sz="1100" b="1" dirty="0">
+                        <a:effectLst/>
+                      </a:endParaRPr>
                     </a:p>
                   </a:txBody>
                   <a:tcPr marL="123825" marR="123825" marT="57150" marB="57150" anchor="ctr"/>
@@ -6660,12 +6586,42 @@
                     <a:lstStyle/>
                     <a:p>
                       <a:r>
-                        <a:rPr lang="en-US" b="1" dirty="0" err="1">
+                        <a:rPr lang="en-US" sz="1100" b="1" dirty="0">
                           <a:effectLst/>
                         </a:rPr>
-                        <a:t>fileUploadType</a:t>
-                      </a:r>
-                      <a:endParaRPr lang="en-US" b="1" dirty="0">
+                        <a:t>name</a:t>
+                      </a:r>
+                    </a:p>
+                  </a:txBody>
+                  <a:tcPr marL="123825" marR="123825" marT="57150" marB="57150" anchor="ctr"/>
+                </a:tc>
+                <a:tc>
+                  <a:txBody>
+                    <a:bodyPr/>
+                    <a:lstStyle/>
+                    <a:p>
+                      <a:r>
+                        <a:rPr lang="en-US" sz="1100" b="1" dirty="0">
+                          <a:effectLst/>
+                        </a:rPr>
+                        <a:t>mobile</a:t>
+                      </a:r>
+                    </a:p>
+                  </a:txBody>
+                  <a:tcPr marL="123825" marR="123825" marT="57150" marB="57150" anchor="ctr"/>
+                </a:tc>
+                <a:tc>
+                  <a:txBody>
+                    <a:bodyPr/>
+                    <a:lstStyle/>
+                    <a:p>
+                      <a:r>
+                        <a:rPr lang="en-US" sz="1100" b="1" dirty="0" err="1">
+                          <a:effectLst/>
+                        </a:rPr>
+                        <a:t>outsideCall</a:t>
+                      </a:r>
+                      <a:endParaRPr lang="en-US" sz="1100" b="1" dirty="0">
                         <a:effectLst/>
                       </a:endParaRPr>
                     </a:p>
@@ -6678,12 +6634,12 @@
                     <a:lstStyle/>
                     <a:p>
                       <a:r>
-                        <a:rPr lang="en-US" b="1" dirty="0" err="1">
+                        <a:rPr lang="en-US" sz="1100" b="1" dirty="0" err="1">
                           <a:effectLst/>
                         </a:rPr>
-                        <a:t>fileSize</a:t>
-                      </a:r>
-                      <a:endParaRPr lang="en-US" b="1" dirty="0">
+                        <a:t>interCall</a:t>
+                      </a:r>
+                      <a:endParaRPr lang="en-US" sz="1100" b="1" dirty="0">
                         <a:effectLst/>
                       </a:endParaRPr>
                     </a:p>
@@ -6696,12 +6652,12 @@
                     <a:lstStyle/>
                     <a:p>
                       <a:r>
-                        <a:rPr lang="en-US" b="1" dirty="0" err="1">
+                        <a:rPr lang="en-US" sz="1100" b="1" dirty="0" err="1">
                           <a:effectLst/>
                         </a:rPr>
-                        <a:t>fileStorageType</a:t>
-                      </a:r>
-                      <a:endParaRPr lang="en-US" b="1" dirty="0">
+                        <a:t>companyOutIP</a:t>
+                      </a:r>
+                      <a:endParaRPr lang="en-US" sz="1100" b="1" dirty="0">
                         <a:effectLst/>
                       </a:endParaRPr>
                     </a:p>
@@ -6714,11 +6670,14 @@
                     <a:lstStyle/>
                     <a:p>
                       <a:r>
-                        <a:rPr lang="en-US" b="1">
+                        <a:rPr lang="en-US" sz="1100" b="1" dirty="0" err="1">
                           <a:effectLst/>
                         </a:rPr>
-                        <a:t>uploadDate</a:t>
-                      </a:r>
+                        <a:t>companyInterIP</a:t>
+                      </a:r>
+                      <a:endParaRPr lang="en-US" sz="1100" b="1" dirty="0">
+                        <a:effectLst/>
+                      </a:endParaRPr>
                     </a:p>
                   </a:txBody>
                   <a:tcPr marL="123825" marR="123825" marT="57150" marB="57150" anchor="ctr"/>
@@ -6729,10 +6688,10 @@
                     <a:lstStyle/>
                     <a:p>
                       <a:r>
-                        <a:rPr lang="en-US" b="1">
+                        <a:rPr lang="en-US" sz="1100" b="1" dirty="0">
                           <a:effectLst/>
                         </a:rPr>
-                        <a:t>uploadStatus</a:t>
+                        <a:t>position</a:t>
                       </a:r>
                     </a:p>
                   </a:txBody>
@@ -6744,10 +6703,10 @@
                     <a:lstStyle/>
                     <a:p>
                       <a:r>
-                        <a:rPr lang="en-US" b="1">
+                        <a:rPr lang="en-US" sz="1100" b="1" dirty="0">
                           <a:effectLst/>
                         </a:rPr>
-                        <a:t>validDate</a:t>
+                        <a:t>password</a:t>
                       </a:r>
                     </a:p>
                   </a:txBody>
@@ -6759,12 +6718,12 @@
                     <a:lstStyle/>
                     <a:p>
                       <a:r>
-                        <a:rPr lang="en-US" b="1" dirty="0" err="1">
+                        <a:rPr lang="en-US" sz="1100" b="1" dirty="0" err="1">
                           <a:effectLst/>
                         </a:rPr>
-                        <a:t>validStatus</a:t>
-                      </a:r>
-                      <a:endParaRPr lang="en-US" b="1" dirty="0">
+                        <a:t>workStatus</a:t>
+                      </a:r>
+                      <a:endParaRPr lang="en-US" sz="1100" b="1" dirty="0">
                         <a:effectLst/>
                       </a:endParaRPr>
                     </a:p>
@@ -6777,57 +6736,12 @@
                     <a:lstStyle/>
                     <a:p>
                       <a:r>
-                        <a:rPr lang="en-US" b="1">
+                        <a:rPr lang="en-US" sz="1100" b="1" dirty="0" err="1">
                           <a:effectLst/>
                         </a:rPr>
-                        <a:t>warehousingDate</a:t>
-                      </a:r>
-                    </a:p>
-                  </a:txBody>
-                  <a:tcPr marL="123825" marR="123825" marT="57150" marB="57150" anchor="ctr"/>
-                </a:tc>
-                <a:tc>
-                  <a:txBody>
-                    <a:bodyPr/>
-                    <a:lstStyle/>
-                    <a:p>
-                      <a:r>
-                        <a:rPr lang="en-US" b="1">
-                          <a:effectLst/>
-                        </a:rPr>
-                        <a:t>warehousingStatus</a:t>
-                      </a:r>
-                    </a:p>
-                  </a:txBody>
-                  <a:tcPr marL="123825" marR="123825" marT="57150" marB="57150" anchor="ctr"/>
-                </a:tc>
-                <a:tc>
-                  <a:txBody>
-                    <a:bodyPr/>
-                    <a:lstStyle/>
-                    <a:p>
-                      <a:r>
-                        <a:rPr lang="en-US" b="1" dirty="0">
-                          <a:effectLst/>
-                        </a:rPr>
-                        <a:t>path</a:t>
-                      </a:r>
-                    </a:p>
-                  </a:txBody>
-                  <a:tcPr marL="123825" marR="123825" marT="57150" marB="57150" anchor="ctr"/>
-                </a:tc>
-                <a:tc>
-                  <a:txBody>
-                    <a:bodyPr/>
-                    <a:lstStyle/>
-                    <a:p>
-                      <a:r>
-                        <a:rPr lang="en-US" b="1" dirty="0" err="1">
-                          <a:effectLst/>
-                        </a:rPr>
-                        <a:t>uploadUser_id</a:t>
-                      </a:r>
-                      <a:endParaRPr lang="en-US" b="1" dirty="0">
+                        <a:t>depar_team_id</a:t>
+                      </a:r>
+                      <a:endParaRPr lang="en-US" sz="1100" b="1" dirty="0">
                         <a:effectLst/>
                       </a:endParaRPr>
                     </a:p>
@@ -6836,7 +6750,7 @@
                 </a:tc>
                 <a:extLst>
                   <a:ext uri="{0D108BD9-81ED-4DB2-BD59-A6C34878D82A}">
-                    <a16:rowId xmlns:a16="http://schemas.microsoft.com/office/drawing/2014/main" val="2019910557"/>
+                    <a16:rowId xmlns:a16="http://schemas.microsoft.com/office/drawing/2014/main" val="10000"/>
                   </a:ext>
                 </a:extLst>
               </a:tr>
@@ -6957,25 +6871,14 @@
                     <a:lstStyle/>
                     <a:p>
                       <a:pPr latinLnBrk="1"/>
-                      <a:endParaRPr lang="ko-KR" altLang="en-US" dirty="0"/>
-                    </a:p>
-                  </a:txBody>
-                  <a:tcPr/>
-                </a:tc>
-                <a:tc>
-                  <a:txBody>
-                    <a:bodyPr/>
-                    <a:lstStyle/>
-                    <a:p>
-                      <a:pPr latinLnBrk="1"/>
-                      <a:endParaRPr lang="ko-KR" altLang="en-US" dirty="0"/>
+                      <a:endParaRPr lang="ko-KR" altLang="en-US"/>
                     </a:p>
                   </a:txBody>
                   <a:tcPr/>
                 </a:tc>
                 <a:extLst>
                   <a:ext uri="{0D108BD9-81ED-4DB2-BD59-A6C34878D82A}">
-                    <a16:rowId xmlns:a16="http://schemas.microsoft.com/office/drawing/2014/main" val="1453655916"/>
+                    <a16:rowId xmlns:a16="http://schemas.microsoft.com/office/drawing/2014/main" val="10001"/>
                   </a:ext>
                 </a:extLst>
               </a:tr>
@@ -7101,20 +7004,9 @@
                   </a:txBody>
                   <a:tcPr/>
                 </a:tc>
-                <a:tc>
-                  <a:txBody>
-                    <a:bodyPr/>
-                    <a:lstStyle/>
-                    <a:p>
-                      <a:pPr latinLnBrk="1"/>
-                      <a:endParaRPr lang="ko-KR" altLang="en-US"/>
-                    </a:p>
-                  </a:txBody>
-                  <a:tcPr/>
-                </a:tc>
                 <a:extLst>
                   <a:ext uri="{0D108BD9-81ED-4DB2-BD59-A6C34878D82A}">
-                    <a16:rowId xmlns:a16="http://schemas.microsoft.com/office/drawing/2014/main" val="3863232955"/>
+                    <a16:rowId xmlns:a16="http://schemas.microsoft.com/office/drawing/2014/main" val="10002"/>
                   </a:ext>
                 </a:extLst>
               </a:tr>
@@ -7240,20 +7132,9 @@
                   </a:txBody>
                   <a:tcPr/>
                 </a:tc>
-                <a:tc>
-                  <a:txBody>
-                    <a:bodyPr/>
-                    <a:lstStyle/>
-                    <a:p>
-                      <a:pPr latinLnBrk="1"/>
-                      <a:endParaRPr lang="ko-KR" altLang="en-US" dirty="0"/>
-                    </a:p>
-                  </a:txBody>
-                  <a:tcPr/>
-                </a:tc>
                 <a:extLst>
                   <a:ext uri="{0D108BD9-81ED-4DB2-BD59-A6C34878D82A}">
-                    <a16:rowId xmlns:a16="http://schemas.microsoft.com/office/drawing/2014/main" val="2142645716"/>
+                    <a16:rowId xmlns:a16="http://schemas.microsoft.com/office/drawing/2014/main" val="10003"/>
                   </a:ext>
                 </a:extLst>
               </a:tr>
@@ -7262,11 +7143,6 @@
         </a:graphic>
       </p:graphicFrame>
     </p:spTree>
-    <p:extLst>
-      <p:ext uri="{BB962C8B-B14F-4D97-AF65-F5344CB8AC3E}">
-        <p14:creationId xmlns:p14="http://schemas.microsoft.com/office/powerpoint/2010/main" val="2682918735"/>
-      </p:ext>
-    </p:extLst>
   </p:cSld>
   <p:clrMapOvr>
     <a:masterClrMapping/>
@@ -7293,13 +7169,7 @@
       </p:grpSpPr>
       <p:sp>
         <p:nvSpPr>
-          <p:cNvPr id="2" name="제목 1">
-            <a:extLst>
-              <a:ext uri="{FF2B5EF4-FFF2-40B4-BE49-F238E27FC236}">
-                <a16:creationId xmlns:a16="http://schemas.microsoft.com/office/drawing/2014/main" id="{02180FFE-645D-498B-B6A0-2B638F02EC0E}"/>
-              </a:ext>
-            </a:extLst>
-          </p:cNvPr>
+          <p:cNvPr id="3" name="제목 2"/>
           <p:cNvSpPr>
             <a:spLocks noGrp="1"/>
           </p:cNvSpPr>
@@ -7314,7 +7184,7 @@
           <a:p>
             <a:r>
               <a:rPr lang="en-US" altLang="ko-KR" dirty="0" err="1"/>
-              <a:t>mv_notification</a:t>
+              <a:t>mv_Company_Composation</a:t>
             </a:r>
             <a:endParaRPr lang="ko-KR" altLang="en-US" dirty="0"/>
           </a:p>
@@ -7322,265 +7192,189 @@
       </p:sp>
       <p:graphicFrame>
         <p:nvGraphicFramePr>
-          <p:cNvPr id="3" name="표 2">
-            <a:extLst>
-              <a:ext uri="{FF2B5EF4-FFF2-40B4-BE49-F238E27FC236}">
-                <a16:creationId xmlns:a16="http://schemas.microsoft.com/office/drawing/2014/main" id="{C5541B9C-6DC5-4696-9631-66608D5FDEDD}"/>
-              </a:ext>
-            </a:extLst>
-          </p:cNvPr>
+          <p:cNvPr id="4" name="표 5"/>
           <p:cNvGraphicFramePr>
             <a:graphicFrameLocks noGrp="1"/>
           </p:cNvGraphicFramePr>
-          <p:nvPr>
-            <p:extLst>
-              <p:ext uri="{D42A27DB-BD31-4B8C-83A1-F6EECF244321}">
-                <p14:modId xmlns:p14="http://schemas.microsoft.com/office/powerpoint/2010/main" val="2161274723"/>
-              </p:ext>
-            </p:extLst>
-          </p:nvPr>
+          <p:nvPr/>
         </p:nvGraphicFramePr>
         <p:xfrm>
-          <a:off x="419450" y="1913589"/>
-          <a:ext cx="10934350" cy="662940"/>
+          <a:off x="1518408" y="2534594"/>
+          <a:ext cx="7197753" cy="1112520"/>
         </p:xfrm>
         <a:graphic>
           <a:graphicData uri="http://schemas.openxmlformats.org/drawingml/2006/table">
             <a:tbl>
-              <a:tblPr>
-                <a:tableStyleId>{3C2FFA5D-87B4-456A-9821-1D502468CF0F}</a:tableStyleId>
+              <a:tblPr firstRow="1" bandRow="1">
+                <a:tableStyleId>{5C22544A-7EE6-4342-B048-85BDC9FD1C3A}</a:tableStyleId>
               </a:tblPr>
               <a:tblGrid>
-                <a:gridCol w="565606">
+                <a:gridCol w="2260832">
                   <a:extLst>
                     <a:ext uri="{9D8B030D-6E8A-4147-A177-3AD203B41FA5}">
-                      <a16:colId xmlns:a16="http://schemas.microsoft.com/office/drawing/2014/main" val="4088909199"/>
+                      <a16:colId xmlns:a16="http://schemas.microsoft.com/office/drawing/2014/main" val="20000"/>
                     </a:ext>
                   </a:extLst>
                 </a:gridCol>
-                <a:gridCol w="1296093">
+                <a:gridCol w="2663505">
                   <a:extLst>
                     <a:ext uri="{9D8B030D-6E8A-4147-A177-3AD203B41FA5}">
-                      <a16:colId xmlns:a16="http://schemas.microsoft.com/office/drawing/2014/main" val="2133004429"/>
+                      <a16:colId xmlns:a16="http://schemas.microsoft.com/office/drawing/2014/main" val="20001"/>
                     </a:ext>
                   </a:extLst>
                 </a:gridCol>
-                <a:gridCol w="1296093">
+                <a:gridCol w="2273416">
                   <a:extLst>
                     <a:ext uri="{9D8B030D-6E8A-4147-A177-3AD203B41FA5}">
-                      <a16:colId xmlns:a16="http://schemas.microsoft.com/office/drawing/2014/main" val="3085285382"/>
-                    </a:ext>
-                  </a:extLst>
-                </a:gridCol>
-                <a:gridCol w="1296093">
-                  <a:extLst>
-                    <a:ext uri="{9D8B030D-6E8A-4147-A177-3AD203B41FA5}">
-                      <a16:colId xmlns:a16="http://schemas.microsoft.com/office/drawing/2014/main" val="1424460401"/>
-                    </a:ext>
-                  </a:extLst>
-                </a:gridCol>
-                <a:gridCol w="1317740">
-                  <a:extLst>
-                    <a:ext uri="{9D8B030D-6E8A-4147-A177-3AD203B41FA5}">
-                      <a16:colId xmlns:a16="http://schemas.microsoft.com/office/drawing/2014/main" val="1101438622"/>
-                    </a:ext>
-                  </a:extLst>
-                </a:gridCol>
-                <a:gridCol w="1274446">
-                  <a:extLst>
-                    <a:ext uri="{9D8B030D-6E8A-4147-A177-3AD203B41FA5}">
-                      <a16:colId xmlns:a16="http://schemas.microsoft.com/office/drawing/2014/main" val="964045834"/>
-                    </a:ext>
-                  </a:extLst>
-                </a:gridCol>
-                <a:gridCol w="1296093">
-                  <a:extLst>
-                    <a:ext uri="{9D8B030D-6E8A-4147-A177-3AD203B41FA5}">
-                      <a16:colId xmlns:a16="http://schemas.microsoft.com/office/drawing/2014/main" val="3482422299"/>
-                    </a:ext>
-                  </a:extLst>
-                </a:gridCol>
-                <a:gridCol w="1296093">
-                  <a:extLst>
-                    <a:ext uri="{9D8B030D-6E8A-4147-A177-3AD203B41FA5}">
-                      <a16:colId xmlns:a16="http://schemas.microsoft.com/office/drawing/2014/main" val="2231898832"/>
-                    </a:ext>
-                  </a:extLst>
-                </a:gridCol>
-                <a:gridCol w="1296093">
-                  <a:extLst>
-                    <a:ext uri="{9D8B030D-6E8A-4147-A177-3AD203B41FA5}">
-                      <a16:colId xmlns:a16="http://schemas.microsoft.com/office/drawing/2014/main" val="3141660668"/>
+                      <a16:colId xmlns:a16="http://schemas.microsoft.com/office/drawing/2014/main" val="20002"/>
                     </a:ext>
                   </a:extLst>
                 </a:gridCol>
               </a:tblGrid>
-              <a:tr h="0">
-                <a:tc>
-                  <a:txBody>
-                    <a:bodyPr/>
-                    <a:lstStyle/>
-                    <a:p>
-                      <a:r>
-                        <a:rPr lang="en-US">
-                          <a:effectLst/>
-                        </a:rPr>
-                        <a:t>id</a:t>
-                      </a:r>
-                      <a:endParaRPr lang="en-US" b="1">
-                        <a:effectLst/>
-                      </a:endParaRPr>
-                    </a:p>
-                  </a:txBody>
-                  <a:tcPr marL="123825" marR="123825" marT="57150" marB="57150" anchor="ctr"/>
-                </a:tc>
-                <a:tc>
-                  <a:txBody>
-                    <a:bodyPr/>
-                    <a:lstStyle/>
-                    <a:p>
-                      <a:r>
-                        <a:rPr lang="en-US">
-                          <a:effectLst/>
-                        </a:rPr>
-                        <a:t>createdDateTime</a:t>
-                      </a:r>
-                      <a:endParaRPr lang="en-US" b="1">
-                        <a:effectLst/>
-                      </a:endParaRPr>
-                    </a:p>
-                  </a:txBody>
-                  <a:tcPr marL="123825" marR="123825" marT="57150" marB="57150" anchor="ctr"/>
-                </a:tc>
-                <a:tc>
-                  <a:txBody>
-                    <a:bodyPr/>
-                    <a:lstStyle/>
-                    <a:p>
-                      <a:r>
-                        <a:rPr lang="en-US">
-                          <a:effectLst/>
-                        </a:rPr>
-                        <a:t>updatedDateTime</a:t>
-                      </a:r>
-                      <a:endParaRPr lang="en-US" b="1">
-                        <a:effectLst/>
-                      </a:endParaRPr>
-                    </a:p>
-                  </a:txBody>
-                  <a:tcPr marL="123825" marR="123825" marT="57150" marB="57150" anchor="ctr"/>
-                </a:tc>
-                <a:tc>
-                  <a:txBody>
-                    <a:bodyPr/>
-                    <a:lstStyle/>
-                    <a:p>
-                      <a:r>
-                        <a:rPr lang="en-US">
-                          <a:effectLst/>
-                        </a:rPr>
-                        <a:t>Content</a:t>
-                      </a:r>
-                      <a:endParaRPr lang="en-US" b="1">
-                        <a:effectLst/>
-                      </a:endParaRPr>
-                    </a:p>
-                  </a:txBody>
-                  <a:tcPr marL="123825" marR="123825" marT="57150" marB="57150" anchor="ctr"/>
-                </a:tc>
-                <a:tc>
-                  <a:txBody>
-                    <a:bodyPr/>
-                    <a:lstStyle/>
-                    <a:p>
-                      <a:r>
-                        <a:rPr lang="en-US">
-                          <a:effectLst/>
-                        </a:rPr>
-                        <a:t>noticeStart</a:t>
-                      </a:r>
-                      <a:endParaRPr lang="en-US" b="1">
-                        <a:effectLst/>
-                      </a:endParaRPr>
-                    </a:p>
-                  </a:txBody>
-                  <a:tcPr marL="123825" marR="123825" marT="57150" marB="57150" anchor="ctr"/>
-                </a:tc>
-                <a:tc>
-                  <a:txBody>
-                    <a:bodyPr/>
-                    <a:lstStyle/>
-                    <a:p>
-                      <a:r>
-                        <a:rPr lang="en-US" dirty="0" err="1">
-                          <a:effectLst/>
-                        </a:rPr>
-                        <a:t>noticeEnd</a:t>
-                      </a:r>
-                      <a:endParaRPr lang="en-US" b="1" dirty="0">
-                        <a:effectLst/>
-                      </a:endParaRPr>
-                    </a:p>
-                  </a:txBody>
-                  <a:tcPr marL="123825" marR="123825" marT="57150" marB="57150" anchor="ctr"/>
-                </a:tc>
-                <a:tc>
-                  <a:txBody>
-                    <a:bodyPr/>
-                    <a:lstStyle/>
-                    <a:p>
-                      <a:r>
-                        <a:rPr lang="en-US">
-                          <a:effectLst/>
-                        </a:rPr>
-                        <a:t>createdBy</a:t>
-                      </a:r>
-                      <a:endParaRPr lang="en-US" b="1">
-                        <a:effectLst/>
-                      </a:endParaRPr>
-                    </a:p>
-                  </a:txBody>
-                  <a:tcPr marL="123825" marR="123825" marT="57150" marB="57150" anchor="ctr"/>
-                </a:tc>
-                <a:tc>
-                  <a:txBody>
-                    <a:bodyPr/>
-                    <a:lstStyle/>
-                    <a:p>
-                      <a:r>
-                        <a:rPr lang="en-US">
-                          <a:effectLst/>
-                        </a:rPr>
-                        <a:t>title</a:t>
-                      </a:r>
-                      <a:endParaRPr lang="en-US" b="1">
-                        <a:effectLst/>
-                      </a:endParaRPr>
-                    </a:p>
-                  </a:txBody>
-                  <a:tcPr marL="123825" marR="123825" marT="57150" marB="57150" anchor="ctr"/>
-                </a:tc>
-                <a:tc>
-                  <a:txBody>
-                    <a:bodyPr/>
-                    <a:lstStyle/>
-                    <a:p>
-                      <a:r>
-                        <a:rPr lang="en-US" dirty="0">
-                          <a:effectLst/>
-                        </a:rPr>
-                        <a:t>deleted</a:t>
-                      </a:r>
-                      <a:endParaRPr lang="en-US" b="1" dirty="0">
-                        <a:effectLst/>
-                      </a:endParaRPr>
-                    </a:p>
-                  </a:txBody>
-                  <a:tcPr marL="123825" marR="123825" marT="57150" marB="57150" anchor="ctr"/>
+              <a:tr h="370840">
+                <a:tc>
+                  <a:txBody>
+                    <a:bodyPr/>
+                    <a:lstStyle/>
+                    <a:p>
+                      <a:pPr latinLnBrk="1"/>
+                      <a:r>
+                        <a:rPr lang="en-US" altLang="ko-KR" dirty="0" err="1"/>
+                        <a:t>mv_departTeam_id</a:t>
+                      </a:r>
+                      <a:endParaRPr lang="ko-KR" altLang="en-US" dirty="0"/>
+                    </a:p>
+                  </a:txBody>
+                  <a:tcPr/>
+                </a:tc>
+                <a:tc>
+                  <a:txBody>
+                    <a:bodyPr/>
+                    <a:lstStyle/>
+                    <a:p>
+                      <a:pPr latinLnBrk="1"/>
+                      <a:r>
+                        <a:rPr lang="en-US" altLang="ko-KR" dirty="0" err="1"/>
+                        <a:t>mv_departmentName</a:t>
+                      </a:r>
+                      <a:endParaRPr lang="ko-KR" altLang="en-US" dirty="0"/>
+                    </a:p>
+                  </a:txBody>
+                  <a:tcPr/>
+                </a:tc>
+                <a:tc>
+                  <a:txBody>
+                    <a:bodyPr/>
+                    <a:lstStyle/>
+                    <a:p>
+                      <a:pPr marL="0" marR="0" lvl="0" indent="0" algn="l" defTabSz="914400" rtl="0" eaLnBrk="1" fontAlgn="auto" latinLnBrk="1" hangingPunct="1">
+                        <a:lnSpc>
+                          <a:spcPct val="100000"/>
+                        </a:lnSpc>
+                        <a:spcBef>
+                          <a:spcPts val="0"/>
+                        </a:spcBef>
+                        <a:spcAft>
+                          <a:spcPts val="0"/>
+                        </a:spcAft>
+                        <a:buClrTx/>
+                        <a:buSzTx/>
+                        <a:buFontTx/>
+                        <a:buNone/>
+                        <a:defRPr/>
+                      </a:pPr>
+                      <a:r>
+                        <a:rPr lang="en-US" altLang="ko-KR" dirty="0" err="1"/>
+                        <a:t>mv_teamName</a:t>
+                      </a:r>
+                      <a:endParaRPr lang="ko-KR" altLang="en-US" dirty="0"/>
+                    </a:p>
+                  </a:txBody>
+                  <a:tcPr/>
                 </a:tc>
                 <a:extLst>
                   <a:ext uri="{0D108BD9-81ED-4DB2-BD59-A6C34878D82A}">
-                    <a16:rowId xmlns:a16="http://schemas.microsoft.com/office/drawing/2014/main" val="2491372424"/>
+                    <a16:rowId xmlns:a16="http://schemas.microsoft.com/office/drawing/2014/main" val="10000"/>
+                  </a:ext>
+                </a:extLst>
+              </a:tr>
+              <a:tr h="370840">
+                <a:tc>
+                  <a:txBody>
+                    <a:bodyPr/>
+                    <a:lstStyle/>
+                    <a:p>
+                      <a:pPr latinLnBrk="1"/>
+                      <a:endParaRPr lang="ko-KR" altLang="en-US" dirty="0"/>
+                    </a:p>
+                  </a:txBody>
+                  <a:tcPr/>
+                </a:tc>
+                <a:tc>
+                  <a:txBody>
+                    <a:bodyPr/>
+                    <a:lstStyle/>
+                    <a:p>
+                      <a:pPr latinLnBrk="1"/>
+                      <a:endParaRPr lang="ko-KR" altLang="en-US" dirty="0"/>
+                    </a:p>
+                  </a:txBody>
+                  <a:tcPr/>
+                </a:tc>
+                <a:tc>
+                  <a:txBody>
+                    <a:bodyPr/>
+                    <a:lstStyle/>
+                    <a:p>
+                      <a:pPr latinLnBrk="1"/>
+                      <a:endParaRPr lang="ko-KR" altLang="en-US" dirty="0"/>
+                    </a:p>
+                  </a:txBody>
+                  <a:tcPr/>
+                </a:tc>
+                <a:extLst>
+                  <a:ext uri="{0D108BD9-81ED-4DB2-BD59-A6C34878D82A}">
+                    <a16:rowId xmlns:a16="http://schemas.microsoft.com/office/drawing/2014/main" val="10001"/>
+                  </a:ext>
+                </a:extLst>
+              </a:tr>
+              <a:tr h="370840">
+                <a:tc>
+                  <a:txBody>
+                    <a:bodyPr/>
+                    <a:lstStyle/>
+                    <a:p>
+                      <a:pPr latinLnBrk="1"/>
+                      <a:endParaRPr lang="ko-KR" altLang="en-US" dirty="0"/>
+                    </a:p>
+                  </a:txBody>
+                  <a:tcPr/>
+                </a:tc>
+                <a:tc>
+                  <a:txBody>
+                    <a:bodyPr/>
+                    <a:lstStyle/>
+                    <a:p>
+                      <a:pPr latinLnBrk="1"/>
+                      <a:endParaRPr lang="ko-KR" altLang="en-US" dirty="0"/>
+                    </a:p>
+                  </a:txBody>
+                  <a:tcPr/>
+                </a:tc>
+                <a:tc>
+                  <a:txBody>
+                    <a:bodyPr/>
+                    <a:lstStyle/>
+                    <a:p>
+                      <a:pPr latinLnBrk="1"/>
+                      <a:endParaRPr lang="ko-KR" altLang="en-US" dirty="0"/>
+                    </a:p>
+                  </a:txBody>
+                  <a:tcPr/>
+                </a:tc>
+                <a:extLst>
+                  <a:ext uri="{0D108BD9-81ED-4DB2-BD59-A6C34878D82A}">
+                    <a16:rowId xmlns:a16="http://schemas.microsoft.com/office/drawing/2014/main" val="10002"/>
                   </a:ext>
                 </a:extLst>
               </a:tr>
@@ -7589,11 +7383,6 @@
         </a:graphic>
       </p:graphicFrame>
     </p:spTree>
-    <p:extLst>
-      <p:ext uri="{BB962C8B-B14F-4D97-AF65-F5344CB8AC3E}">
-        <p14:creationId xmlns:p14="http://schemas.microsoft.com/office/powerpoint/2010/main" val="1804378113"/>
-      </p:ext>
-    </p:extLst>
   </p:cSld>
   <p:clrMapOvr>
     <a:masterClrMapping/>
@@ -7620,13 +7409,7 @@
       </p:grpSpPr>
       <p:sp>
         <p:nvSpPr>
-          <p:cNvPr id="2" name="제목 1">
-            <a:extLst>
-              <a:ext uri="{FF2B5EF4-FFF2-40B4-BE49-F238E27FC236}">
-                <a16:creationId xmlns:a16="http://schemas.microsoft.com/office/drawing/2014/main" id="{C8CFED84-C5F2-4E31-8E3A-228E454D12C2}"/>
-              </a:ext>
-            </a:extLst>
-          </p:cNvPr>
+          <p:cNvPr id="2" name="제목 1"/>
           <p:cNvSpPr>
             <a:spLocks noGrp="1"/>
           </p:cNvSpPr>
@@ -7641,7 +7424,7 @@
           <a:p>
             <a:r>
               <a:rPr lang="en-US" altLang="ko-KR" dirty="0" err="1"/>
-              <a:t>mv_designActualPurchasedContents</a:t>
+              <a:t>mv_file</a:t>
             </a:r>
             <a:endParaRPr lang="ko-KR" altLang="en-US" dirty="0"/>
           </a:p>
@@ -7649,626 +7432,724 @@
       </p:sp>
       <p:graphicFrame>
         <p:nvGraphicFramePr>
-          <p:cNvPr id="5" name="표 4">
-            <a:extLst>
-              <a:ext uri="{FF2B5EF4-FFF2-40B4-BE49-F238E27FC236}">
-                <a16:creationId xmlns:a16="http://schemas.microsoft.com/office/drawing/2014/main" id="{6686CDE9-6927-4FE5-AB92-17E8C0C5C8D8}"/>
-              </a:ext>
-            </a:extLst>
-          </p:cNvPr>
+          <p:cNvPr id="3" name="표 3"/>
           <p:cNvGraphicFramePr>
             <a:graphicFrameLocks noGrp="1"/>
           </p:cNvGraphicFramePr>
-          <p:nvPr>
-            <p:extLst>
-              <p:ext uri="{D42A27DB-BD31-4B8C-83A1-F6EECF244321}">
-                <p14:modId xmlns:p14="http://schemas.microsoft.com/office/powerpoint/2010/main" val="3540576944"/>
-              </p:ext>
-            </p:extLst>
-          </p:nvPr>
+          <p:nvPr/>
         </p:nvGraphicFramePr>
         <p:xfrm>
-          <a:off x="293615" y="2811623"/>
-          <a:ext cx="10945395" cy="1314450"/>
+          <a:off x="226504" y="1917269"/>
+          <a:ext cx="11262369" cy="2583180"/>
         </p:xfrm>
         <a:graphic>
           <a:graphicData uri="http://schemas.openxmlformats.org/drawingml/2006/table">
             <a:tbl>
-              <a:tblPr>
-                <a:tableStyleId>{69CF1AB2-1976-4502-BF36-3FF5EA218861}</a:tableStyleId>
+              <a:tblPr firstRow="1" bandRow="1">
+                <a:tableStyleId>{5C22544A-7EE6-4342-B048-85BDC9FD1C3A}</a:tableStyleId>
               </a:tblPr>
               <a:tblGrid>
-                <a:gridCol w="369115">
+                <a:gridCol w="661887">
                   <a:extLst>
                     <a:ext uri="{9D8B030D-6E8A-4147-A177-3AD203B41FA5}">
-                      <a16:colId xmlns:a16="http://schemas.microsoft.com/office/drawing/2014/main" val="3925778353"/>
+                      <a16:colId xmlns:a16="http://schemas.microsoft.com/office/drawing/2014/main" val="20000"/>
                     </a:ext>
                   </a:extLst>
                 </a:gridCol>
-                <a:gridCol w="746620">
+                <a:gridCol w="1057855">
                   <a:extLst>
                     <a:ext uri="{9D8B030D-6E8A-4147-A177-3AD203B41FA5}">
-                      <a16:colId xmlns:a16="http://schemas.microsoft.com/office/drawing/2014/main" val="1476682936"/>
+                      <a16:colId xmlns:a16="http://schemas.microsoft.com/office/drawing/2014/main" val="20001"/>
                     </a:ext>
                   </a:extLst>
                 </a:gridCol>
-                <a:gridCol w="880845">
+                <a:gridCol w="671119">
                   <a:extLst>
                     <a:ext uri="{9D8B030D-6E8A-4147-A177-3AD203B41FA5}">
-                      <a16:colId xmlns:a16="http://schemas.microsoft.com/office/drawing/2014/main" val="3443170364"/>
+                      <a16:colId xmlns:a16="http://schemas.microsoft.com/office/drawing/2014/main" val="20002"/>
                     </a:ext>
                   </a:extLst>
                 </a:gridCol>
-                <a:gridCol w="922192">
+                <a:gridCol w="730958">
                   <a:extLst>
                     <a:ext uri="{9D8B030D-6E8A-4147-A177-3AD203B41FA5}">
-                      <a16:colId xmlns:a16="http://schemas.microsoft.com/office/drawing/2014/main" val="2400839873"/>
+                      <a16:colId xmlns:a16="http://schemas.microsoft.com/office/drawing/2014/main" val="20003"/>
                     </a:ext>
                   </a:extLst>
                 </a:gridCol>
-                <a:gridCol w="629771">
+                <a:gridCol w="806638">
                   <a:extLst>
                     <a:ext uri="{9D8B030D-6E8A-4147-A177-3AD203B41FA5}">
-                      <a16:colId xmlns:a16="http://schemas.microsoft.com/office/drawing/2014/main" val="4239801361"/>
+                      <a16:colId xmlns:a16="http://schemas.microsoft.com/office/drawing/2014/main" val="20004"/>
                     </a:ext>
                   </a:extLst>
                 </a:gridCol>
-                <a:gridCol w="829615">
+                <a:gridCol w="1219022">
                   <a:extLst>
                     <a:ext uri="{9D8B030D-6E8A-4147-A177-3AD203B41FA5}">
-                      <a16:colId xmlns:a16="http://schemas.microsoft.com/office/drawing/2014/main" val="3371338118"/>
+                      <a16:colId xmlns:a16="http://schemas.microsoft.com/office/drawing/2014/main" val="20005"/>
                     </a:ext>
                   </a:extLst>
                 </a:gridCol>
-                <a:gridCol w="1023318">
+                <a:gridCol w="1282465">
                   <a:extLst>
                     <a:ext uri="{9D8B030D-6E8A-4147-A177-3AD203B41FA5}">
-                      <a16:colId xmlns:a16="http://schemas.microsoft.com/office/drawing/2014/main" val="1983018827"/>
+                      <a16:colId xmlns:a16="http://schemas.microsoft.com/office/drawing/2014/main" val="20006"/>
                     </a:ext>
                   </a:extLst>
                 </a:gridCol>
-                <a:gridCol w="605041">
+                <a:gridCol w="799086">
                   <a:extLst>
                     <a:ext uri="{9D8B030D-6E8A-4147-A177-3AD203B41FA5}">
-                      <a16:colId xmlns:a16="http://schemas.microsoft.com/office/drawing/2014/main" val="1073813871"/>
+                      <a16:colId xmlns:a16="http://schemas.microsoft.com/office/drawing/2014/main" val="20007"/>
                     </a:ext>
                   </a:extLst>
                 </a:gridCol>
-                <a:gridCol w="560720">
+                <a:gridCol w="750775">
                   <a:extLst>
                     <a:ext uri="{9D8B030D-6E8A-4147-A177-3AD203B41FA5}">
-                      <a16:colId xmlns:a16="http://schemas.microsoft.com/office/drawing/2014/main" val="559471346"/>
+                      <a16:colId xmlns:a16="http://schemas.microsoft.com/office/drawing/2014/main" val="20008"/>
                     </a:ext>
                   </a:extLst>
                 </a:gridCol>
-                <a:gridCol w="729693">
+                <a:gridCol w="959038">
                   <a:extLst>
                     <a:ext uri="{9D8B030D-6E8A-4147-A177-3AD203B41FA5}">
-                      <a16:colId xmlns:a16="http://schemas.microsoft.com/office/drawing/2014/main" val="3808999342"/>
+                      <a16:colId xmlns:a16="http://schemas.microsoft.com/office/drawing/2014/main" val="20009"/>
                     </a:ext>
                   </a:extLst>
                 </a:gridCol>
-                <a:gridCol w="729693">
+                <a:gridCol w="1161763">
                   <a:extLst>
                     <a:ext uri="{9D8B030D-6E8A-4147-A177-3AD203B41FA5}">
-                      <a16:colId xmlns:a16="http://schemas.microsoft.com/office/drawing/2014/main" val="3899793173"/>
+                      <a16:colId xmlns:a16="http://schemas.microsoft.com/office/drawing/2014/main" val="20010"/>
                     </a:ext>
                   </a:extLst>
                 </a:gridCol>
-                <a:gridCol w="729693">
+                <a:gridCol w="1161763">
                   <a:extLst>
                     <a:ext uri="{9D8B030D-6E8A-4147-A177-3AD203B41FA5}">
-                      <a16:colId xmlns:a16="http://schemas.microsoft.com/office/drawing/2014/main" val="1754139532"/>
-                    </a:ext>
-                  </a:extLst>
-                </a:gridCol>
-                <a:gridCol w="614186">
-                  <a:extLst>
-                    <a:ext uri="{9D8B030D-6E8A-4147-A177-3AD203B41FA5}">
-                      <a16:colId xmlns:a16="http://schemas.microsoft.com/office/drawing/2014/main" val="1766920179"/>
-                    </a:ext>
-                  </a:extLst>
-                </a:gridCol>
-                <a:gridCol w="845200">
-                  <a:extLst>
-                    <a:ext uri="{9D8B030D-6E8A-4147-A177-3AD203B41FA5}">
-                      <a16:colId xmlns:a16="http://schemas.microsoft.com/office/drawing/2014/main" val="2687394401"/>
-                    </a:ext>
-                  </a:extLst>
-                </a:gridCol>
-                <a:gridCol w="729693">
-                  <a:extLst>
-                    <a:ext uri="{9D8B030D-6E8A-4147-A177-3AD203B41FA5}">
-                      <a16:colId xmlns:a16="http://schemas.microsoft.com/office/drawing/2014/main" val="1949135415"/>
+                      <a16:colId xmlns:a16="http://schemas.microsoft.com/office/drawing/2014/main" val="20011"/>
                     </a:ext>
                   </a:extLst>
                 </a:gridCol>
               </a:tblGrid>
-              <a:tr h="657225">
-                <a:tc>
-                  <a:txBody>
-                    <a:bodyPr/>
-                    <a:lstStyle/>
-                    <a:p>
-                      <a:r>
-                        <a:rPr lang="en-US" sz="800">
+              <a:tr h="0">
+                <a:tc>
+                  <a:txBody>
+                    <a:bodyPr/>
+                    <a:lstStyle/>
+                    <a:p>
+                      <a:r>
+                        <a:rPr lang="en-US" b="1">
                           <a:effectLst/>
                         </a:rPr>
-                        <a:t>id</a:t>
-                      </a:r>
-                      <a:endParaRPr lang="en-US" sz="800" b="1">
+                        <a:t>fileName</a:t>
+                      </a:r>
+                    </a:p>
+                  </a:txBody>
+                  <a:tcPr marL="123825" marR="123825" marT="57150" marB="57150" anchor="ctr"/>
+                </a:tc>
+                <a:tc>
+                  <a:txBody>
+                    <a:bodyPr/>
+                    <a:lstStyle/>
+                    <a:p>
+                      <a:r>
+                        <a:rPr lang="en-US" b="1" dirty="0" err="1">
+                          <a:effectLst/>
+                        </a:rPr>
+                        <a:t>fileUploadType</a:t>
+                      </a:r>
+                      <a:endParaRPr lang="en-US" b="1" dirty="0">
                         <a:effectLst/>
                       </a:endParaRPr>
                     </a:p>
                   </a:txBody>
-                  <a:tcPr marL="54769" marR="54769" marT="25278" marB="25278" anchor="ctr"/>
-                </a:tc>
-                <a:tc>
-                  <a:txBody>
-                    <a:bodyPr/>
-                    <a:lstStyle/>
-                    <a:p>
-                      <a:r>
-                        <a:rPr lang="en-US" sz="800">
+                  <a:tcPr marL="123825" marR="123825" marT="57150" marB="57150" anchor="ctr"/>
+                </a:tc>
+                <a:tc>
+                  <a:txBody>
+                    <a:bodyPr/>
+                    <a:lstStyle/>
+                    <a:p>
+                      <a:r>
+                        <a:rPr lang="en-US" b="1" dirty="0" err="1">
                           <a:effectLst/>
                         </a:rPr>
-                        <a:t>productYear</a:t>
-                      </a:r>
-                      <a:endParaRPr lang="en-US" sz="800" b="1">
+                        <a:t>fileSize</a:t>
+                      </a:r>
+                      <a:endParaRPr lang="en-US" b="1" dirty="0">
                         <a:effectLst/>
                       </a:endParaRPr>
                     </a:p>
                   </a:txBody>
-                  <a:tcPr marL="54769" marR="54769" marT="25278" marB="25278" anchor="ctr"/>
-                </a:tc>
-                <a:tc>
-                  <a:txBody>
-                    <a:bodyPr/>
-                    <a:lstStyle/>
-                    <a:p>
-                      <a:r>
-                        <a:rPr lang="en-US" sz="800">
+                  <a:tcPr marL="123825" marR="123825" marT="57150" marB="57150" anchor="ctr"/>
+                </a:tc>
+                <a:tc>
+                  <a:txBody>
+                    <a:bodyPr/>
+                    <a:lstStyle/>
+                    <a:p>
+                      <a:r>
+                        <a:rPr lang="en-US" b="1" dirty="0" err="1">
                           <a:effectLst/>
                         </a:rPr>
-                        <a:t>accountingYear</a:t>
-                      </a:r>
-                      <a:endParaRPr lang="en-US" sz="800" b="1">
+                        <a:t>fileStorageType</a:t>
+                      </a:r>
+                      <a:endParaRPr lang="en-US" b="1" dirty="0">
                         <a:effectLst/>
                       </a:endParaRPr>
                     </a:p>
                   </a:txBody>
-                  <a:tcPr marL="54769" marR="54769" marT="25278" marB="25278" anchor="ctr"/>
-                </a:tc>
-                <a:tc>
-                  <a:txBody>
-                    <a:bodyPr/>
-                    <a:lstStyle/>
-                    <a:p>
-                      <a:r>
-                        <a:rPr lang="en-US" sz="800" dirty="0" err="1">
+                  <a:tcPr marL="123825" marR="123825" marT="57150" marB="57150" anchor="ctr"/>
+                </a:tc>
+                <a:tc>
+                  <a:txBody>
+                    <a:bodyPr/>
+                    <a:lstStyle/>
+                    <a:p>
+                      <a:r>
+                        <a:rPr lang="en-US" b="1">
                           <a:effectLst/>
                         </a:rPr>
-                        <a:t>purchasing_Date</a:t>
-                      </a:r>
-                      <a:endParaRPr lang="en-US" sz="800" b="1" dirty="0">
+                        <a:t>uploadDate</a:t>
+                      </a:r>
+                    </a:p>
+                  </a:txBody>
+                  <a:tcPr marL="123825" marR="123825" marT="57150" marB="57150" anchor="ctr"/>
+                </a:tc>
+                <a:tc>
+                  <a:txBody>
+                    <a:bodyPr/>
+                    <a:lstStyle/>
+                    <a:p>
+                      <a:r>
+                        <a:rPr lang="en-US" b="1">
+                          <a:effectLst/>
+                        </a:rPr>
+                        <a:t>uploadStatus</a:t>
+                      </a:r>
+                    </a:p>
+                  </a:txBody>
+                  <a:tcPr marL="123825" marR="123825" marT="57150" marB="57150" anchor="ctr"/>
+                </a:tc>
+                <a:tc>
+                  <a:txBody>
+                    <a:bodyPr/>
+                    <a:lstStyle/>
+                    <a:p>
+                      <a:r>
+                        <a:rPr lang="en-US" b="1">
+                          <a:effectLst/>
+                        </a:rPr>
+                        <a:t>validDate</a:t>
+                      </a:r>
+                    </a:p>
+                  </a:txBody>
+                  <a:tcPr marL="123825" marR="123825" marT="57150" marB="57150" anchor="ctr"/>
+                </a:tc>
+                <a:tc>
+                  <a:txBody>
+                    <a:bodyPr/>
+                    <a:lstStyle/>
+                    <a:p>
+                      <a:r>
+                        <a:rPr lang="en-US" b="1" dirty="0" err="1">
+                          <a:effectLst/>
+                        </a:rPr>
+                        <a:t>validStatus</a:t>
+                      </a:r>
+                      <a:endParaRPr lang="en-US" b="1" dirty="0">
                         <a:effectLst/>
                       </a:endParaRPr>
                     </a:p>
                   </a:txBody>
-                  <a:tcPr marL="54769" marR="54769" marT="25278" marB="25278" anchor="ctr"/>
-                </a:tc>
-                <a:tc>
-                  <a:txBody>
-                    <a:bodyPr/>
-                    <a:lstStyle/>
-                    <a:p>
-                      <a:r>
-                        <a:rPr lang="en-US" sz="800" dirty="0">
+                  <a:tcPr marL="123825" marR="123825" marT="57150" marB="57150" anchor="ctr"/>
+                </a:tc>
+                <a:tc>
+                  <a:txBody>
+                    <a:bodyPr/>
+                    <a:lstStyle/>
+                    <a:p>
+                      <a:r>
+                        <a:rPr lang="en-US" b="1">
                           <a:effectLst/>
                         </a:rPr>
-                        <a:t>purchaser</a:t>
-                      </a:r>
-                      <a:endParaRPr lang="en-US" sz="800" b="1" dirty="0">
+                        <a:t>warehousingDate</a:t>
+                      </a:r>
+                    </a:p>
+                  </a:txBody>
+                  <a:tcPr marL="123825" marR="123825" marT="57150" marB="57150" anchor="ctr"/>
+                </a:tc>
+                <a:tc>
+                  <a:txBody>
+                    <a:bodyPr/>
+                    <a:lstStyle/>
+                    <a:p>
+                      <a:r>
+                        <a:rPr lang="en-US" b="1">
+                          <a:effectLst/>
+                        </a:rPr>
+                        <a:t>warehousingStatus</a:t>
+                      </a:r>
+                    </a:p>
+                  </a:txBody>
+                  <a:tcPr marL="123825" marR="123825" marT="57150" marB="57150" anchor="ctr"/>
+                </a:tc>
+                <a:tc>
+                  <a:txBody>
+                    <a:bodyPr/>
+                    <a:lstStyle/>
+                    <a:p>
+                      <a:r>
+                        <a:rPr lang="en-US" b="1" dirty="0">
+                          <a:effectLst/>
+                        </a:rPr>
+                        <a:t>path</a:t>
+                      </a:r>
+                    </a:p>
+                  </a:txBody>
+                  <a:tcPr marL="123825" marR="123825" marT="57150" marB="57150" anchor="ctr"/>
+                </a:tc>
+                <a:tc>
+                  <a:txBody>
+                    <a:bodyPr/>
+                    <a:lstStyle/>
+                    <a:p>
+                      <a:r>
+                        <a:rPr lang="en-US" b="1" dirty="0" err="1">
+                          <a:effectLst/>
+                        </a:rPr>
+                        <a:t>uploadUser_id</a:t>
+                      </a:r>
+                      <a:endParaRPr lang="en-US" b="1" dirty="0">
                         <a:effectLst/>
                       </a:endParaRPr>
                     </a:p>
                   </a:txBody>
-                  <a:tcPr marL="54769" marR="54769" marT="25278" marB="25278" anchor="ctr"/>
-                </a:tc>
-                <a:tc>
-                  <a:txBody>
-                    <a:bodyPr/>
-                    <a:lstStyle/>
-                    <a:p>
-                      <a:r>
-                        <a:rPr lang="en-US" sz="800">
-                          <a:effectLst/>
-                        </a:rPr>
-                        <a:t>contractInfo_id</a:t>
-                      </a:r>
-                      <a:endParaRPr lang="en-US" sz="800" b="1">
-                        <a:effectLst/>
-                      </a:endParaRPr>
-                    </a:p>
-                  </a:txBody>
-                  <a:tcPr marL="54769" marR="54769" marT="25278" marB="25278" anchor="ctr"/>
-                </a:tc>
-                <a:tc>
-                  <a:txBody>
-                    <a:bodyPr/>
-                    <a:lstStyle/>
-                    <a:p>
-                      <a:r>
-                        <a:rPr lang="en-US" sz="800">
-                          <a:effectLst/>
-                        </a:rPr>
-                        <a:t>contractDistinction_ItemDistinction_Meta_Info_id</a:t>
-                      </a:r>
-                      <a:endParaRPr lang="en-US" sz="800" b="1">
-                        <a:effectLst/>
-                      </a:endParaRPr>
-                    </a:p>
-                  </a:txBody>
-                  <a:tcPr marL="54769" marR="54769" marT="25278" marB="25278" anchor="ctr"/>
-                </a:tc>
-                <a:tc>
-                  <a:txBody>
-                    <a:bodyPr/>
-                    <a:lstStyle/>
-                    <a:p>
-                      <a:r>
-                        <a:rPr lang="en-US" sz="800">
-                          <a:effectLst/>
-                        </a:rPr>
-                        <a:t>jobClassification</a:t>
-                      </a:r>
-                      <a:endParaRPr lang="en-US" sz="800" b="1">
-                        <a:effectLst/>
-                      </a:endParaRPr>
-                    </a:p>
-                  </a:txBody>
-                  <a:tcPr marL="54769" marR="54769" marT="25278" marB="25278" anchor="ctr"/>
-                </a:tc>
-                <a:tc>
-                  <a:txBody>
-                    <a:bodyPr/>
-                    <a:lstStyle/>
-                    <a:p>
-                      <a:r>
-                        <a:rPr lang="en-US" sz="800" dirty="0">
-                          <a:effectLst/>
-                        </a:rPr>
-                        <a:t>item</a:t>
-                      </a:r>
-                      <a:endParaRPr lang="en-US" sz="800" b="1" dirty="0">
-                        <a:effectLst/>
-                      </a:endParaRPr>
-                    </a:p>
-                  </a:txBody>
-                  <a:tcPr marL="54769" marR="54769" marT="25278" marB="25278" anchor="ctr"/>
-                </a:tc>
-                <a:tc>
-                  <a:txBody>
-                    <a:bodyPr/>
-                    <a:lstStyle/>
-                    <a:p>
-                      <a:r>
-                        <a:rPr lang="en-US" sz="800">
-                          <a:effectLst/>
-                        </a:rPr>
-                        <a:t>unitPrice</a:t>
-                      </a:r>
-                      <a:endParaRPr lang="en-US" sz="800" b="1">
-                        <a:effectLst/>
-                      </a:endParaRPr>
-                    </a:p>
-                  </a:txBody>
-                  <a:tcPr marL="54769" marR="54769" marT="25278" marB="25278" anchor="ctr"/>
-                </a:tc>
-                <a:tc>
-                  <a:txBody>
-                    <a:bodyPr/>
-                    <a:lstStyle/>
-                    <a:p>
-                      <a:r>
-                        <a:rPr lang="en-US" sz="800" dirty="0" err="1">
-                          <a:effectLst/>
-                        </a:rPr>
-                        <a:t>warehousingAmount</a:t>
-                      </a:r>
-                      <a:endParaRPr lang="en-US" sz="800" b="1" dirty="0">
-                        <a:effectLst/>
-                      </a:endParaRPr>
-                    </a:p>
-                  </a:txBody>
-                  <a:tcPr marL="54769" marR="54769" marT="25278" marB="25278" anchor="ctr"/>
-                </a:tc>
-                <a:tc>
-                  <a:txBody>
-                    <a:bodyPr/>
-                    <a:lstStyle/>
-                    <a:p>
-                      <a:r>
-                        <a:rPr lang="en-US" sz="800" dirty="0" err="1">
-                          <a:effectLst/>
-                        </a:rPr>
-                        <a:t>warehousingSumOfMoney</a:t>
-                      </a:r>
-                      <a:endParaRPr lang="en-US" sz="800" b="1" dirty="0">
-                        <a:effectLst/>
-                      </a:endParaRPr>
-                    </a:p>
-                  </a:txBody>
-                  <a:tcPr marL="54769" marR="54769" marT="25278" marB="25278" anchor="ctr"/>
-                </a:tc>
-                <a:tc>
-                  <a:txBody>
-                    <a:bodyPr/>
-                    <a:lstStyle/>
-                    <a:p>
-                      <a:r>
-                        <a:rPr lang="en-US" sz="800">
-                          <a:effectLst/>
-                        </a:rPr>
-                        <a:t>warehousingSumOfMoney_VATIncluding</a:t>
-                      </a:r>
-                      <a:endParaRPr lang="en-US" sz="800" b="1">
-                        <a:effectLst/>
-                      </a:endParaRPr>
-                    </a:p>
-                  </a:txBody>
-                  <a:tcPr marL="54769" marR="54769" marT="25278" marB="25278" anchor="ctr"/>
-                </a:tc>
-                <a:tc>
-                  <a:txBody>
-                    <a:bodyPr/>
-                    <a:lstStyle/>
-                    <a:p>
-                      <a:r>
-                        <a:rPr lang="en-US" sz="800" dirty="0" err="1">
-                          <a:effectLst/>
-                        </a:rPr>
-                        <a:t>purchased_Enter</a:t>
-                      </a:r>
-                      <a:endParaRPr lang="en-US" sz="800" b="1" dirty="0">
-                        <a:effectLst/>
-                      </a:endParaRPr>
-                    </a:p>
-                  </a:txBody>
-                  <a:tcPr marL="54769" marR="54769" marT="25278" marB="25278" anchor="ctr"/>
-                </a:tc>
-                <a:tc>
-                  <a:txBody>
-                    <a:bodyPr/>
-                    <a:lstStyle/>
-                    <a:p>
-                      <a:r>
-                        <a:rPr lang="en-US" sz="800" dirty="0">
-                          <a:effectLst/>
-                        </a:rPr>
-                        <a:t>comment</a:t>
-                      </a:r>
-                      <a:endParaRPr lang="en-US" sz="800" b="1" dirty="0">
-                        <a:effectLst/>
-                      </a:endParaRPr>
-                    </a:p>
-                  </a:txBody>
-                  <a:tcPr marL="54769" marR="54769" marT="25278" marB="25278" anchor="ctr"/>
+                  <a:tcPr marL="123825" marR="123825" marT="57150" marB="57150" anchor="ctr"/>
                 </a:tc>
                 <a:extLst>
                   <a:ext uri="{0D108BD9-81ED-4DB2-BD59-A6C34878D82A}">
-                    <a16:rowId xmlns:a16="http://schemas.microsoft.com/office/drawing/2014/main" val="1411003329"/>
+                    <a16:rowId xmlns:a16="http://schemas.microsoft.com/office/drawing/2014/main" val="10000"/>
                   </a:ext>
                 </a:extLst>
               </a:tr>
-              <a:tr h="657225">
-                <a:tc>
-                  <a:txBody>
-                    <a:bodyPr/>
-                    <a:lstStyle/>
-                    <a:p>
-                      <a:r>
-                        <a:rPr lang="en-US" sz="800" b="1" dirty="0">
-                          <a:effectLst/>
-                        </a:rPr>
-                        <a:t>PK</a:t>
-                      </a:r>
-                    </a:p>
-                  </a:txBody>
-                  <a:tcPr marL="54769" marR="54769" marT="25278" marB="25278" anchor="ctr"/>
-                </a:tc>
-                <a:tc>
-                  <a:txBody>
-                    <a:bodyPr/>
-                    <a:lstStyle/>
-                    <a:p>
-                      <a:endParaRPr lang="en-US" sz="800" b="1">
-                        <a:effectLst/>
-                      </a:endParaRPr>
-                    </a:p>
-                  </a:txBody>
-                  <a:tcPr marL="54769" marR="54769" marT="25278" marB="25278" anchor="ctr"/>
-                </a:tc>
-                <a:tc>
-                  <a:txBody>
-                    <a:bodyPr/>
-                    <a:lstStyle/>
-                    <a:p>
-                      <a:endParaRPr lang="en-US" sz="800" b="1">
-                        <a:effectLst/>
-                      </a:endParaRPr>
-                    </a:p>
-                  </a:txBody>
-                  <a:tcPr marL="54769" marR="54769" marT="25278" marB="25278" anchor="ctr"/>
-                </a:tc>
-                <a:tc>
-                  <a:txBody>
-                    <a:bodyPr/>
-                    <a:lstStyle/>
-                    <a:p>
-                      <a:endParaRPr lang="en-US" sz="800" b="1" dirty="0">
-                        <a:effectLst/>
-                      </a:endParaRPr>
-                    </a:p>
-                  </a:txBody>
-                  <a:tcPr marL="54769" marR="54769" marT="25278" marB="25278" anchor="ctr"/>
-                </a:tc>
-                <a:tc>
-                  <a:txBody>
-                    <a:bodyPr/>
-                    <a:lstStyle/>
-                    <a:p>
-                      <a:r>
-                        <a:rPr lang="en-US" sz="800" b="1" dirty="0">
-                          <a:effectLst/>
-                        </a:rPr>
-                        <a:t>FK(</a:t>
-                      </a:r>
-                      <a:r>
-                        <a:rPr lang="en-US" sz="800" b="1" dirty="0" err="1">
-                          <a:effectLst/>
-                        </a:rPr>
-                        <a:t>mv_employee_login_id</a:t>
-                      </a:r>
-                      <a:r>
-                        <a:rPr lang="en-US" sz="800" b="1" dirty="0">
-                          <a:effectLst/>
-                        </a:rPr>
-                        <a:t>)</a:t>
-                      </a:r>
-                    </a:p>
-                  </a:txBody>
-                  <a:tcPr marL="54769" marR="54769" marT="25278" marB="25278" anchor="ctr"/>
-                </a:tc>
-                <a:tc>
-                  <a:txBody>
-                    <a:bodyPr/>
-                    <a:lstStyle/>
-                    <a:p>
-                      <a:endParaRPr lang="en-US" sz="800" b="1">
-                        <a:effectLst/>
-                      </a:endParaRPr>
-                    </a:p>
-                  </a:txBody>
-                  <a:tcPr marL="54769" marR="54769" marT="25278" marB="25278" anchor="ctr"/>
-                </a:tc>
-                <a:tc>
-                  <a:txBody>
-                    <a:bodyPr/>
-                    <a:lstStyle/>
-                    <a:p>
-                      <a:r>
-                        <a:rPr lang="en-US" sz="800" b="1" dirty="0">
-                          <a:effectLst/>
-                        </a:rPr>
-                        <a:t>FK</a:t>
-                      </a:r>
-                    </a:p>
-                  </a:txBody>
-                  <a:tcPr marL="54769" marR="54769" marT="25278" marB="25278" anchor="ctr"/>
-                </a:tc>
-                <a:tc>
-                  <a:txBody>
-                    <a:bodyPr/>
-                    <a:lstStyle/>
-                    <a:p>
-                      <a:r>
-                        <a:rPr lang="en-US" sz="800" b="1" dirty="0">
-                          <a:effectLst/>
-                        </a:rPr>
-                        <a:t>FK</a:t>
-                      </a:r>
-                    </a:p>
-                  </a:txBody>
-                  <a:tcPr marL="54769" marR="54769" marT="25278" marB="25278" anchor="ctr"/>
-                </a:tc>
-                <a:tc>
-                  <a:txBody>
-                    <a:bodyPr/>
-                    <a:lstStyle/>
-                    <a:p>
-                      <a:endParaRPr lang="en-US" sz="800" b="1" dirty="0">
-                        <a:effectLst/>
-                      </a:endParaRPr>
-                    </a:p>
-                  </a:txBody>
-                  <a:tcPr marL="54769" marR="54769" marT="25278" marB="25278" anchor="ctr"/>
-                </a:tc>
-                <a:tc>
-                  <a:txBody>
-                    <a:bodyPr/>
-                    <a:lstStyle/>
-                    <a:p>
-                      <a:endParaRPr lang="en-US" sz="800" b="1">
-                        <a:effectLst/>
-                      </a:endParaRPr>
-                    </a:p>
-                  </a:txBody>
-                  <a:tcPr marL="54769" marR="54769" marT="25278" marB="25278" anchor="ctr"/>
-                </a:tc>
-                <a:tc>
-                  <a:txBody>
-                    <a:bodyPr/>
-                    <a:lstStyle/>
-                    <a:p>
-                      <a:endParaRPr lang="en-US" sz="800" b="1" dirty="0">
-                        <a:effectLst/>
-                      </a:endParaRPr>
-                    </a:p>
-                  </a:txBody>
-                  <a:tcPr marL="54769" marR="54769" marT="25278" marB="25278" anchor="ctr"/>
-                </a:tc>
-                <a:tc>
-                  <a:txBody>
-                    <a:bodyPr/>
-                    <a:lstStyle/>
-                    <a:p>
-                      <a:endParaRPr lang="en-US" sz="800" b="1" dirty="0">
-                        <a:effectLst/>
-                      </a:endParaRPr>
-                    </a:p>
-                  </a:txBody>
-                  <a:tcPr marL="54769" marR="54769" marT="25278" marB="25278" anchor="ctr"/>
-                </a:tc>
-                <a:tc>
-                  <a:txBody>
-                    <a:bodyPr/>
-                    <a:lstStyle/>
-                    <a:p>
-                      <a:endParaRPr lang="en-US" sz="800" b="1">
-                        <a:effectLst/>
-                      </a:endParaRPr>
-                    </a:p>
-                  </a:txBody>
-                  <a:tcPr marL="54769" marR="54769" marT="25278" marB="25278" anchor="ctr"/>
-                </a:tc>
-                <a:tc>
-                  <a:txBody>
-                    <a:bodyPr/>
-                    <a:lstStyle/>
-                    <a:p>
-                      <a:endParaRPr lang="en-US" sz="800" b="1" dirty="0">
-                        <a:effectLst/>
-                      </a:endParaRPr>
-                    </a:p>
-                  </a:txBody>
-                  <a:tcPr marL="54769" marR="54769" marT="25278" marB="25278" anchor="ctr"/>
-                </a:tc>
-                <a:tc>
-                  <a:txBody>
-                    <a:bodyPr/>
-                    <a:lstStyle/>
-                    <a:p>
-                      <a:endParaRPr lang="en-US" sz="800" b="1" dirty="0">
-                        <a:effectLst/>
-                      </a:endParaRPr>
-                    </a:p>
-                  </a:txBody>
-                  <a:tcPr marL="54769" marR="54769" marT="25278" marB="25278" anchor="ctr"/>
+              <a:tr h="146114">
+                <a:tc>
+                  <a:txBody>
+                    <a:bodyPr/>
+                    <a:lstStyle/>
+                    <a:p>
+                      <a:pPr latinLnBrk="1"/>
+                      <a:endParaRPr lang="ko-KR" altLang="en-US"/>
+                    </a:p>
+                  </a:txBody>
+                  <a:tcPr/>
+                </a:tc>
+                <a:tc>
+                  <a:txBody>
+                    <a:bodyPr/>
+                    <a:lstStyle/>
+                    <a:p>
+                      <a:pPr latinLnBrk="1"/>
+                      <a:endParaRPr lang="ko-KR" altLang="en-US"/>
+                    </a:p>
+                  </a:txBody>
+                  <a:tcPr/>
+                </a:tc>
+                <a:tc>
+                  <a:txBody>
+                    <a:bodyPr/>
+                    <a:lstStyle/>
+                    <a:p>
+                      <a:pPr latinLnBrk="1"/>
+                      <a:endParaRPr lang="ko-KR" altLang="en-US" dirty="0"/>
+                    </a:p>
+                  </a:txBody>
+                  <a:tcPr/>
+                </a:tc>
+                <a:tc>
+                  <a:txBody>
+                    <a:bodyPr/>
+                    <a:lstStyle/>
+                    <a:p>
+                      <a:pPr latinLnBrk="1"/>
+                      <a:endParaRPr lang="ko-KR" altLang="en-US"/>
+                    </a:p>
+                  </a:txBody>
+                  <a:tcPr/>
+                </a:tc>
+                <a:tc>
+                  <a:txBody>
+                    <a:bodyPr/>
+                    <a:lstStyle/>
+                    <a:p>
+                      <a:pPr latinLnBrk="1"/>
+                      <a:endParaRPr lang="ko-KR" altLang="en-US"/>
+                    </a:p>
+                  </a:txBody>
+                  <a:tcPr/>
+                </a:tc>
+                <a:tc>
+                  <a:txBody>
+                    <a:bodyPr/>
+                    <a:lstStyle/>
+                    <a:p>
+                      <a:pPr latinLnBrk="1"/>
+                      <a:endParaRPr lang="ko-KR" altLang="en-US"/>
+                    </a:p>
+                  </a:txBody>
+                  <a:tcPr/>
+                </a:tc>
+                <a:tc>
+                  <a:txBody>
+                    <a:bodyPr/>
+                    <a:lstStyle/>
+                    <a:p>
+                      <a:pPr latinLnBrk="1"/>
+                      <a:endParaRPr lang="ko-KR" altLang="en-US" dirty="0"/>
+                    </a:p>
+                  </a:txBody>
+                  <a:tcPr/>
+                </a:tc>
+                <a:tc>
+                  <a:txBody>
+                    <a:bodyPr/>
+                    <a:lstStyle/>
+                    <a:p>
+                      <a:pPr latinLnBrk="1"/>
+                      <a:endParaRPr lang="ko-KR" altLang="en-US" dirty="0"/>
+                    </a:p>
+                  </a:txBody>
+                  <a:tcPr/>
+                </a:tc>
+                <a:tc>
+                  <a:txBody>
+                    <a:bodyPr/>
+                    <a:lstStyle/>
+                    <a:p>
+                      <a:pPr latinLnBrk="1"/>
+                      <a:endParaRPr lang="ko-KR" altLang="en-US"/>
+                    </a:p>
+                  </a:txBody>
+                  <a:tcPr/>
+                </a:tc>
+                <a:tc>
+                  <a:txBody>
+                    <a:bodyPr/>
+                    <a:lstStyle/>
+                    <a:p>
+                      <a:pPr latinLnBrk="1"/>
+                      <a:endParaRPr lang="ko-KR" altLang="en-US" dirty="0"/>
+                    </a:p>
+                  </a:txBody>
+                  <a:tcPr/>
+                </a:tc>
+                <a:tc>
+                  <a:txBody>
+                    <a:bodyPr/>
+                    <a:lstStyle/>
+                    <a:p>
+                      <a:pPr latinLnBrk="1"/>
+                      <a:endParaRPr lang="ko-KR" altLang="en-US" dirty="0"/>
+                    </a:p>
+                  </a:txBody>
+                  <a:tcPr/>
+                </a:tc>
+                <a:tc>
+                  <a:txBody>
+                    <a:bodyPr/>
+                    <a:lstStyle/>
+                    <a:p>
+                      <a:pPr latinLnBrk="1"/>
+                      <a:endParaRPr lang="ko-KR" altLang="en-US" dirty="0"/>
+                    </a:p>
+                  </a:txBody>
+                  <a:tcPr/>
                 </a:tc>
                 <a:extLst>
                   <a:ext uri="{0D108BD9-81ED-4DB2-BD59-A6C34878D82A}">
-                    <a16:rowId xmlns:a16="http://schemas.microsoft.com/office/drawing/2014/main" val="3607380334"/>
+                    <a16:rowId xmlns:a16="http://schemas.microsoft.com/office/drawing/2014/main" val="10001"/>
+                  </a:ext>
+                </a:extLst>
+              </a:tr>
+              <a:tr h="146114">
+                <a:tc>
+                  <a:txBody>
+                    <a:bodyPr/>
+                    <a:lstStyle/>
+                    <a:p>
+                      <a:pPr latinLnBrk="1"/>
+                      <a:endParaRPr lang="ko-KR" altLang="en-US"/>
+                    </a:p>
+                  </a:txBody>
+                  <a:tcPr/>
+                </a:tc>
+                <a:tc>
+                  <a:txBody>
+                    <a:bodyPr/>
+                    <a:lstStyle/>
+                    <a:p>
+                      <a:pPr latinLnBrk="1"/>
+                      <a:endParaRPr lang="ko-KR" altLang="en-US"/>
+                    </a:p>
+                  </a:txBody>
+                  <a:tcPr/>
+                </a:tc>
+                <a:tc>
+                  <a:txBody>
+                    <a:bodyPr/>
+                    <a:lstStyle/>
+                    <a:p>
+                      <a:pPr latinLnBrk="1"/>
+                      <a:endParaRPr lang="ko-KR" altLang="en-US"/>
+                    </a:p>
+                  </a:txBody>
+                  <a:tcPr/>
+                </a:tc>
+                <a:tc>
+                  <a:txBody>
+                    <a:bodyPr/>
+                    <a:lstStyle/>
+                    <a:p>
+                      <a:pPr latinLnBrk="1"/>
+                      <a:endParaRPr lang="ko-KR" altLang="en-US"/>
+                    </a:p>
+                  </a:txBody>
+                  <a:tcPr/>
+                </a:tc>
+                <a:tc>
+                  <a:txBody>
+                    <a:bodyPr/>
+                    <a:lstStyle/>
+                    <a:p>
+                      <a:pPr latinLnBrk="1"/>
+                      <a:endParaRPr lang="ko-KR" altLang="en-US"/>
+                    </a:p>
+                  </a:txBody>
+                  <a:tcPr/>
+                </a:tc>
+                <a:tc>
+                  <a:txBody>
+                    <a:bodyPr/>
+                    <a:lstStyle/>
+                    <a:p>
+                      <a:pPr latinLnBrk="1"/>
+                      <a:endParaRPr lang="ko-KR" altLang="en-US"/>
+                    </a:p>
+                  </a:txBody>
+                  <a:tcPr/>
+                </a:tc>
+                <a:tc>
+                  <a:txBody>
+                    <a:bodyPr/>
+                    <a:lstStyle/>
+                    <a:p>
+                      <a:pPr latinLnBrk="1"/>
+                      <a:endParaRPr lang="ko-KR" altLang="en-US"/>
+                    </a:p>
+                  </a:txBody>
+                  <a:tcPr/>
+                </a:tc>
+                <a:tc>
+                  <a:txBody>
+                    <a:bodyPr/>
+                    <a:lstStyle/>
+                    <a:p>
+                      <a:pPr latinLnBrk="1"/>
+                      <a:endParaRPr lang="ko-KR" altLang="en-US"/>
+                    </a:p>
+                  </a:txBody>
+                  <a:tcPr/>
+                </a:tc>
+                <a:tc>
+                  <a:txBody>
+                    <a:bodyPr/>
+                    <a:lstStyle/>
+                    <a:p>
+                      <a:pPr latinLnBrk="1"/>
+                      <a:endParaRPr lang="ko-KR" altLang="en-US"/>
+                    </a:p>
+                  </a:txBody>
+                  <a:tcPr/>
+                </a:tc>
+                <a:tc>
+                  <a:txBody>
+                    <a:bodyPr/>
+                    <a:lstStyle/>
+                    <a:p>
+                      <a:pPr latinLnBrk="1"/>
+                      <a:endParaRPr lang="ko-KR" altLang="en-US"/>
+                    </a:p>
+                  </a:txBody>
+                  <a:tcPr/>
+                </a:tc>
+                <a:tc>
+                  <a:txBody>
+                    <a:bodyPr/>
+                    <a:lstStyle/>
+                    <a:p>
+                      <a:pPr latinLnBrk="1"/>
+                      <a:endParaRPr lang="ko-KR" altLang="en-US"/>
+                    </a:p>
+                  </a:txBody>
+                  <a:tcPr/>
+                </a:tc>
+                <a:tc>
+                  <a:txBody>
+                    <a:bodyPr/>
+                    <a:lstStyle/>
+                    <a:p>
+                      <a:pPr latinLnBrk="1"/>
+                      <a:endParaRPr lang="ko-KR" altLang="en-US"/>
+                    </a:p>
+                  </a:txBody>
+                  <a:tcPr/>
+                </a:tc>
+                <a:extLst>
+                  <a:ext uri="{0D108BD9-81ED-4DB2-BD59-A6C34878D82A}">
+                    <a16:rowId xmlns:a16="http://schemas.microsoft.com/office/drawing/2014/main" val="10002"/>
+                  </a:ext>
+                </a:extLst>
+              </a:tr>
+              <a:tr h="146114">
+                <a:tc>
+                  <a:txBody>
+                    <a:bodyPr/>
+                    <a:lstStyle/>
+                    <a:p>
+                      <a:pPr latinLnBrk="1"/>
+                      <a:endParaRPr lang="ko-KR" altLang="en-US" dirty="0"/>
+                    </a:p>
+                  </a:txBody>
+                  <a:tcPr/>
+                </a:tc>
+                <a:tc>
+                  <a:txBody>
+                    <a:bodyPr/>
+                    <a:lstStyle/>
+                    <a:p>
+                      <a:pPr latinLnBrk="1"/>
+                      <a:endParaRPr lang="ko-KR" altLang="en-US"/>
+                    </a:p>
+                  </a:txBody>
+                  <a:tcPr/>
+                </a:tc>
+                <a:tc>
+                  <a:txBody>
+                    <a:bodyPr/>
+                    <a:lstStyle/>
+                    <a:p>
+                      <a:pPr latinLnBrk="1"/>
+                      <a:endParaRPr lang="ko-KR" altLang="en-US" dirty="0"/>
+                    </a:p>
+                  </a:txBody>
+                  <a:tcPr/>
+                </a:tc>
+                <a:tc>
+                  <a:txBody>
+                    <a:bodyPr/>
+                    <a:lstStyle/>
+                    <a:p>
+                      <a:pPr latinLnBrk="1"/>
+                      <a:endParaRPr lang="ko-KR" altLang="en-US"/>
+                    </a:p>
+                  </a:txBody>
+                  <a:tcPr/>
+                </a:tc>
+                <a:tc>
+                  <a:txBody>
+                    <a:bodyPr/>
+                    <a:lstStyle/>
+                    <a:p>
+                      <a:pPr latinLnBrk="1"/>
+                      <a:endParaRPr lang="ko-KR" altLang="en-US"/>
+                    </a:p>
+                  </a:txBody>
+                  <a:tcPr/>
+                </a:tc>
+                <a:tc>
+                  <a:txBody>
+                    <a:bodyPr/>
+                    <a:lstStyle/>
+                    <a:p>
+                      <a:pPr latinLnBrk="1"/>
+                      <a:endParaRPr lang="ko-KR" altLang="en-US"/>
+                    </a:p>
+                  </a:txBody>
+                  <a:tcPr/>
+                </a:tc>
+                <a:tc>
+                  <a:txBody>
+                    <a:bodyPr/>
+                    <a:lstStyle/>
+                    <a:p>
+                      <a:pPr latinLnBrk="1"/>
+                      <a:endParaRPr lang="ko-KR" altLang="en-US"/>
+                    </a:p>
+                  </a:txBody>
+                  <a:tcPr/>
+                </a:tc>
+                <a:tc>
+                  <a:txBody>
+                    <a:bodyPr/>
+                    <a:lstStyle/>
+                    <a:p>
+                      <a:pPr latinLnBrk="1"/>
+                      <a:endParaRPr lang="ko-KR" altLang="en-US" dirty="0"/>
+                    </a:p>
+                  </a:txBody>
+                  <a:tcPr/>
+                </a:tc>
+                <a:tc>
+                  <a:txBody>
+                    <a:bodyPr/>
+                    <a:lstStyle/>
+                    <a:p>
+                      <a:pPr latinLnBrk="1"/>
+                      <a:endParaRPr lang="ko-KR" altLang="en-US"/>
+                    </a:p>
+                  </a:txBody>
+                  <a:tcPr/>
+                </a:tc>
+                <a:tc>
+                  <a:txBody>
+                    <a:bodyPr/>
+                    <a:lstStyle/>
+                    <a:p>
+                      <a:pPr latinLnBrk="1"/>
+                      <a:endParaRPr lang="ko-KR" altLang="en-US" dirty="0"/>
+                    </a:p>
+                  </a:txBody>
+                  <a:tcPr/>
+                </a:tc>
+                <a:tc>
+                  <a:txBody>
+                    <a:bodyPr/>
+                    <a:lstStyle/>
+                    <a:p>
+                      <a:pPr latinLnBrk="1"/>
+                      <a:endParaRPr lang="ko-KR" altLang="en-US" dirty="0"/>
+                    </a:p>
+                  </a:txBody>
+                  <a:tcPr/>
+                </a:tc>
+                <a:tc>
+                  <a:txBody>
+                    <a:bodyPr/>
+                    <a:lstStyle/>
+                    <a:p>
+                      <a:pPr latinLnBrk="1"/>
+                      <a:endParaRPr lang="ko-KR" altLang="en-US" dirty="0"/>
+                    </a:p>
+                  </a:txBody>
+                  <a:tcPr/>
+                </a:tc>
+                <a:extLst>
+                  <a:ext uri="{0D108BD9-81ED-4DB2-BD59-A6C34878D82A}">
+                    <a16:rowId xmlns:a16="http://schemas.microsoft.com/office/drawing/2014/main" val="10003"/>
                   </a:ext>
                 </a:extLst>
               </a:tr>
@@ -8277,11 +8158,6 @@
         </a:graphic>
       </p:graphicFrame>
     </p:spTree>
-    <p:extLst>
-      <p:ext uri="{BB962C8B-B14F-4D97-AF65-F5344CB8AC3E}">
-        <p14:creationId xmlns:p14="http://schemas.microsoft.com/office/powerpoint/2010/main" val="4202977064"/>
-      </p:ext>
-    </p:extLst>
   </p:cSld>
   <p:clrMapOvr>
     <a:masterClrMapping/>
@@ -8332,7 +8208,7 @@
     </a:clrScheme>
     <a:fontScheme name="Office">
       <a:majorFont>
-        <a:latin typeface="맑은 고딕" panose="020F0302020204030204"/>
+        <a:latin typeface="맑은 고딕"/>
         <a:ea typeface=""/>
         <a:cs typeface=""/>
         <a:font script="Jpan" typeface="游ゴシック Light"/>
@@ -8365,26 +8241,9 @@
         <a:font script="Viet" typeface="Times New Roman"/>
         <a:font script="Uigh" typeface="Microsoft Uighur"/>
         <a:font script="Geor" typeface="Sylfaen"/>
-        <a:font script="Armn" typeface="Arial"/>
-        <a:font script="Bugi" typeface="Leelawadee UI"/>
-        <a:font script="Bopo" typeface="Microsoft JhengHei"/>
-        <a:font script="Java" typeface="Javanese Text"/>
-        <a:font script="Lisu" typeface="Segoe UI"/>
-        <a:font script="Mymr" typeface="Myanmar Text"/>
-        <a:font script="Nkoo" typeface="Ebrima"/>
-        <a:font script="Olck" typeface="Nirmala UI"/>
-        <a:font script="Osma" typeface="Ebrima"/>
-        <a:font script="Phag" typeface="Phagspa"/>
-        <a:font script="Syrn" typeface="Estrangelo Edessa"/>
-        <a:font script="Syrj" typeface="Estrangelo Edessa"/>
-        <a:font script="Syre" typeface="Estrangelo Edessa"/>
-        <a:font script="Sora" typeface="Nirmala UI"/>
-        <a:font script="Tale" typeface="Microsoft Tai Le"/>
-        <a:font script="Talu" typeface="Microsoft New Tai Lue"/>
-        <a:font script="Tfng" typeface="Ebrima"/>
       </a:majorFont>
       <a:minorFont>
-        <a:latin typeface="맑은 고딕" panose="020F0502020204030204"/>
+        <a:latin typeface="맑은 고딕"/>
         <a:ea typeface=""/>
         <a:cs typeface=""/>
         <a:font script="Jpan" typeface="游ゴシック"/>
@@ -8417,23 +8276,6 @@
         <a:font script="Viet" typeface="Arial"/>
         <a:font script="Uigh" typeface="Microsoft Uighur"/>
         <a:font script="Geor" typeface="Sylfaen"/>
-        <a:font script="Armn" typeface="Arial"/>
-        <a:font script="Bugi" typeface="Leelawadee UI"/>
-        <a:font script="Bopo" typeface="Microsoft JhengHei"/>
-        <a:font script="Java" typeface="Javanese Text"/>
-        <a:font script="Lisu" typeface="Segoe UI"/>
-        <a:font script="Mymr" typeface="Myanmar Text"/>
-        <a:font script="Nkoo" typeface="Ebrima"/>
-        <a:font script="Olck" typeface="Nirmala UI"/>
-        <a:font script="Osma" typeface="Ebrima"/>
-        <a:font script="Phag" typeface="Phagspa"/>
-        <a:font script="Syrn" typeface="Estrangelo Edessa"/>
-        <a:font script="Syrj" typeface="Estrangelo Edessa"/>
-        <a:font script="Syre" typeface="Estrangelo Edessa"/>
-        <a:font script="Sora" typeface="Nirmala UI"/>
-        <a:font script="Tale" typeface="Microsoft Tai Le"/>
-        <a:font script="Talu" typeface="Microsoft New Tai Lue"/>
-        <a:font script="Tfng" typeface="Ebrima"/>
       </a:minorFont>
     </a:fontScheme>
     <a:fmtScheme name="Office">
